--- a/translations/en-us/intermediate/Reliability.pptx
+++ b/translations/en-us/intermediate/Reliability.pptx
@@ -3,26 +3,27 @@
 <p:presentation xmlns:a="http://schemas.openxmlformats.org/drawingml/2006/main" xmlns:r="http://schemas.openxmlformats.org/officeDocument/2006/relationships" xmlns:p="http://schemas.openxmlformats.org/presentationml/2006/main" showSpecialPlsOnTitleSld="0" saveSubsetFonts="1" autoCompressPictures="0">
   <p:sldMasterIdLst>
     <p:sldMasterId id="2147483677" r:id="rId1"/>
+    <p:sldMasterId id="2147483689" r:id="rId2"/>
   </p:sldMasterIdLst>
   <p:notesMasterIdLst>
-    <p:notesMasterId r:id="rId14"/>
+    <p:notesMasterId r:id="rId15"/>
   </p:notesMasterIdLst>
   <p:handoutMasterIdLst>
-    <p:handoutMasterId r:id="rId15"/>
+    <p:handoutMasterId r:id="rId16"/>
   </p:handoutMasterIdLst>
   <p:sldIdLst>
-    <p:sldId id="274" r:id="rId2"/>
-    <p:sldId id="273" r:id="rId3"/>
-    <p:sldId id="262" r:id="rId4"/>
-    <p:sldId id="263" r:id="rId5"/>
-    <p:sldId id="264" r:id="rId6"/>
-    <p:sldId id="265" r:id="rId7"/>
-    <p:sldId id="266" r:id="rId8"/>
-    <p:sldId id="267" r:id="rId9"/>
-    <p:sldId id="268" r:id="rId10"/>
-    <p:sldId id="269" r:id="rId11"/>
-    <p:sldId id="270" r:id="rId12"/>
-    <p:sldId id="272" r:id="rId13"/>
+    <p:sldId id="274" r:id="rId3"/>
+    <p:sldId id="273" r:id="rId4"/>
+    <p:sldId id="262" r:id="rId5"/>
+    <p:sldId id="263" r:id="rId6"/>
+    <p:sldId id="264" r:id="rId7"/>
+    <p:sldId id="265" r:id="rId8"/>
+    <p:sldId id="266" r:id="rId9"/>
+    <p:sldId id="267" r:id="rId10"/>
+    <p:sldId id="268" r:id="rId11"/>
+    <p:sldId id="269" r:id="rId12"/>
+    <p:sldId id="270" r:id="rId13"/>
+    <p:sldId id="272" r:id="rId14"/>
   </p:sldIdLst>
   <p:sldSz cx="9144000" cy="6858000" type="screen4x3"/>
   <p:notesSz cx="6858000" cy="9144000"/>
@@ -222,7 +223,7 @@
           <a:p>
             <a:fld id="{E51D27F7-9EF7-0C4F-894E-C435E4AB2EBC}" type="datetimeFigureOut">
               <a:rPr lang="en-US" smtClean="0"/>
-              <a:t>11/13/15</a:t>
+              <a:t>7/7/2016</a:t>
             </a:fld>
             <a:endParaRPr lang="en-US"/>
           </a:p>
@@ -388,7 +389,7 @@
           <a:p>
             <a:fld id="{28FF3520-AFFD-1446-A579-6C83B4D7BADC}" type="datetimeFigureOut">
               <a:rPr lang="en-US" smtClean="0"/>
-              <a:t>11/13/15</a:t>
+              <a:t>7/7/2016</a:t>
             </a:fld>
             <a:endParaRPr lang="en-US"/>
           </a:p>
@@ -452,38 +453,37 @@
           <a:p>
             <a:pPr lvl="0"/>
             <a:r>
-              <a:rPr lang="en-US" smtClean="0"/>
+              <a:rPr lang="en-US"/>
               <a:t>Click to edit Master text styles</a:t>
             </a:r>
           </a:p>
           <a:p>
             <a:pPr lvl="1"/>
             <a:r>
-              <a:rPr lang="en-US" smtClean="0"/>
+              <a:rPr lang="en-US"/>
               <a:t>Second level</a:t>
             </a:r>
           </a:p>
           <a:p>
             <a:pPr lvl="2"/>
             <a:r>
-              <a:rPr lang="en-US" smtClean="0"/>
+              <a:rPr lang="en-US"/>
               <a:t>Third level</a:t>
             </a:r>
           </a:p>
           <a:p>
             <a:pPr lvl="3"/>
             <a:r>
-              <a:rPr lang="en-US" smtClean="0"/>
+              <a:rPr lang="en-US"/>
               <a:t>Fourth level</a:t>
             </a:r>
           </a:p>
           <a:p>
             <a:pPr lvl="4"/>
             <a:r>
-              <a:rPr lang="en-US" smtClean="0"/>
+              <a:rPr lang="en-US"/>
               <a:t>Fifth level</a:t>
             </a:r>
-            <a:endParaRPr lang="en-US"/>
           </a:p>
         </p:txBody>
       </p:sp>
@@ -836,10 +836,9 @@
           </a:lstStyle>
           <a:p>
             <a:r>
-              <a:rPr lang="en-US" dirty="0" smtClean="0"/>
+              <a:rPr lang="en-US" dirty="0"/>
               <a:t>INTERMEDIATE PROGRAMMING LESSON</a:t>
             </a:r>
-            <a:endParaRPr lang="en-US" dirty="0"/>
           </a:p>
         </p:txBody>
       </p:sp>
@@ -908,10 +907,9 @@
           </a:lstStyle>
           <a:p>
             <a:r>
-              <a:rPr lang="en-US" dirty="0" smtClean="0"/>
+              <a:rPr lang="en-US" dirty="0"/>
               <a:t>Click to edit Master subtitle style</a:t>
             </a:r>
-            <a:endParaRPr lang="en-US" dirty="0"/>
           </a:p>
         </p:txBody>
       </p:sp>
@@ -930,9 +928,9 @@
           <a:bodyPr/>
           <a:lstStyle/>
           <a:p>
-            <a:fld id="{6B13CFBD-0392-DF42-9C65-6D1DE0580181}" type="datetime1">
+            <a:fld id="{D2FF36FD-2B6F-441C-A1CE-0902E0C59CBD}" type="datetime1">
               <a:rPr lang="en-US" smtClean="0"/>
-              <a:t>11/13/15</a:t>
+              <a:t>7/7/2016</a:t>
             </a:fld>
             <a:endParaRPr lang="en-US"/>
           </a:p>
@@ -954,10 +952,9 @@
           <a:lstStyle/>
           <a:p>
             <a:r>
-              <a:rPr lang="sk-SK" smtClean="0"/>
-              <a:t>© 2015 EV3Lessons.com, Last edit 11/13/2015</a:t>
-            </a:r>
-            <a:endParaRPr lang="en-US"/>
+              <a:rPr lang="en-US"/>
+              <a:t>© 2016 EV3Lessons.com, Last edit 7/06/2016</a:t>
+            </a:r>
           </a:p>
         </p:txBody>
       </p:sp>
@@ -1121,14 +1118,13 @@
           <a:lstStyle/>
           <a:p>
             <a:r>
-              <a:rPr lang="en-US" dirty="0" smtClean="0"/>
+              <a:rPr lang="en-US" dirty="0"/>
               <a:t>By </a:t>
             </a:r>
             <a:r>
-              <a:rPr lang="en-US" smtClean="0"/>
+              <a:rPr lang="en-US"/>
               <a:t>Droids Robotics</a:t>
             </a:r>
-            <a:endParaRPr lang="en-US"/>
           </a:p>
         </p:txBody>
       </p:sp>
@@ -1194,7 +1190,7 @@
           <a:noFill/>
           <a:extLst>
             <a:ext uri="{909E8E84-426E-40dd-AFC4-6F175D3DCCD1}">
-              <a14:hiddenFill xmlns="" xmlns:a14="http://schemas.microsoft.com/office/drawing/2010/main">
+              <a14:hiddenFill xmlns:a14="http://schemas.microsoft.com/office/drawing/2010/main" xmlns="">
                 <a:solidFill>
                   <a:srgbClr val="FFFFFF"/>
                 </a:solidFill>
@@ -1249,83 +1245,83 @@
           <a:lstStyle/>
           <a:p>
             <a:r>
+              <a:rPr lang="en-US"/>
+              <a:t>Click to edit Master title style</a:t>
+            </a:r>
+            <a:endParaRPr lang="en-US" dirty="0"/>
+          </a:p>
+        </p:txBody>
+      </p:sp>
+      <p:sp>
+        <p:nvSpPr>
+          <p:cNvPr id="3" name="Vertical Text Placeholder 2"/>
+          <p:cNvSpPr>
+            <a:spLocks noGrp="1"/>
+          </p:cNvSpPr>
+          <p:nvPr>
+            <p:ph type="body" orient="vert" idx="1"/>
+          </p:nvPr>
+        </p:nvSpPr>
+        <p:spPr/>
+        <p:txBody>
+          <a:bodyPr vert="eaVert" lIns="45720" tIns="0" rIns="45720" bIns="0"/>
+          <a:lstStyle/>
+          <a:p>
+            <a:pPr lvl="0"/>
+            <a:r>
+              <a:rPr lang="en-US"/>
+              <a:t>Click to edit Master text styles</a:t>
+            </a:r>
+          </a:p>
+          <a:p>
+            <a:pPr lvl="1"/>
+            <a:r>
+              <a:rPr lang="en-US"/>
+              <a:t>Second level</a:t>
+            </a:r>
+          </a:p>
+          <a:p>
+            <a:pPr lvl="2"/>
+            <a:r>
+              <a:rPr lang="en-US"/>
+              <a:t>Third level</a:t>
+            </a:r>
+          </a:p>
+          <a:p>
+            <a:pPr lvl="3"/>
+            <a:r>
+              <a:rPr lang="en-US"/>
+              <a:t>Fourth level</a:t>
+            </a:r>
+          </a:p>
+          <a:p>
+            <a:pPr lvl="4"/>
+            <a:r>
+              <a:rPr lang="en-US"/>
+              <a:t>Fifth level</a:t>
+            </a:r>
+            <a:endParaRPr lang="en-US" dirty="0"/>
+          </a:p>
+        </p:txBody>
+      </p:sp>
+      <p:sp>
+        <p:nvSpPr>
+          <p:cNvPr id="4" name="Date Placeholder 3"/>
+          <p:cNvSpPr>
+            <a:spLocks noGrp="1"/>
+          </p:cNvSpPr>
+          <p:nvPr>
+            <p:ph type="dt" sz="half" idx="10"/>
+          </p:nvPr>
+        </p:nvSpPr>
+        <p:spPr/>
+        <p:txBody>
+          <a:bodyPr/>
+          <a:lstStyle/>
+          <a:p>
+            <a:fld id="{EAE20AF0-8636-47DE-AAD4-68AE79A4660D}" type="datetime1">
               <a:rPr lang="en-US" smtClean="0"/>
-              <a:t>Click to edit Master title style</a:t>
-            </a:r>
-            <a:endParaRPr lang="en-US" dirty="0"/>
-          </a:p>
-        </p:txBody>
-      </p:sp>
-      <p:sp>
-        <p:nvSpPr>
-          <p:cNvPr id="3" name="Vertical Text Placeholder 2"/>
-          <p:cNvSpPr>
-            <a:spLocks noGrp="1"/>
-          </p:cNvSpPr>
-          <p:nvPr>
-            <p:ph type="body" orient="vert" idx="1"/>
-          </p:nvPr>
-        </p:nvSpPr>
-        <p:spPr/>
-        <p:txBody>
-          <a:bodyPr vert="eaVert" lIns="45720" tIns="0" rIns="45720" bIns="0"/>
-          <a:lstStyle/>
-          <a:p>
-            <a:pPr lvl="0"/>
-            <a:r>
-              <a:rPr lang="en-US" smtClean="0"/>
-              <a:t>Click to edit Master text styles</a:t>
-            </a:r>
-          </a:p>
-          <a:p>
-            <a:pPr lvl="1"/>
-            <a:r>
-              <a:rPr lang="en-US" smtClean="0"/>
-              <a:t>Second level</a:t>
-            </a:r>
-          </a:p>
-          <a:p>
-            <a:pPr lvl="2"/>
-            <a:r>
-              <a:rPr lang="en-US" smtClean="0"/>
-              <a:t>Third level</a:t>
-            </a:r>
-          </a:p>
-          <a:p>
-            <a:pPr lvl="3"/>
-            <a:r>
-              <a:rPr lang="en-US" smtClean="0"/>
-              <a:t>Fourth level</a:t>
-            </a:r>
-          </a:p>
-          <a:p>
-            <a:pPr lvl="4"/>
-            <a:r>
-              <a:rPr lang="en-US" smtClean="0"/>
-              <a:t>Fifth level</a:t>
-            </a:r>
-            <a:endParaRPr lang="en-US" dirty="0"/>
-          </a:p>
-        </p:txBody>
-      </p:sp>
-      <p:sp>
-        <p:nvSpPr>
-          <p:cNvPr id="4" name="Date Placeholder 3"/>
-          <p:cNvSpPr>
-            <a:spLocks noGrp="1"/>
-          </p:cNvSpPr>
-          <p:nvPr>
-            <p:ph type="dt" sz="half" idx="10"/>
-          </p:nvPr>
-        </p:nvSpPr>
-        <p:spPr/>
-        <p:txBody>
-          <a:bodyPr/>
-          <a:lstStyle/>
-          <a:p>
-            <a:fld id="{BF0F175E-9EAC-E14B-B7AC-8C8F25EC1DAA}" type="datetime1">
-              <a:rPr lang="en-US" smtClean="0"/>
-              <a:t>11/13/15</a:t>
+              <a:t>7/7/2016</a:t>
             </a:fld>
             <a:endParaRPr lang="en-US"/>
           </a:p>
@@ -1347,10 +1343,9 @@
           <a:lstStyle/>
           <a:p>
             <a:r>
-              <a:rPr lang="sk-SK" smtClean="0"/>
-              <a:t>© 2015 EV3Lessons.com, Last edit 11/13/2015</a:t>
-            </a:r>
-            <a:endParaRPr lang="en-US"/>
+              <a:rPr lang="en-US"/>
+              <a:t>© 2016 EV3Lessons.com, Last edit 7/06/2016</a:t>
+            </a:r>
           </a:p>
         </p:txBody>
       </p:sp>
@@ -1504,7 +1499,7 @@
           <a:lstStyle/>
           <a:p>
             <a:r>
-              <a:rPr lang="en-US" smtClean="0"/>
+              <a:rPr lang="en-US"/>
               <a:t>Click to edit Master title style</a:t>
             </a:r>
             <a:endParaRPr lang="en-US" dirty="0"/>
@@ -1533,59 +1528,59 @@
           <a:p>
             <a:pPr lvl="0"/>
             <a:r>
+              <a:rPr lang="en-US"/>
+              <a:t>Click to edit Master text styles</a:t>
+            </a:r>
+          </a:p>
+          <a:p>
+            <a:pPr lvl="1"/>
+            <a:r>
+              <a:rPr lang="en-US"/>
+              <a:t>Second level</a:t>
+            </a:r>
+          </a:p>
+          <a:p>
+            <a:pPr lvl="2"/>
+            <a:r>
+              <a:rPr lang="en-US"/>
+              <a:t>Third level</a:t>
+            </a:r>
+          </a:p>
+          <a:p>
+            <a:pPr lvl="3"/>
+            <a:r>
+              <a:rPr lang="en-US"/>
+              <a:t>Fourth level</a:t>
+            </a:r>
+          </a:p>
+          <a:p>
+            <a:pPr lvl="4"/>
+            <a:r>
+              <a:rPr lang="en-US"/>
+              <a:t>Fifth level</a:t>
+            </a:r>
+            <a:endParaRPr lang="en-US" dirty="0"/>
+          </a:p>
+        </p:txBody>
+      </p:sp>
+      <p:sp>
+        <p:nvSpPr>
+          <p:cNvPr id="4" name="Date Placeholder 3"/>
+          <p:cNvSpPr>
+            <a:spLocks noGrp="1"/>
+          </p:cNvSpPr>
+          <p:nvPr>
+            <p:ph type="dt" sz="half" idx="10"/>
+          </p:nvPr>
+        </p:nvSpPr>
+        <p:spPr/>
+        <p:txBody>
+          <a:bodyPr/>
+          <a:lstStyle/>
+          <a:p>
+            <a:fld id="{49477A04-3904-4CF9-A230-09C8F967D662}" type="datetime1">
               <a:rPr lang="en-US" smtClean="0"/>
-              <a:t>Click to edit Master text styles</a:t>
-            </a:r>
-          </a:p>
-          <a:p>
-            <a:pPr lvl="1"/>
-            <a:r>
-              <a:rPr lang="en-US" smtClean="0"/>
-              <a:t>Second level</a:t>
-            </a:r>
-          </a:p>
-          <a:p>
-            <a:pPr lvl="2"/>
-            <a:r>
-              <a:rPr lang="en-US" smtClean="0"/>
-              <a:t>Third level</a:t>
-            </a:r>
-          </a:p>
-          <a:p>
-            <a:pPr lvl="3"/>
-            <a:r>
-              <a:rPr lang="en-US" smtClean="0"/>
-              <a:t>Fourth level</a:t>
-            </a:r>
-          </a:p>
-          <a:p>
-            <a:pPr lvl="4"/>
-            <a:r>
-              <a:rPr lang="en-US" smtClean="0"/>
-              <a:t>Fifth level</a:t>
-            </a:r>
-            <a:endParaRPr lang="en-US" dirty="0"/>
-          </a:p>
-        </p:txBody>
-      </p:sp>
-      <p:sp>
-        <p:nvSpPr>
-          <p:cNvPr id="4" name="Date Placeholder 3"/>
-          <p:cNvSpPr>
-            <a:spLocks noGrp="1"/>
-          </p:cNvSpPr>
-          <p:nvPr>
-            <p:ph type="dt" sz="half" idx="10"/>
-          </p:nvPr>
-        </p:nvSpPr>
-        <p:spPr/>
-        <p:txBody>
-          <a:bodyPr/>
-          <a:lstStyle/>
-          <a:p>
-            <a:fld id="{ABE2FCFC-C57A-2442-884C-F5C58B3A2465}" type="datetime1">
-              <a:rPr lang="en-US" smtClean="0"/>
-              <a:t>11/13/15</a:t>
+              <a:t>7/7/2016</a:t>
             </a:fld>
             <a:endParaRPr lang="en-US"/>
           </a:p>
@@ -1607,10 +1602,9 @@
           <a:lstStyle/>
           <a:p>
             <a:r>
-              <a:rPr lang="sk-SK" smtClean="0"/>
-              <a:t>© 2015 EV3Lessons.com, Last edit 11/13/2015</a:t>
-            </a:r>
-            <a:endParaRPr lang="en-US"/>
+              <a:rPr lang="en-US"/>
+              <a:t>© 2016 EV3Lessons.com, Last edit 7/06/2016</a:t>
+            </a:r>
           </a:p>
         </p:txBody>
       </p:sp>
@@ -1650,7 +1644,533 @@
 </p:sldLayout>
 </file>
 
-<file path=ppt/slideLayouts/slideLayout2.xml><?xml version="1.0" encoding="utf-8"?>
+<file path=ppt/slideLayouts/slideLayout12.xml><?xml version="1.0" encoding="utf-8"?>
+<p:sldLayout xmlns:a="http://schemas.openxmlformats.org/drawingml/2006/main" xmlns:r="http://schemas.openxmlformats.org/officeDocument/2006/relationships" xmlns:p="http://schemas.openxmlformats.org/presentationml/2006/main" showMasterSp="0" type="title" preserve="1">
+  <p:cSld name="Title Slide">
+    <p:spTree>
+      <p:nvGrpSpPr>
+        <p:cNvPr id="1" name=""/>
+        <p:cNvGrpSpPr/>
+        <p:nvPr/>
+      </p:nvGrpSpPr>
+      <p:grpSpPr>
+        <a:xfrm>
+          <a:off x="0" y="0"/>
+          <a:ext cx="0" cy="0"/>
+          <a:chOff x="0" y="0"/>
+          <a:chExt cx="0" cy="0"/>
+        </a:xfrm>
+      </p:grpSpPr>
+      <p:sp>
+        <p:nvSpPr>
+          <p:cNvPr id="7" name="Rectangle 6"/>
+          <p:cNvSpPr/>
+          <p:nvPr/>
+        </p:nvSpPr>
+        <p:spPr>
+          <a:xfrm>
+            <a:off x="2382" y="6400800"/>
+            <a:ext cx="9141619" cy="457200"/>
+          </a:xfrm>
+          <a:prstGeom prst="rect">
+            <a:avLst/>
+          </a:prstGeom>
+          <a:solidFill>
+            <a:srgbClr val="0070C0"/>
+          </a:solidFill>
+          <a:ln>
+            <a:noFill/>
+          </a:ln>
+        </p:spPr>
+        <p:style>
+          <a:lnRef idx="2">
+            <a:schemeClr val="accent1">
+              <a:shade val="50000"/>
+            </a:schemeClr>
+          </a:lnRef>
+          <a:fillRef idx="1">
+            <a:schemeClr val="accent1"/>
+          </a:fillRef>
+          <a:effectRef idx="0">
+            <a:schemeClr val="accent1"/>
+          </a:effectRef>
+          <a:fontRef idx="minor">
+            <a:schemeClr val="lt1"/>
+          </a:fontRef>
+        </p:style>
+      </p:sp>
+      <p:sp>
+        <p:nvSpPr>
+          <p:cNvPr id="2" name="Title 1"/>
+          <p:cNvSpPr>
+            <a:spLocks noGrp="1"/>
+          </p:cNvSpPr>
+          <p:nvPr>
+            <p:ph type="ctrTitle" hasCustomPrompt="1"/>
+          </p:nvPr>
+        </p:nvSpPr>
+        <p:spPr>
+          <a:xfrm>
+            <a:off x="196279" y="154094"/>
+            <a:ext cx="3853207" cy="1870649"/>
+          </a:xfrm>
+          <a:ln>
+            <a:noFill/>
+          </a:ln>
+        </p:spPr>
+        <p:txBody>
+          <a:bodyPr anchor="ctr">
+            <a:normAutofit/>
+          </a:bodyPr>
+          <a:lstStyle>
+            <a:lvl1pPr algn="l">
+              <a:lnSpc>
+                <a:spcPct val="85000"/>
+              </a:lnSpc>
+              <a:defRPr sz="4000" spc="-50" baseline="0">
+                <a:solidFill>
+                  <a:schemeClr val="tx1">
+                    <a:lumMod val="85000"/>
+                    <a:lumOff val="15000"/>
+                  </a:schemeClr>
+                </a:solidFill>
+              </a:defRPr>
+            </a:lvl1pPr>
+          </a:lstStyle>
+          <a:p>
+            <a:r>
+              <a:rPr lang="en-US" dirty="0"/>
+              <a:t>INTERMEDIATE PROGRAMMING LESSON</a:t>
+            </a:r>
+          </a:p>
+        </p:txBody>
+      </p:sp>
+      <p:sp>
+        <p:nvSpPr>
+          <p:cNvPr id="3" name="Subtitle 2"/>
+          <p:cNvSpPr>
+            <a:spLocks noGrp="1"/>
+          </p:cNvSpPr>
+          <p:nvPr>
+            <p:ph type="subTitle" idx="1"/>
+          </p:nvPr>
+        </p:nvSpPr>
+        <p:spPr>
+          <a:xfrm>
+            <a:off x="1548051" y="3452894"/>
+            <a:ext cx="6004883" cy="401411"/>
+          </a:xfrm>
+        </p:spPr>
+        <p:txBody>
+          <a:bodyPr lIns="91440" rIns="91440">
+            <a:normAutofit/>
+          </a:bodyPr>
+          <a:lstStyle>
+            <a:lvl1pPr marL="0" indent="0" algn="ctr">
+              <a:buNone/>
+              <a:defRPr sz="2400" cap="all" spc="200" baseline="0">
+                <a:solidFill>
+                  <a:schemeClr val="tx2"/>
+                </a:solidFill>
+                <a:latin typeface="+mj-lt"/>
+              </a:defRPr>
+            </a:lvl1pPr>
+            <a:lvl2pPr marL="457200" indent="0" algn="ctr">
+              <a:buNone/>
+              <a:defRPr sz="2400"/>
+            </a:lvl2pPr>
+            <a:lvl3pPr marL="914400" indent="0" algn="ctr">
+              <a:buNone/>
+              <a:defRPr sz="2400"/>
+            </a:lvl3pPr>
+            <a:lvl4pPr marL="1371600" indent="0" algn="ctr">
+              <a:buNone/>
+              <a:defRPr sz="2000"/>
+            </a:lvl4pPr>
+            <a:lvl5pPr marL="1828800" indent="0" algn="ctr">
+              <a:buNone/>
+              <a:defRPr sz="2000"/>
+            </a:lvl5pPr>
+            <a:lvl6pPr marL="2286000" indent="0" algn="ctr">
+              <a:buNone/>
+              <a:defRPr sz="2000"/>
+            </a:lvl6pPr>
+            <a:lvl7pPr marL="2743200" indent="0" algn="ctr">
+              <a:buNone/>
+              <a:defRPr sz="2000"/>
+            </a:lvl7pPr>
+            <a:lvl8pPr marL="3200400" indent="0" algn="ctr">
+              <a:buNone/>
+              <a:defRPr sz="2000"/>
+            </a:lvl8pPr>
+            <a:lvl9pPr marL="3657600" indent="0" algn="ctr">
+              <a:buNone/>
+              <a:defRPr sz="2000"/>
+            </a:lvl9pPr>
+          </a:lstStyle>
+          <a:p>
+            <a:r>
+              <a:rPr lang="en-US"/>
+              <a:t>Click to edit Master subtitle style</a:t>
+            </a:r>
+            <a:endParaRPr lang="en-US" dirty="0"/>
+          </a:p>
+        </p:txBody>
+      </p:sp>
+      <p:sp>
+        <p:nvSpPr>
+          <p:cNvPr id="4" name="Date Placeholder 3"/>
+          <p:cNvSpPr>
+            <a:spLocks noGrp="1"/>
+          </p:cNvSpPr>
+          <p:nvPr>
+            <p:ph type="dt" sz="half" idx="10"/>
+          </p:nvPr>
+        </p:nvSpPr>
+        <p:spPr/>
+        <p:txBody>
+          <a:bodyPr/>
+          <a:lstStyle/>
+          <a:p>
+            <a:fld id="{B23410ED-5F0C-4D4E-9795-9CC6048A2E17}" type="datetime1">
+              <a:rPr lang="en-US" smtClean="0"/>
+              <a:t>7/7/2016</a:t>
+            </a:fld>
+            <a:endParaRPr lang="en-US"/>
+          </a:p>
+        </p:txBody>
+      </p:sp>
+      <p:sp>
+        <p:nvSpPr>
+          <p:cNvPr id="5" name="Footer Placeholder 4"/>
+          <p:cNvSpPr>
+            <a:spLocks noGrp="1"/>
+          </p:cNvSpPr>
+          <p:nvPr>
+            <p:ph type="ftr" sz="quarter" idx="11"/>
+          </p:nvPr>
+        </p:nvSpPr>
+        <p:spPr/>
+        <p:txBody>
+          <a:bodyPr/>
+          <a:lstStyle/>
+          <a:p>
+            <a:r>
+              <a:rPr lang="en-US"/>
+              <a:t>© 2016 EV3Lessons.com, Last edit 7/06/2016</a:t>
+            </a:r>
+          </a:p>
+        </p:txBody>
+      </p:sp>
+      <p:sp>
+        <p:nvSpPr>
+          <p:cNvPr id="6" name="Slide Number Placeholder 5"/>
+          <p:cNvSpPr>
+            <a:spLocks noGrp="1"/>
+          </p:cNvSpPr>
+          <p:nvPr>
+            <p:ph type="sldNum" sz="quarter" idx="12"/>
+          </p:nvPr>
+        </p:nvSpPr>
+        <p:spPr/>
+        <p:txBody>
+          <a:bodyPr/>
+          <a:lstStyle/>
+          <a:p>
+            <a:fld id="{7F5CE407-6216-4202-80E4-A30DC2F709B2}" type="slidenum">
+              <a:rPr lang="en-US" smtClean="0"/>
+              <a:t>‹#›</a:t>
+            </a:fld>
+            <a:endParaRPr lang="en-US"/>
+          </a:p>
+        </p:txBody>
+      </p:sp>
+      <p:cxnSp>
+        <p:nvCxnSpPr>
+          <p:cNvPr id="9" name="Straight Connector 8"/>
+          <p:cNvCxnSpPr/>
+          <p:nvPr/>
+        </p:nvCxnSpPr>
+        <p:spPr>
+          <a:xfrm>
+            <a:off x="905744" y="3854305"/>
+            <a:ext cx="7406640" cy="0"/>
+          </a:xfrm>
+          <a:prstGeom prst="line">
+            <a:avLst/>
+          </a:prstGeom>
+          <a:ln w="6350">
+            <a:solidFill>
+              <a:schemeClr val="tx1">
+                <a:lumMod val="50000"/>
+                <a:lumOff val="50000"/>
+              </a:schemeClr>
+            </a:solidFill>
+          </a:ln>
+        </p:spPr>
+        <p:style>
+          <a:lnRef idx="1">
+            <a:schemeClr val="accent1"/>
+          </a:lnRef>
+          <a:fillRef idx="0">
+            <a:schemeClr val="accent1"/>
+          </a:fillRef>
+          <a:effectRef idx="0">
+            <a:schemeClr val="accent1"/>
+          </a:effectRef>
+          <a:fontRef idx="minor">
+            <a:schemeClr val="tx1"/>
+          </a:fontRef>
+        </p:style>
+      </p:cxnSp>
+      <p:sp>
+        <p:nvSpPr>
+          <p:cNvPr id="10" name="Rectangle 9"/>
+          <p:cNvSpPr/>
+          <p:nvPr/>
+        </p:nvSpPr>
+        <p:spPr>
+          <a:xfrm>
+            <a:off x="0" y="6334315"/>
+            <a:ext cx="4487333" cy="92382"/>
+          </a:xfrm>
+          <a:prstGeom prst="rect">
+            <a:avLst/>
+          </a:prstGeom>
+          <a:solidFill>
+            <a:srgbClr val="00B050"/>
+          </a:solidFill>
+          <a:ln>
+            <a:noFill/>
+          </a:ln>
+        </p:spPr>
+        <p:style>
+          <a:lnRef idx="2">
+            <a:schemeClr val="accent1">
+              <a:shade val="50000"/>
+            </a:schemeClr>
+          </a:lnRef>
+          <a:fillRef idx="1">
+            <a:schemeClr val="accent1"/>
+          </a:fillRef>
+          <a:effectRef idx="0">
+            <a:schemeClr val="accent1"/>
+          </a:effectRef>
+          <a:fontRef idx="minor">
+            <a:schemeClr val="lt1"/>
+          </a:fontRef>
+        </p:style>
+      </p:sp>
+      <p:sp>
+        <p:nvSpPr>
+          <p:cNvPr id="11" name="Rectangle 10"/>
+          <p:cNvSpPr/>
+          <p:nvPr/>
+        </p:nvSpPr>
+        <p:spPr>
+          <a:xfrm>
+            <a:off x="4487333" y="6334315"/>
+            <a:ext cx="4656667" cy="92382"/>
+          </a:xfrm>
+          <a:prstGeom prst="rect">
+            <a:avLst/>
+          </a:prstGeom>
+          <a:solidFill>
+            <a:srgbClr val="7030A0"/>
+          </a:solidFill>
+          <a:ln>
+            <a:noFill/>
+          </a:ln>
+        </p:spPr>
+        <p:style>
+          <a:lnRef idx="2">
+            <a:schemeClr val="accent1">
+              <a:shade val="50000"/>
+            </a:schemeClr>
+          </a:lnRef>
+          <a:fillRef idx="1">
+            <a:schemeClr val="accent1"/>
+          </a:fillRef>
+          <a:effectRef idx="0">
+            <a:schemeClr val="accent1"/>
+          </a:effectRef>
+          <a:fontRef idx="minor">
+            <a:schemeClr val="lt1"/>
+          </a:fontRef>
+        </p:style>
+      </p:sp>
+      <p:sp>
+        <p:nvSpPr>
+          <p:cNvPr id="8" name="TextBox 7"/>
+          <p:cNvSpPr txBox="1"/>
+          <p:nvPr/>
+        </p:nvSpPr>
+        <p:spPr>
+          <a:xfrm>
+            <a:off x="2363695" y="3959525"/>
+            <a:ext cx="4373593" cy="369332"/>
+          </a:xfrm>
+          <a:prstGeom prst="rect">
+            <a:avLst/>
+          </a:prstGeom>
+          <a:noFill/>
+        </p:spPr>
+        <p:txBody>
+          <a:bodyPr wrap="square" rtlCol="0">
+            <a:spAutoFit/>
+          </a:bodyPr>
+          <a:lstStyle/>
+          <a:p>
+            <a:pPr algn="ctr"/>
+            <a:r>
+              <a:rPr lang="en-US" dirty="0">
+                <a:latin typeface="+mj-lt"/>
+              </a:rPr>
+              <a:t>By</a:t>
+            </a:r>
+            <a:r>
+              <a:rPr lang="en-US" baseline="0" dirty="0">
+                <a:latin typeface="+mj-lt"/>
+              </a:rPr>
+              <a:t> Sanjay and Arvind Seshan</a:t>
+            </a:r>
+            <a:endParaRPr lang="en-US" dirty="0">
+              <a:latin typeface="+mj-lt"/>
+            </a:endParaRPr>
+          </a:p>
+        </p:txBody>
+      </p:sp>
+      <p:pic>
+        <p:nvPicPr>
+          <p:cNvPr id="1026" name="Picture 2" descr="EV3Lessons.com"/>
+          <p:cNvPicPr>
+            <a:picLocks noChangeAspect="1" noChangeArrowheads="1"/>
+          </p:cNvPicPr>
+          <p:nvPr/>
+        </p:nvPicPr>
+        <p:blipFill>
+          <a:blip r:embed="rId2">
+            <a:extLst>
+              <a:ext uri="{28A0092B-C50C-407E-A947-70E740481C1C}">
+                <a14:useLocalDpi xmlns:a14="http://schemas.microsoft.com/office/drawing/2010/main" val="0"/>
+              </a:ext>
+            </a:extLst>
+          </a:blip>
+          <a:srcRect/>
+          <a:stretch>
+            <a:fillRect/>
+          </a:stretch>
+        </p:blipFill>
+        <p:spPr bwMode="auto">
+          <a:xfrm>
+            <a:off x="3955687" y="139554"/>
+            <a:ext cx="5075507" cy="1885189"/>
+          </a:xfrm>
+          <a:prstGeom prst="rect">
+            <a:avLst/>
+          </a:prstGeom>
+          <a:noFill/>
+          <a:extLst>
+            <a:ext uri="{909E8E84-426E-40DD-AFC4-6F175D3DCCD1}">
+              <a14:hiddenFill xmlns:a14="http://schemas.microsoft.com/office/drawing/2010/main">
+                <a:solidFill>
+                  <a:srgbClr val="FFFFFF"/>
+                </a:solidFill>
+              </a14:hiddenFill>
+            </a:ext>
+          </a:extLst>
+        </p:spPr>
+      </p:pic>
+      <p:sp>
+        <p:nvSpPr>
+          <p:cNvPr id="13" name="Rectangle 12"/>
+          <p:cNvSpPr/>
+          <p:nvPr userDrawn="1"/>
+        </p:nvSpPr>
+        <p:spPr>
+          <a:xfrm>
+            <a:off x="0" y="6334315"/>
+            <a:ext cx="4487333" cy="92382"/>
+          </a:xfrm>
+          <a:prstGeom prst="rect">
+            <a:avLst/>
+          </a:prstGeom>
+          <a:solidFill>
+            <a:srgbClr val="00B050"/>
+          </a:solidFill>
+          <a:ln>
+            <a:noFill/>
+          </a:ln>
+        </p:spPr>
+        <p:style>
+          <a:lnRef idx="2">
+            <a:schemeClr val="accent1">
+              <a:shade val="50000"/>
+            </a:schemeClr>
+          </a:lnRef>
+          <a:fillRef idx="1">
+            <a:schemeClr val="accent1"/>
+          </a:fillRef>
+          <a:effectRef idx="0">
+            <a:schemeClr val="accent1"/>
+          </a:effectRef>
+          <a:fontRef idx="minor">
+            <a:schemeClr val="lt1"/>
+          </a:fontRef>
+        </p:style>
+      </p:sp>
+      <p:sp>
+        <p:nvSpPr>
+          <p:cNvPr id="14" name="Rectangle 13"/>
+          <p:cNvSpPr/>
+          <p:nvPr userDrawn="1"/>
+        </p:nvSpPr>
+        <p:spPr>
+          <a:xfrm>
+            <a:off x="4487333" y="6334315"/>
+            <a:ext cx="4656667" cy="92382"/>
+          </a:xfrm>
+          <a:prstGeom prst="rect">
+            <a:avLst/>
+          </a:prstGeom>
+          <a:solidFill>
+            <a:srgbClr val="7030A0"/>
+          </a:solidFill>
+          <a:ln>
+            <a:noFill/>
+          </a:ln>
+        </p:spPr>
+        <p:style>
+          <a:lnRef idx="2">
+            <a:schemeClr val="accent1">
+              <a:shade val="50000"/>
+            </a:schemeClr>
+          </a:lnRef>
+          <a:fillRef idx="1">
+            <a:schemeClr val="accent1"/>
+          </a:fillRef>
+          <a:effectRef idx="0">
+            <a:schemeClr val="accent1"/>
+          </a:effectRef>
+          <a:fontRef idx="minor">
+            <a:schemeClr val="lt1"/>
+          </a:fontRef>
+        </p:style>
+      </p:sp>
+    </p:spTree>
+    <p:extLst>
+      <p:ext uri="{BB962C8B-B14F-4D97-AF65-F5344CB8AC3E}">
+        <p14:creationId xmlns:p14="http://schemas.microsoft.com/office/powerpoint/2010/main" val="183408049"/>
+      </p:ext>
+    </p:extLst>
+  </p:cSld>
+  <p:clrMapOvr>
+    <a:masterClrMapping/>
+  </p:clrMapOvr>
+</p:sldLayout>
+</file>
+
+<file path=ppt/slideLayouts/slideLayout13.xml><?xml version="1.0" encoding="utf-8"?>
 <p:sldLayout xmlns:a="http://schemas.openxmlformats.org/drawingml/2006/main" xmlns:r="http://schemas.openxmlformats.org/officeDocument/2006/relationships" xmlns:p="http://schemas.openxmlformats.org/presentationml/2006/main" type="obj" preserve="1">
   <p:cSld name="Title and Content">
     <p:spTree>
@@ -1683,83 +2203,83 @@
           <a:lstStyle/>
           <a:p>
             <a:r>
+              <a:rPr lang="en-US"/>
+              <a:t>Click to edit Master title style</a:t>
+            </a:r>
+            <a:endParaRPr lang="en-US" dirty="0"/>
+          </a:p>
+        </p:txBody>
+      </p:sp>
+      <p:sp>
+        <p:nvSpPr>
+          <p:cNvPr id="3" name="Content Placeholder 2"/>
+          <p:cNvSpPr>
+            <a:spLocks noGrp="1"/>
+          </p:cNvSpPr>
+          <p:nvPr>
+            <p:ph idx="1"/>
+          </p:nvPr>
+        </p:nvSpPr>
+        <p:spPr/>
+        <p:txBody>
+          <a:bodyPr/>
+          <a:lstStyle/>
+          <a:p>
+            <a:pPr lvl="0"/>
+            <a:r>
+              <a:rPr lang="en-US"/>
+              <a:t>Edit Master text styles</a:t>
+            </a:r>
+          </a:p>
+          <a:p>
+            <a:pPr lvl="1"/>
+            <a:r>
+              <a:rPr lang="en-US"/>
+              <a:t>Second level</a:t>
+            </a:r>
+          </a:p>
+          <a:p>
+            <a:pPr lvl="2"/>
+            <a:r>
+              <a:rPr lang="en-US"/>
+              <a:t>Third level</a:t>
+            </a:r>
+          </a:p>
+          <a:p>
+            <a:pPr lvl="3"/>
+            <a:r>
+              <a:rPr lang="en-US"/>
+              <a:t>Fourth level</a:t>
+            </a:r>
+          </a:p>
+          <a:p>
+            <a:pPr lvl="4"/>
+            <a:r>
+              <a:rPr lang="en-US"/>
+              <a:t>Fifth level</a:t>
+            </a:r>
+            <a:endParaRPr lang="en-US" dirty="0"/>
+          </a:p>
+        </p:txBody>
+      </p:sp>
+      <p:sp>
+        <p:nvSpPr>
+          <p:cNvPr id="4" name="Date Placeholder 3"/>
+          <p:cNvSpPr>
+            <a:spLocks noGrp="1"/>
+          </p:cNvSpPr>
+          <p:nvPr>
+            <p:ph type="dt" sz="half" idx="10"/>
+          </p:nvPr>
+        </p:nvSpPr>
+        <p:spPr/>
+        <p:txBody>
+          <a:bodyPr/>
+          <a:lstStyle/>
+          <a:p>
+            <a:fld id="{B20EDCE6-ACD5-4AC1-AE6D-06E9F2CA9FD8}" type="datetime1">
               <a:rPr lang="en-US" smtClean="0"/>
-              <a:t>Click to edit Master title style</a:t>
-            </a:r>
-            <a:endParaRPr lang="en-US" dirty="0"/>
-          </a:p>
-        </p:txBody>
-      </p:sp>
-      <p:sp>
-        <p:nvSpPr>
-          <p:cNvPr id="3" name="Content Placeholder 2"/>
-          <p:cNvSpPr>
-            <a:spLocks noGrp="1"/>
-          </p:cNvSpPr>
-          <p:nvPr>
-            <p:ph idx="1"/>
-          </p:nvPr>
-        </p:nvSpPr>
-        <p:spPr/>
-        <p:txBody>
-          <a:bodyPr/>
-          <a:lstStyle/>
-          <a:p>
-            <a:pPr lvl="0"/>
-            <a:r>
-              <a:rPr lang="en-US" smtClean="0"/>
-              <a:t>Click to edit Master text styles</a:t>
-            </a:r>
-          </a:p>
-          <a:p>
-            <a:pPr lvl="1"/>
-            <a:r>
-              <a:rPr lang="en-US" smtClean="0"/>
-              <a:t>Second level</a:t>
-            </a:r>
-          </a:p>
-          <a:p>
-            <a:pPr lvl="2"/>
-            <a:r>
-              <a:rPr lang="en-US" smtClean="0"/>
-              <a:t>Third level</a:t>
-            </a:r>
-          </a:p>
-          <a:p>
-            <a:pPr lvl="3"/>
-            <a:r>
-              <a:rPr lang="en-US" smtClean="0"/>
-              <a:t>Fourth level</a:t>
-            </a:r>
-          </a:p>
-          <a:p>
-            <a:pPr lvl="4"/>
-            <a:r>
-              <a:rPr lang="en-US" smtClean="0"/>
-              <a:t>Fifth level</a:t>
-            </a:r>
-            <a:endParaRPr lang="en-US" dirty="0"/>
-          </a:p>
-        </p:txBody>
-      </p:sp>
-      <p:sp>
-        <p:nvSpPr>
-          <p:cNvPr id="4" name="Date Placeholder 3"/>
-          <p:cNvSpPr>
-            <a:spLocks noGrp="1"/>
-          </p:cNvSpPr>
-          <p:nvPr>
-            <p:ph type="dt" sz="half" idx="10"/>
-          </p:nvPr>
-        </p:nvSpPr>
-        <p:spPr/>
-        <p:txBody>
-          <a:bodyPr/>
-          <a:lstStyle/>
-          <a:p>
-            <a:fld id="{6964D4EB-A2A3-5D46-A2E3-B082D53C11C5}" type="datetime1">
-              <a:rPr lang="en-US" smtClean="0"/>
-              <a:t>11/13/15</a:t>
+              <a:t>7/7/2016</a:t>
             </a:fld>
             <a:endParaRPr lang="en-US"/>
           </a:p>
@@ -1781,10 +2301,9 @@
           <a:lstStyle/>
           <a:p>
             <a:r>
-              <a:rPr lang="sk-SK" smtClean="0"/>
-              <a:t>© 2015 EV3Lessons.com, Last edit 11/13/2015</a:t>
-            </a:r>
-            <a:endParaRPr lang="en-US"/>
+              <a:rPr lang="en-US"/>
+              <a:t>© 2016 EV3Lessons.com, Last edit 7/06/2016</a:t>
+            </a:r>
           </a:p>
         </p:txBody>
       </p:sp>
@@ -1814,7 +2333,7 @@
     </p:spTree>
     <p:extLst>
       <p:ext uri="{BB962C8B-B14F-4D97-AF65-F5344CB8AC3E}">
-        <p14:creationId xmlns:p14="http://schemas.microsoft.com/office/powerpoint/2010/main" val="600499701"/>
+        <p14:creationId xmlns:p14="http://schemas.microsoft.com/office/powerpoint/2010/main" val="1989331268"/>
       </p:ext>
     </p:extLst>
   </p:cSld>
@@ -1824,7 +2343,7 @@
 </p:sldLayout>
 </file>
 
-<file path=ppt/slideLayouts/slideLayout3.xml><?xml version="1.0" encoding="utf-8"?>
+<file path=ppt/slideLayouts/slideLayout14.xml><?xml version="1.0" encoding="utf-8"?>
 <p:sldLayout xmlns:a="http://schemas.openxmlformats.org/drawingml/2006/main" xmlns:r="http://schemas.openxmlformats.org/officeDocument/2006/relationships" xmlns:p="http://schemas.openxmlformats.org/presentationml/2006/main" showMasterSp="0" type="secHead" preserve="1">
   <p:cSld name="Section Header">
     <p:bg>
@@ -1962,7 +2481,7 @@
           </a:lstStyle>
           <a:p>
             <a:r>
-              <a:rPr lang="en-US" smtClean="0"/>
+              <a:rPr lang="en-US"/>
               <a:t>Click to edit Master title style</a:t>
             </a:r>
             <a:endParaRPr lang="en-US" dirty="0"/>
@@ -2083,30 +2602,30 @@
           <a:p>
             <a:pPr lvl="0"/>
             <a:r>
+              <a:rPr lang="en-US"/>
+              <a:t>Edit Master text styles</a:t>
+            </a:r>
+          </a:p>
+        </p:txBody>
+      </p:sp>
+      <p:sp>
+        <p:nvSpPr>
+          <p:cNvPr id="4" name="Date Placeholder 3"/>
+          <p:cNvSpPr>
+            <a:spLocks noGrp="1"/>
+          </p:cNvSpPr>
+          <p:nvPr>
+            <p:ph type="dt" sz="half" idx="10"/>
+          </p:nvPr>
+        </p:nvSpPr>
+        <p:spPr/>
+        <p:txBody>
+          <a:bodyPr/>
+          <a:lstStyle/>
+          <a:p>
+            <a:fld id="{B7101DEE-63A6-49BE-AA82-875208695C43}" type="datetime1">
               <a:rPr lang="en-US" smtClean="0"/>
-              <a:t>Click to edit Master text styles</a:t>
-            </a:r>
-          </a:p>
-        </p:txBody>
-      </p:sp>
-      <p:sp>
-        <p:nvSpPr>
-          <p:cNvPr id="4" name="Date Placeholder 3"/>
-          <p:cNvSpPr>
-            <a:spLocks noGrp="1"/>
-          </p:cNvSpPr>
-          <p:nvPr>
-            <p:ph type="dt" sz="half" idx="10"/>
-          </p:nvPr>
-        </p:nvSpPr>
-        <p:spPr/>
-        <p:txBody>
-          <a:bodyPr/>
-          <a:lstStyle/>
-          <a:p>
-            <a:fld id="{719062A6-538C-914A-A4D7-9D77EAAE33AB}" type="datetime1">
-              <a:rPr lang="en-US" smtClean="0"/>
-              <a:t>11/13/15</a:t>
+              <a:t>7/7/2016</a:t>
             </a:fld>
             <a:endParaRPr lang="en-US"/>
           </a:p>
@@ -2128,10 +2647,9 @@
           <a:lstStyle/>
           <a:p>
             <a:r>
-              <a:rPr lang="sk-SK" smtClean="0"/>
-              <a:t>© 2015 EV3Lessons.com, Last edit 11/13/2015</a:t>
-            </a:r>
-            <a:endParaRPr lang="en-US"/>
+              <a:rPr lang="en-US"/>
+              <a:t>© 2016 EV3Lessons.com, Last edit 7/06/2016</a:t>
+            </a:r>
           </a:p>
         </p:txBody>
       </p:sp>
@@ -2199,7 +2717,7 @@
     </p:spTree>
     <p:extLst>
       <p:ext uri="{BB962C8B-B14F-4D97-AF65-F5344CB8AC3E}">
-        <p14:creationId xmlns:p14="http://schemas.microsoft.com/office/powerpoint/2010/main" val="966738455"/>
+        <p14:creationId xmlns:p14="http://schemas.microsoft.com/office/powerpoint/2010/main" val="3954924587"/>
       </p:ext>
     </p:extLst>
   </p:cSld>
@@ -2209,7 +2727,7 @@
 </p:sldLayout>
 </file>
 
-<file path=ppt/slideLayouts/slideLayout4.xml><?xml version="1.0" encoding="utf-8"?>
+<file path=ppt/slideLayouts/slideLayout15.xml><?xml version="1.0" encoding="utf-8"?>
 <p:sldLayout xmlns:a="http://schemas.openxmlformats.org/drawingml/2006/main" xmlns:r="http://schemas.openxmlformats.org/officeDocument/2006/relationships" xmlns:p="http://schemas.openxmlformats.org/presentationml/2006/main" type="twoObj" preserve="1">
   <p:cSld name="Two Content">
     <p:spTree>
@@ -2247,7 +2765,7 @@
           <a:lstStyle/>
           <a:p>
             <a:r>
-              <a:rPr lang="en-US" smtClean="0"/>
+              <a:rPr lang="en-US"/>
               <a:t>Click to edit Master title style</a:t>
             </a:r>
             <a:endParaRPr lang="en-US" dirty="0"/>
@@ -2276,35 +2794,35 @@
           <a:p>
             <a:pPr lvl="0"/>
             <a:r>
-              <a:rPr lang="en-US" smtClean="0"/>
-              <a:t>Click to edit Master text styles</a:t>
+              <a:rPr lang="en-US"/>
+              <a:t>Edit Master text styles</a:t>
             </a:r>
           </a:p>
           <a:p>
             <a:pPr lvl="1"/>
             <a:r>
-              <a:rPr lang="en-US" smtClean="0"/>
+              <a:rPr lang="en-US"/>
               <a:t>Second level</a:t>
             </a:r>
           </a:p>
           <a:p>
             <a:pPr lvl="2"/>
             <a:r>
-              <a:rPr lang="en-US" smtClean="0"/>
+              <a:rPr lang="en-US"/>
               <a:t>Third level</a:t>
             </a:r>
           </a:p>
           <a:p>
             <a:pPr lvl="3"/>
             <a:r>
-              <a:rPr lang="en-US" smtClean="0"/>
+              <a:rPr lang="en-US"/>
               <a:t>Fourth level</a:t>
             </a:r>
           </a:p>
           <a:p>
             <a:pPr lvl="4"/>
             <a:r>
-              <a:rPr lang="en-US" smtClean="0"/>
+              <a:rPr lang="en-US"/>
               <a:t>Fifth level</a:t>
             </a:r>
             <a:endParaRPr lang="en-US" dirty="0"/>
@@ -2333,59 +2851,59 @@
           <a:p>
             <a:pPr lvl="0"/>
             <a:r>
+              <a:rPr lang="en-US"/>
+              <a:t>Edit Master text styles</a:t>
+            </a:r>
+          </a:p>
+          <a:p>
+            <a:pPr lvl="1"/>
+            <a:r>
+              <a:rPr lang="en-US"/>
+              <a:t>Second level</a:t>
+            </a:r>
+          </a:p>
+          <a:p>
+            <a:pPr lvl="2"/>
+            <a:r>
+              <a:rPr lang="en-US"/>
+              <a:t>Third level</a:t>
+            </a:r>
+          </a:p>
+          <a:p>
+            <a:pPr lvl="3"/>
+            <a:r>
+              <a:rPr lang="en-US"/>
+              <a:t>Fourth level</a:t>
+            </a:r>
+          </a:p>
+          <a:p>
+            <a:pPr lvl="4"/>
+            <a:r>
+              <a:rPr lang="en-US"/>
+              <a:t>Fifth level</a:t>
+            </a:r>
+            <a:endParaRPr lang="en-US" dirty="0"/>
+          </a:p>
+        </p:txBody>
+      </p:sp>
+      <p:sp>
+        <p:nvSpPr>
+          <p:cNvPr id="5" name="Date Placeholder 4"/>
+          <p:cNvSpPr>
+            <a:spLocks noGrp="1"/>
+          </p:cNvSpPr>
+          <p:nvPr>
+            <p:ph type="dt" sz="half" idx="10"/>
+          </p:nvPr>
+        </p:nvSpPr>
+        <p:spPr/>
+        <p:txBody>
+          <a:bodyPr/>
+          <a:lstStyle/>
+          <a:p>
+            <a:fld id="{32E2F1A3-AFC7-4856-A176-88B8FCB0D669}" type="datetime1">
               <a:rPr lang="en-US" smtClean="0"/>
-              <a:t>Click to edit Master text styles</a:t>
-            </a:r>
-          </a:p>
-          <a:p>
-            <a:pPr lvl="1"/>
-            <a:r>
-              <a:rPr lang="en-US" smtClean="0"/>
-              <a:t>Second level</a:t>
-            </a:r>
-          </a:p>
-          <a:p>
-            <a:pPr lvl="2"/>
-            <a:r>
-              <a:rPr lang="en-US" smtClean="0"/>
-              <a:t>Third level</a:t>
-            </a:r>
-          </a:p>
-          <a:p>
-            <a:pPr lvl="3"/>
-            <a:r>
-              <a:rPr lang="en-US" smtClean="0"/>
-              <a:t>Fourth level</a:t>
-            </a:r>
-          </a:p>
-          <a:p>
-            <a:pPr lvl="4"/>
-            <a:r>
-              <a:rPr lang="en-US" smtClean="0"/>
-              <a:t>Fifth level</a:t>
-            </a:r>
-            <a:endParaRPr lang="en-US" dirty="0"/>
-          </a:p>
-        </p:txBody>
-      </p:sp>
-      <p:sp>
-        <p:nvSpPr>
-          <p:cNvPr id="5" name="Date Placeholder 4"/>
-          <p:cNvSpPr>
-            <a:spLocks noGrp="1"/>
-          </p:cNvSpPr>
-          <p:nvPr>
-            <p:ph type="dt" sz="half" idx="10"/>
-          </p:nvPr>
-        </p:nvSpPr>
-        <p:spPr/>
-        <p:txBody>
-          <a:bodyPr/>
-          <a:lstStyle/>
-          <a:p>
-            <a:fld id="{FBA86DE5-4727-3C44-A125-458AC819E1C1}" type="datetime1">
-              <a:rPr lang="en-US" smtClean="0"/>
-              <a:t>11/13/15</a:t>
+              <a:t>7/7/2016</a:t>
             </a:fld>
             <a:endParaRPr lang="en-US"/>
           </a:p>
@@ -2406,6 +2924,10 @@
           <a:bodyPr/>
           <a:lstStyle/>
           <a:p>
+            <a:r>
+              <a:rPr lang="en-US"/>
+              <a:t>© 2016 EV3Lessons.com, Last edit 7/06/2016</a:t>
+            </a:r>
             <a:endParaRPr lang="en-US" dirty="0"/>
           </a:p>
         </p:txBody>
@@ -2436,7 +2958,7 @@
     </p:spTree>
     <p:extLst>
       <p:ext uri="{BB962C8B-B14F-4D97-AF65-F5344CB8AC3E}">
-        <p14:creationId xmlns:p14="http://schemas.microsoft.com/office/powerpoint/2010/main" val="179619509"/>
+        <p14:creationId xmlns:p14="http://schemas.microsoft.com/office/powerpoint/2010/main" val="3621425656"/>
       </p:ext>
     </p:extLst>
   </p:cSld>
@@ -2446,7 +2968,7 @@
 </p:sldLayout>
 </file>
 
-<file path=ppt/slideLayouts/slideLayout5.xml><?xml version="1.0" encoding="utf-8"?>
+<file path=ppt/slideLayouts/slideLayout16.xml><?xml version="1.0" encoding="utf-8"?>
 <p:sldLayout xmlns:a="http://schemas.openxmlformats.org/drawingml/2006/main" xmlns:r="http://schemas.openxmlformats.org/officeDocument/2006/relationships" xmlns:p="http://schemas.openxmlformats.org/presentationml/2006/main" type="twoTxTwoObj" preserve="1">
   <p:cSld name="Comparison">
     <p:spTree>
@@ -2484,7 +3006,7 @@
           <a:lstStyle/>
           <a:p>
             <a:r>
-              <a:rPr lang="en-US" smtClean="0"/>
+              <a:rPr lang="en-US"/>
               <a:t>Click to edit Master title style</a:t>
             </a:r>
             <a:endParaRPr lang="en-US" dirty="0"/>
@@ -2556,8 +3078,8 @@
           <a:p>
             <a:pPr lvl="0"/>
             <a:r>
-              <a:rPr lang="en-US" smtClean="0"/>
-              <a:t>Click to edit Master text styles</a:t>
+              <a:rPr lang="en-US"/>
+              <a:t>Edit Master text styles</a:t>
             </a:r>
           </a:p>
         </p:txBody>
@@ -2584,35 +3106,35 @@
           <a:p>
             <a:pPr lvl="0"/>
             <a:r>
-              <a:rPr lang="en-US" smtClean="0"/>
-              <a:t>Click to edit Master text styles</a:t>
+              <a:rPr lang="en-US"/>
+              <a:t>Edit Master text styles</a:t>
             </a:r>
           </a:p>
           <a:p>
             <a:pPr lvl="1"/>
             <a:r>
-              <a:rPr lang="en-US" smtClean="0"/>
+              <a:rPr lang="en-US"/>
               <a:t>Second level</a:t>
             </a:r>
           </a:p>
           <a:p>
             <a:pPr lvl="2"/>
             <a:r>
-              <a:rPr lang="en-US" smtClean="0"/>
+              <a:rPr lang="en-US"/>
               <a:t>Third level</a:t>
             </a:r>
           </a:p>
           <a:p>
             <a:pPr lvl="3"/>
             <a:r>
-              <a:rPr lang="en-US" smtClean="0"/>
+              <a:rPr lang="en-US"/>
               <a:t>Fourth level</a:t>
             </a:r>
           </a:p>
           <a:p>
             <a:pPr lvl="4"/>
             <a:r>
-              <a:rPr lang="en-US" smtClean="0"/>
+              <a:rPr lang="en-US"/>
               <a:t>Fifth level</a:t>
             </a:r>
             <a:endParaRPr lang="en-US" dirty="0"/>
@@ -2684,8 +3206,8 @@
           <a:p>
             <a:pPr lvl="0"/>
             <a:r>
-              <a:rPr lang="en-US" smtClean="0"/>
-              <a:t>Click to edit Master text styles</a:t>
+              <a:rPr lang="en-US"/>
+              <a:t>Edit Master text styles</a:t>
             </a:r>
           </a:p>
         </p:txBody>
@@ -2712,59 +3234,59 @@
           <a:p>
             <a:pPr lvl="0"/>
             <a:r>
+              <a:rPr lang="en-US"/>
+              <a:t>Edit Master text styles</a:t>
+            </a:r>
+          </a:p>
+          <a:p>
+            <a:pPr lvl="1"/>
+            <a:r>
+              <a:rPr lang="en-US"/>
+              <a:t>Second level</a:t>
+            </a:r>
+          </a:p>
+          <a:p>
+            <a:pPr lvl="2"/>
+            <a:r>
+              <a:rPr lang="en-US"/>
+              <a:t>Third level</a:t>
+            </a:r>
+          </a:p>
+          <a:p>
+            <a:pPr lvl="3"/>
+            <a:r>
+              <a:rPr lang="en-US"/>
+              <a:t>Fourth level</a:t>
+            </a:r>
+          </a:p>
+          <a:p>
+            <a:pPr lvl="4"/>
+            <a:r>
+              <a:rPr lang="en-US"/>
+              <a:t>Fifth level</a:t>
+            </a:r>
+            <a:endParaRPr lang="en-US" dirty="0"/>
+          </a:p>
+        </p:txBody>
+      </p:sp>
+      <p:sp>
+        <p:nvSpPr>
+          <p:cNvPr id="7" name="Date Placeholder 6"/>
+          <p:cNvSpPr>
+            <a:spLocks noGrp="1"/>
+          </p:cNvSpPr>
+          <p:nvPr>
+            <p:ph type="dt" sz="half" idx="10"/>
+          </p:nvPr>
+        </p:nvSpPr>
+        <p:spPr/>
+        <p:txBody>
+          <a:bodyPr/>
+          <a:lstStyle/>
+          <a:p>
+            <a:fld id="{773DBFA2-D6E5-460B-B914-86E60680B45C}" type="datetime1">
               <a:rPr lang="en-US" smtClean="0"/>
-              <a:t>Click to edit Master text styles</a:t>
-            </a:r>
-          </a:p>
-          <a:p>
-            <a:pPr lvl="1"/>
-            <a:r>
-              <a:rPr lang="en-US" smtClean="0"/>
-              <a:t>Second level</a:t>
-            </a:r>
-          </a:p>
-          <a:p>
-            <a:pPr lvl="2"/>
-            <a:r>
-              <a:rPr lang="en-US" smtClean="0"/>
-              <a:t>Third level</a:t>
-            </a:r>
-          </a:p>
-          <a:p>
-            <a:pPr lvl="3"/>
-            <a:r>
-              <a:rPr lang="en-US" smtClean="0"/>
-              <a:t>Fourth level</a:t>
-            </a:r>
-          </a:p>
-          <a:p>
-            <a:pPr lvl="4"/>
-            <a:r>
-              <a:rPr lang="en-US" smtClean="0"/>
-              <a:t>Fifth level</a:t>
-            </a:r>
-            <a:endParaRPr lang="en-US" dirty="0"/>
-          </a:p>
-        </p:txBody>
-      </p:sp>
-      <p:sp>
-        <p:nvSpPr>
-          <p:cNvPr id="7" name="Date Placeholder 6"/>
-          <p:cNvSpPr>
-            <a:spLocks noGrp="1"/>
-          </p:cNvSpPr>
-          <p:nvPr>
-            <p:ph type="dt" sz="half" idx="10"/>
-          </p:nvPr>
-        </p:nvSpPr>
-        <p:spPr/>
-        <p:txBody>
-          <a:bodyPr/>
-          <a:lstStyle/>
-          <a:p>
-            <a:fld id="{18F252B0-687D-184F-B682-0021640A5D63}" type="datetime1">
-              <a:rPr lang="en-US" smtClean="0"/>
-              <a:t>11/13/15</a:t>
+              <a:t>7/7/2016</a:t>
             </a:fld>
             <a:endParaRPr lang="en-US"/>
           </a:p>
@@ -2786,10 +3308,9 @@
           <a:lstStyle/>
           <a:p>
             <a:r>
-              <a:rPr lang="sk-SK" smtClean="0"/>
-              <a:t>© 2015 EV3Lessons.com, Last edit 11/13/2015</a:t>
-            </a:r>
-            <a:endParaRPr lang="en-US"/>
+              <a:rPr lang="en-US"/>
+              <a:t>© 2016 EV3Lessons.com, Last edit 7/06/2016</a:t>
+            </a:r>
           </a:p>
         </p:txBody>
       </p:sp>
@@ -2819,7 +3340,7 @@
     </p:spTree>
     <p:extLst>
       <p:ext uri="{BB962C8B-B14F-4D97-AF65-F5344CB8AC3E}">
-        <p14:creationId xmlns:p14="http://schemas.microsoft.com/office/powerpoint/2010/main" val="1978308197"/>
+        <p14:creationId xmlns:p14="http://schemas.microsoft.com/office/powerpoint/2010/main" val="3547752035"/>
       </p:ext>
     </p:extLst>
   </p:cSld>
@@ -2829,7 +3350,7 @@
 </p:sldLayout>
 </file>
 
-<file path=ppt/slideLayouts/slideLayout6.xml><?xml version="1.0" encoding="utf-8"?>
+<file path=ppt/slideLayouts/slideLayout17.xml><?xml version="1.0" encoding="utf-8"?>
 <p:sldLayout xmlns:a="http://schemas.openxmlformats.org/drawingml/2006/main" xmlns:r="http://schemas.openxmlformats.org/officeDocument/2006/relationships" xmlns:p="http://schemas.openxmlformats.org/presentationml/2006/main" type="titleOnly" preserve="1">
   <p:cSld name="Title Only">
     <p:spTree>
@@ -2862,31 +3383,31 @@
           <a:lstStyle/>
           <a:p>
             <a:r>
+              <a:rPr lang="en-US"/>
+              <a:t>Click to edit Master title style</a:t>
+            </a:r>
+            <a:endParaRPr lang="en-US" dirty="0"/>
+          </a:p>
+        </p:txBody>
+      </p:sp>
+      <p:sp>
+        <p:nvSpPr>
+          <p:cNvPr id="3" name="Date Placeholder 2"/>
+          <p:cNvSpPr>
+            <a:spLocks noGrp="1"/>
+          </p:cNvSpPr>
+          <p:nvPr>
+            <p:ph type="dt" sz="half" idx="10"/>
+          </p:nvPr>
+        </p:nvSpPr>
+        <p:spPr/>
+        <p:txBody>
+          <a:bodyPr/>
+          <a:lstStyle/>
+          <a:p>
+            <a:fld id="{B4E52E1B-D789-4BCF-B3A6-D685A2853325}" type="datetime1">
               <a:rPr lang="en-US" smtClean="0"/>
-              <a:t>Click to edit Master title style</a:t>
-            </a:r>
-            <a:endParaRPr lang="en-US" dirty="0"/>
-          </a:p>
-        </p:txBody>
-      </p:sp>
-      <p:sp>
-        <p:nvSpPr>
-          <p:cNvPr id="3" name="Date Placeholder 2"/>
-          <p:cNvSpPr>
-            <a:spLocks noGrp="1"/>
-          </p:cNvSpPr>
-          <p:nvPr>
-            <p:ph type="dt" sz="half" idx="10"/>
-          </p:nvPr>
-        </p:nvSpPr>
-        <p:spPr/>
-        <p:txBody>
-          <a:bodyPr/>
-          <a:lstStyle/>
-          <a:p>
-            <a:fld id="{3457AD7A-12C8-EA48-9011-B2F46261DD98}" type="datetime1">
-              <a:rPr lang="en-US" smtClean="0"/>
-              <a:t>11/13/15</a:t>
+              <a:t>7/7/2016</a:t>
             </a:fld>
             <a:endParaRPr lang="en-US"/>
           </a:p>
@@ -2908,10 +3429,9 @@
           <a:lstStyle/>
           <a:p>
             <a:r>
-              <a:rPr lang="sk-SK" smtClean="0"/>
-              <a:t>© 2015 EV3Lessons.com, Last edit 11/13/2015</a:t>
-            </a:r>
-            <a:endParaRPr lang="en-US"/>
+              <a:rPr lang="en-US"/>
+              <a:t>© 2016 EV3Lessons.com, Last edit 7/06/2016</a:t>
+            </a:r>
           </a:p>
         </p:txBody>
       </p:sp>
@@ -2941,7 +3461,7 @@
     </p:spTree>
     <p:extLst>
       <p:ext uri="{BB962C8B-B14F-4D97-AF65-F5344CB8AC3E}">
-        <p14:creationId xmlns:p14="http://schemas.microsoft.com/office/powerpoint/2010/main" val="1071326305"/>
+        <p14:creationId xmlns:p14="http://schemas.microsoft.com/office/powerpoint/2010/main" val="155161380"/>
       </p:ext>
     </p:extLst>
   </p:cSld>
@@ -2951,7 +3471,7 @@
 </p:sldLayout>
 </file>
 
-<file path=ppt/slideLayouts/slideLayout7.xml><?xml version="1.0" encoding="utf-8"?>
+<file path=ppt/slideLayouts/slideLayout18.xml><?xml version="1.0" encoding="utf-8"?>
 <p:sldLayout xmlns:a="http://schemas.openxmlformats.org/drawingml/2006/main" xmlns:r="http://schemas.openxmlformats.org/officeDocument/2006/relationships" xmlns:p="http://schemas.openxmlformats.org/presentationml/2006/main" showMasterSp="0" type="blank" preserve="1">
   <p:cSld name="Blank">
     <p:spTree>
@@ -3059,9 +3579,9 @@
           <a:bodyPr/>
           <a:lstStyle/>
           <a:p>
-            <a:fld id="{77D3C5C7-2346-9A49-8660-921460E2744B}" type="datetime1">
+            <a:fld id="{07B07086-B293-41EC-9D5B-C06D2682C97D}" type="datetime1">
               <a:rPr lang="en-US" smtClean="0"/>
-              <a:t>11/13/15</a:t>
+              <a:t>7/7/2016</a:t>
             </a:fld>
             <a:endParaRPr lang="en-US"/>
           </a:p>
@@ -3091,10 +3611,9 @@
           </a:lstStyle>
           <a:p>
             <a:r>
-              <a:rPr lang="sk-SK" smtClean="0"/>
-              <a:t>© 2015 EV3Lessons.com, Last edit 11/13/2015</a:t>
-            </a:r>
-            <a:endParaRPr lang="en-US"/>
+              <a:rPr lang="en-US"/>
+              <a:t>© 2016 EV3Lessons.com, Last edit 7/06/2016</a:t>
+            </a:r>
           </a:p>
         </p:txBody>
       </p:sp>
@@ -3124,7 +3643,7 @@
     </p:spTree>
     <p:extLst>
       <p:ext uri="{BB962C8B-B14F-4D97-AF65-F5344CB8AC3E}">
-        <p14:creationId xmlns:p14="http://schemas.microsoft.com/office/powerpoint/2010/main" val="1158118821"/>
+        <p14:creationId xmlns:p14="http://schemas.microsoft.com/office/powerpoint/2010/main" val="3452985502"/>
       </p:ext>
     </p:extLst>
   </p:cSld>
@@ -3134,7 +3653,7 @@
 </p:sldLayout>
 </file>
 
-<file path=ppt/slideLayouts/slideLayout8.xml><?xml version="1.0" encoding="utf-8"?>
+<file path=ppt/slideLayouts/slideLayout19.xml><?xml version="1.0" encoding="utf-8"?>
 <p:sldLayout xmlns:a="http://schemas.openxmlformats.org/drawingml/2006/main" xmlns:r="http://schemas.openxmlformats.org/officeDocument/2006/relationships" xmlns:p="http://schemas.openxmlformats.org/presentationml/2006/main" showMasterSp="0" type="objTx" preserve="1">
   <p:cSld name="Content with Caption">
     <p:spTree>
@@ -3258,7 +3777,7 @@
           </a:lstStyle>
           <a:p>
             <a:r>
-              <a:rPr lang="en-US" smtClean="0"/>
+              <a:rPr lang="en-US"/>
               <a:t>Click to edit Master title style</a:t>
             </a:r>
             <a:endParaRPr lang="en-US" dirty="0"/>
@@ -3287,35 +3806,35 @@
           <a:p>
             <a:pPr lvl="0"/>
             <a:r>
-              <a:rPr lang="en-US" smtClean="0"/>
-              <a:t>Click to edit Master text styles</a:t>
+              <a:rPr lang="en-US"/>
+              <a:t>Edit Master text styles</a:t>
             </a:r>
           </a:p>
           <a:p>
             <a:pPr lvl="1"/>
             <a:r>
-              <a:rPr lang="en-US" smtClean="0"/>
+              <a:rPr lang="en-US"/>
               <a:t>Second level</a:t>
             </a:r>
           </a:p>
           <a:p>
             <a:pPr lvl="2"/>
             <a:r>
-              <a:rPr lang="en-US" smtClean="0"/>
+              <a:rPr lang="en-US"/>
               <a:t>Third level</a:t>
             </a:r>
           </a:p>
           <a:p>
             <a:pPr lvl="3"/>
             <a:r>
-              <a:rPr lang="en-US" smtClean="0"/>
+              <a:rPr lang="en-US"/>
               <a:t>Fourth level</a:t>
             </a:r>
           </a:p>
           <a:p>
             <a:pPr lvl="4"/>
             <a:r>
-              <a:rPr lang="en-US" smtClean="0"/>
+              <a:rPr lang="en-US"/>
               <a:t>Fifth level</a:t>
             </a:r>
             <a:endParaRPr lang="en-US" dirty="0"/>
@@ -3387,8 +3906,8 @@
           <a:p>
             <a:pPr lvl="0"/>
             <a:r>
-              <a:rPr lang="en-US" smtClean="0"/>
-              <a:t>Click to edit Master text styles</a:t>
+              <a:rPr lang="en-US"/>
+              <a:t>Edit Master text styles</a:t>
             </a:r>
           </a:p>
         </p:txBody>
@@ -3417,9 +3936,9 @@
             </a:lvl1pPr>
           </a:lstStyle>
           <a:p>
-            <a:fld id="{E5A27797-1683-ED47-A74A-6DEBEDA39DC8}" type="datetime1">
+            <a:fld id="{7EB758F7-42FF-4524-920E-EE5B409A5247}" type="datetime1">
               <a:rPr lang="en-US" smtClean="0"/>
-              <a:t>11/13/15</a:t>
+              <a:t>7/7/2016</a:t>
             </a:fld>
             <a:endParaRPr lang="en-US"/>
           </a:p>
@@ -3454,10 +3973,9 @@
           </a:lstStyle>
           <a:p>
             <a:r>
-              <a:rPr lang="sk-SK" smtClean="0"/>
-              <a:t>© 2015 EV3Lessons.com, Last edit 11/13/2015</a:t>
-            </a:r>
-            <a:endParaRPr lang="en-US"/>
+              <a:rPr lang="en-US"/>
+              <a:t>© 2016 EV3Lessons.com, Last edit 7/06/2016</a:t>
+            </a:r>
           </a:p>
         </p:txBody>
       </p:sp>
@@ -3495,7 +4013,7 @@
     </p:spTree>
     <p:extLst>
       <p:ext uri="{BB962C8B-B14F-4D97-AF65-F5344CB8AC3E}">
-        <p14:creationId xmlns:p14="http://schemas.microsoft.com/office/powerpoint/2010/main" val="260514393"/>
+        <p14:creationId xmlns:p14="http://schemas.microsoft.com/office/powerpoint/2010/main" val="162315695"/>
       </p:ext>
     </p:extLst>
   </p:cSld>
@@ -3505,7 +4023,180 @@
 </p:sldLayout>
 </file>
 
-<file path=ppt/slideLayouts/slideLayout9.xml><?xml version="1.0" encoding="utf-8"?>
+<file path=ppt/slideLayouts/slideLayout2.xml><?xml version="1.0" encoding="utf-8"?>
+<p:sldLayout xmlns:a="http://schemas.openxmlformats.org/drawingml/2006/main" xmlns:r="http://schemas.openxmlformats.org/officeDocument/2006/relationships" xmlns:p="http://schemas.openxmlformats.org/presentationml/2006/main" type="obj" preserve="1">
+  <p:cSld name="Title and Content">
+    <p:spTree>
+      <p:nvGrpSpPr>
+        <p:cNvPr id="1" name=""/>
+        <p:cNvGrpSpPr/>
+        <p:nvPr/>
+      </p:nvGrpSpPr>
+      <p:grpSpPr>
+        <a:xfrm>
+          <a:off x="0" y="0"/>
+          <a:ext cx="0" cy="0"/>
+          <a:chOff x="0" y="0"/>
+          <a:chExt cx="0" cy="0"/>
+        </a:xfrm>
+      </p:grpSpPr>
+      <p:sp>
+        <p:nvSpPr>
+          <p:cNvPr id="2" name="Title 1"/>
+          <p:cNvSpPr>
+            <a:spLocks noGrp="1"/>
+          </p:cNvSpPr>
+          <p:nvPr>
+            <p:ph type="title"/>
+          </p:nvPr>
+        </p:nvSpPr>
+        <p:spPr/>
+        <p:txBody>
+          <a:bodyPr/>
+          <a:lstStyle/>
+          <a:p>
+            <a:r>
+              <a:rPr lang="en-US"/>
+              <a:t>Click to edit Master title style</a:t>
+            </a:r>
+            <a:endParaRPr lang="en-US" dirty="0"/>
+          </a:p>
+        </p:txBody>
+      </p:sp>
+      <p:sp>
+        <p:nvSpPr>
+          <p:cNvPr id="3" name="Content Placeholder 2"/>
+          <p:cNvSpPr>
+            <a:spLocks noGrp="1"/>
+          </p:cNvSpPr>
+          <p:nvPr>
+            <p:ph idx="1"/>
+          </p:nvPr>
+        </p:nvSpPr>
+        <p:spPr/>
+        <p:txBody>
+          <a:bodyPr/>
+          <a:lstStyle/>
+          <a:p>
+            <a:pPr lvl="0"/>
+            <a:r>
+              <a:rPr lang="en-US"/>
+              <a:t>Click to edit Master text styles</a:t>
+            </a:r>
+          </a:p>
+          <a:p>
+            <a:pPr lvl="1"/>
+            <a:r>
+              <a:rPr lang="en-US"/>
+              <a:t>Second level</a:t>
+            </a:r>
+          </a:p>
+          <a:p>
+            <a:pPr lvl="2"/>
+            <a:r>
+              <a:rPr lang="en-US"/>
+              <a:t>Third level</a:t>
+            </a:r>
+          </a:p>
+          <a:p>
+            <a:pPr lvl="3"/>
+            <a:r>
+              <a:rPr lang="en-US"/>
+              <a:t>Fourth level</a:t>
+            </a:r>
+          </a:p>
+          <a:p>
+            <a:pPr lvl="4"/>
+            <a:r>
+              <a:rPr lang="en-US"/>
+              <a:t>Fifth level</a:t>
+            </a:r>
+            <a:endParaRPr lang="en-US" dirty="0"/>
+          </a:p>
+        </p:txBody>
+      </p:sp>
+      <p:sp>
+        <p:nvSpPr>
+          <p:cNvPr id="4" name="Date Placeholder 3"/>
+          <p:cNvSpPr>
+            <a:spLocks noGrp="1"/>
+          </p:cNvSpPr>
+          <p:nvPr>
+            <p:ph type="dt" sz="half" idx="10"/>
+          </p:nvPr>
+        </p:nvSpPr>
+        <p:spPr/>
+        <p:txBody>
+          <a:bodyPr/>
+          <a:lstStyle/>
+          <a:p>
+            <a:fld id="{B8A9D527-3693-43A6-89CE-8B3346814790}" type="datetime1">
+              <a:rPr lang="en-US" smtClean="0"/>
+              <a:t>7/7/2016</a:t>
+            </a:fld>
+            <a:endParaRPr lang="en-US"/>
+          </a:p>
+        </p:txBody>
+      </p:sp>
+      <p:sp>
+        <p:nvSpPr>
+          <p:cNvPr id="5" name="Footer Placeholder 4"/>
+          <p:cNvSpPr>
+            <a:spLocks noGrp="1"/>
+          </p:cNvSpPr>
+          <p:nvPr>
+            <p:ph type="ftr" sz="quarter" idx="11"/>
+          </p:nvPr>
+        </p:nvSpPr>
+        <p:spPr/>
+        <p:txBody>
+          <a:bodyPr/>
+          <a:lstStyle/>
+          <a:p>
+            <a:r>
+              <a:rPr lang="en-US"/>
+              <a:t>© 2016 EV3Lessons.com, Last edit 7/06/2016</a:t>
+            </a:r>
+          </a:p>
+        </p:txBody>
+      </p:sp>
+      <p:sp>
+        <p:nvSpPr>
+          <p:cNvPr id="6" name="Slide Number Placeholder 5"/>
+          <p:cNvSpPr>
+            <a:spLocks noGrp="1"/>
+          </p:cNvSpPr>
+          <p:nvPr>
+            <p:ph type="sldNum" sz="quarter" idx="12"/>
+          </p:nvPr>
+        </p:nvSpPr>
+        <p:spPr/>
+        <p:txBody>
+          <a:bodyPr/>
+          <a:lstStyle/>
+          <a:p>
+            <a:fld id="{4382A7F7-08BF-4252-8141-63FB96055BBB}" type="slidenum">
+              <a:rPr lang="en-US" smtClean="0"/>
+              <a:t>‹#›</a:t>
+            </a:fld>
+            <a:endParaRPr lang="en-US"/>
+          </a:p>
+        </p:txBody>
+      </p:sp>
+    </p:spTree>
+    <p:extLst>
+      <p:ext uri="{BB962C8B-B14F-4D97-AF65-F5344CB8AC3E}">
+        <p14:creationId xmlns:p14="http://schemas.microsoft.com/office/powerpoint/2010/main" val="600499701"/>
+      </p:ext>
+    </p:extLst>
+  </p:cSld>
+  <p:clrMapOvr>
+    <a:masterClrMapping/>
+  </p:clrMapOvr>
+</p:sldLayout>
+</file>
+
+<file path=ppt/slideLayouts/slideLayout20.xml><?xml version="1.0" encoding="utf-8"?>
 <p:sldLayout xmlns:a="http://schemas.openxmlformats.org/drawingml/2006/main" xmlns:r="http://schemas.openxmlformats.org/officeDocument/2006/relationships" xmlns:p="http://schemas.openxmlformats.org/presentationml/2006/main" showMasterSp="0" type="picTx" preserve="1">
   <p:cSld name="Picture with Caption">
     <p:spTree>
@@ -3629,7 +4320,7 @@
           </a:lstStyle>
           <a:p>
             <a:r>
-              <a:rPr lang="en-US" smtClean="0"/>
+              <a:rPr lang="en-US"/>
               <a:t>Click to edit Master title style</a:t>
             </a:r>
             <a:endParaRPr lang="en-US" dirty="0"/>
@@ -3704,8 +4395,8 @@
           </a:lstStyle>
           <a:p>
             <a:r>
-              <a:rPr lang="en-US" smtClean="0"/>
-              <a:t>Drag picture to placeholder or click icon to add</a:t>
+              <a:rPr lang="en-US"/>
+              <a:t>Click icon to add picture</a:t>
             </a:r>
             <a:endParaRPr lang="en-US" dirty="0"/>
           </a:p>
@@ -3782,30 +4473,30 @@
           <a:p>
             <a:pPr lvl="0"/>
             <a:r>
+              <a:rPr lang="en-US"/>
+              <a:t>Edit Master text styles</a:t>
+            </a:r>
+          </a:p>
+        </p:txBody>
+      </p:sp>
+      <p:sp>
+        <p:nvSpPr>
+          <p:cNvPr id="5" name="Date Placeholder 4"/>
+          <p:cNvSpPr>
+            <a:spLocks noGrp="1"/>
+          </p:cNvSpPr>
+          <p:nvPr>
+            <p:ph type="dt" sz="half" idx="10"/>
+          </p:nvPr>
+        </p:nvSpPr>
+        <p:spPr/>
+        <p:txBody>
+          <a:bodyPr/>
+          <a:lstStyle/>
+          <a:p>
+            <a:fld id="{21E6F0C5-0551-4848-9C32-CD7EBCAF02D0}" type="datetime1">
               <a:rPr lang="en-US" smtClean="0"/>
-              <a:t>Click to edit Master text styles</a:t>
-            </a:r>
-          </a:p>
-        </p:txBody>
-      </p:sp>
-      <p:sp>
-        <p:nvSpPr>
-          <p:cNvPr id="5" name="Date Placeholder 4"/>
-          <p:cNvSpPr>
-            <a:spLocks noGrp="1"/>
-          </p:cNvSpPr>
-          <p:nvPr>
-            <p:ph type="dt" sz="half" idx="10"/>
-          </p:nvPr>
-        </p:nvSpPr>
-        <p:spPr/>
-        <p:txBody>
-          <a:bodyPr/>
-          <a:lstStyle/>
-          <a:p>
-            <a:fld id="{9F9CFCDA-76FF-C942-8304-6FF0EF7EF019}" type="datetime1">
-              <a:rPr lang="en-US" smtClean="0"/>
-              <a:t>11/13/15</a:t>
+              <a:t>7/7/2016</a:t>
             </a:fld>
             <a:endParaRPr lang="en-US"/>
           </a:p>
@@ -3827,10 +4518,2485 @@
           <a:lstStyle/>
           <a:p>
             <a:r>
-              <a:rPr lang="sk-SK" smtClean="0"/>
-              <a:t>© 2015 EV3Lessons.com, Last edit 11/13/2015</a:t>
-            </a:r>
+              <a:rPr lang="en-US"/>
+              <a:t>© 2016 EV3Lessons.com, Last edit 7/06/2016</a:t>
+            </a:r>
+          </a:p>
+        </p:txBody>
+      </p:sp>
+      <p:sp>
+        <p:nvSpPr>
+          <p:cNvPr id="7" name="Slide Number Placeholder 6"/>
+          <p:cNvSpPr>
+            <a:spLocks noGrp="1"/>
+          </p:cNvSpPr>
+          <p:nvPr>
+            <p:ph type="sldNum" sz="quarter" idx="12"/>
+          </p:nvPr>
+        </p:nvSpPr>
+        <p:spPr/>
+        <p:txBody>
+          <a:bodyPr/>
+          <a:lstStyle/>
+          <a:p>
+            <a:fld id="{4382A7F7-08BF-4252-8141-63FB96055BBB}" type="slidenum">
+              <a:rPr lang="en-US" smtClean="0"/>
+              <a:t>‹#›</a:t>
+            </a:fld>
             <a:endParaRPr lang="en-US"/>
+          </a:p>
+        </p:txBody>
+      </p:sp>
+    </p:spTree>
+    <p:extLst>
+      <p:ext uri="{BB962C8B-B14F-4D97-AF65-F5344CB8AC3E}">
+        <p14:creationId xmlns:p14="http://schemas.microsoft.com/office/powerpoint/2010/main" val="939054936"/>
+      </p:ext>
+    </p:extLst>
+  </p:cSld>
+  <p:clrMapOvr>
+    <a:masterClrMapping/>
+  </p:clrMapOvr>
+</p:sldLayout>
+</file>
+
+<file path=ppt/slideLayouts/slideLayout21.xml><?xml version="1.0" encoding="utf-8"?>
+<p:sldLayout xmlns:a="http://schemas.openxmlformats.org/drawingml/2006/main" xmlns:r="http://schemas.openxmlformats.org/officeDocument/2006/relationships" xmlns:p="http://schemas.openxmlformats.org/presentationml/2006/main" type="vertTx" preserve="1">
+  <p:cSld name="Title and Vertical Text">
+    <p:spTree>
+      <p:nvGrpSpPr>
+        <p:cNvPr id="1" name=""/>
+        <p:cNvGrpSpPr/>
+        <p:nvPr/>
+      </p:nvGrpSpPr>
+      <p:grpSpPr>
+        <a:xfrm>
+          <a:off x="0" y="0"/>
+          <a:ext cx="0" cy="0"/>
+          <a:chOff x="0" y="0"/>
+          <a:chExt cx="0" cy="0"/>
+        </a:xfrm>
+      </p:grpSpPr>
+      <p:sp>
+        <p:nvSpPr>
+          <p:cNvPr id="2" name="Title 1"/>
+          <p:cNvSpPr>
+            <a:spLocks noGrp="1"/>
+          </p:cNvSpPr>
+          <p:nvPr>
+            <p:ph type="title"/>
+          </p:nvPr>
+        </p:nvSpPr>
+        <p:spPr/>
+        <p:txBody>
+          <a:bodyPr/>
+          <a:lstStyle/>
+          <a:p>
+            <a:r>
+              <a:rPr lang="en-US"/>
+              <a:t>Click to edit Master title style</a:t>
+            </a:r>
+            <a:endParaRPr lang="en-US" dirty="0"/>
+          </a:p>
+        </p:txBody>
+      </p:sp>
+      <p:sp>
+        <p:nvSpPr>
+          <p:cNvPr id="3" name="Vertical Text Placeholder 2"/>
+          <p:cNvSpPr>
+            <a:spLocks noGrp="1"/>
+          </p:cNvSpPr>
+          <p:nvPr>
+            <p:ph type="body" orient="vert" idx="1"/>
+          </p:nvPr>
+        </p:nvSpPr>
+        <p:spPr/>
+        <p:txBody>
+          <a:bodyPr vert="eaVert" lIns="45720" tIns="0" rIns="45720" bIns="0"/>
+          <a:lstStyle/>
+          <a:p>
+            <a:pPr lvl="0"/>
+            <a:r>
+              <a:rPr lang="en-US"/>
+              <a:t>Edit Master text styles</a:t>
+            </a:r>
+          </a:p>
+          <a:p>
+            <a:pPr lvl="1"/>
+            <a:r>
+              <a:rPr lang="en-US"/>
+              <a:t>Second level</a:t>
+            </a:r>
+          </a:p>
+          <a:p>
+            <a:pPr lvl="2"/>
+            <a:r>
+              <a:rPr lang="en-US"/>
+              <a:t>Third level</a:t>
+            </a:r>
+          </a:p>
+          <a:p>
+            <a:pPr lvl="3"/>
+            <a:r>
+              <a:rPr lang="en-US"/>
+              <a:t>Fourth level</a:t>
+            </a:r>
+          </a:p>
+          <a:p>
+            <a:pPr lvl="4"/>
+            <a:r>
+              <a:rPr lang="en-US"/>
+              <a:t>Fifth level</a:t>
+            </a:r>
+            <a:endParaRPr lang="en-US" dirty="0"/>
+          </a:p>
+        </p:txBody>
+      </p:sp>
+      <p:sp>
+        <p:nvSpPr>
+          <p:cNvPr id="4" name="Date Placeholder 3"/>
+          <p:cNvSpPr>
+            <a:spLocks noGrp="1"/>
+          </p:cNvSpPr>
+          <p:nvPr>
+            <p:ph type="dt" sz="half" idx="10"/>
+          </p:nvPr>
+        </p:nvSpPr>
+        <p:spPr/>
+        <p:txBody>
+          <a:bodyPr/>
+          <a:lstStyle/>
+          <a:p>
+            <a:fld id="{31989537-D455-45F9-A669-1E3B9704FFA5}" type="datetime1">
+              <a:rPr lang="en-US" smtClean="0"/>
+              <a:t>7/7/2016</a:t>
+            </a:fld>
+            <a:endParaRPr lang="en-US"/>
+          </a:p>
+        </p:txBody>
+      </p:sp>
+      <p:sp>
+        <p:nvSpPr>
+          <p:cNvPr id="5" name="Footer Placeholder 4"/>
+          <p:cNvSpPr>
+            <a:spLocks noGrp="1"/>
+          </p:cNvSpPr>
+          <p:nvPr>
+            <p:ph type="ftr" sz="quarter" idx="11"/>
+          </p:nvPr>
+        </p:nvSpPr>
+        <p:spPr/>
+        <p:txBody>
+          <a:bodyPr/>
+          <a:lstStyle/>
+          <a:p>
+            <a:r>
+              <a:rPr lang="en-US"/>
+              <a:t>© 2016 EV3Lessons.com, Last edit 7/06/2016</a:t>
+            </a:r>
+          </a:p>
+        </p:txBody>
+      </p:sp>
+      <p:sp>
+        <p:nvSpPr>
+          <p:cNvPr id="6" name="Slide Number Placeholder 5"/>
+          <p:cNvSpPr>
+            <a:spLocks noGrp="1"/>
+          </p:cNvSpPr>
+          <p:nvPr>
+            <p:ph type="sldNum" sz="quarter" idx="12"/>
+          </p:nvPr>
+        </p:nvSpPr>
+        <p:spPr/>
+        <p:txBody>
+          <a:bodyPr/>
+          <a:lstStyle/>
+          <a:p>
+            <a:fld id="{4382A7F7-08BF-4252-8141-63FB96055BBB}" type="slidenum">
+              <a:rPr lang="en-US" smtClean="0"/>
+              <a:t>‹#›</a:t>
+            </a:fld>
+            <a:endParaRPr lang="en-US"/>
+          </a:p>
+        </p:txBody>
+      </p:sp>
+    </p:spTree>
+    <p:extLst>
+      <p:ext uri="{BB962C8B-B14F-4D97-AF65-F5344CB8AC3E}">
+        <p14:creationId xmlns:p14="http://schemas.microsoft.com/office/powerpoint/2010/main" val="799602328"/>
+      </p:ext>
+    </p:extLst>
+  </p:cSld>
+  <p:clrMapOvr>
+    <a:masterClrMapping/>
+  </p:clrMapOvr>
+</p:sldLayout>
+</file>
+
+<file path=ppt/slideLayouts/slideLayout22.xml><?xml version="1.0" encoding="utf-8"?>
+<p:sldLayout xmlns:a="http://schemas.openxmlformats.org/drawingml/2006/main" xmlns:r="http://schemas.openxmlformats.org/officeDocument/2006/relationships" xmlns:p="http://schemas.openxmlformats.org/presentationml/2006/main" showMasterSp="0" type="vertTitleAndTx" preserve="1">
+  <p:cSld name="Vertical Title and Text">
+    <p:spTree>
+      <p:nvGrpSpPr>
+        <p:cNvPr id="1" name=""/>
+        <p:cNvGrpSpPr/>
+        <p:nvPr/>
+      </p:nvGrpSpPr>
+      <p:grpSpPr>
+        <a:xfrm>
+          <a:off x="0" y="0"/>
+          <a:ext cx="0" cy="0"/>
+          <a:chOff x="0" y="0"/>
+          <a:chExt cx="0" cy="0"/>
+        </a:xfrm>
+      </p:grpSpPr>
+      <p:sp>
+        <p:nvSpPr>
+          <p:cNvPr id="7" name="Rectangle 6"/>
+          <p:cNvSpPr/>
+          <p:nvPr/>
+        </p:nvSpPr>
+        <p:spPr>
+          <a:xfrm>
+            <a:off x="2382" y="6400800"/>
+            <a:ext cx="9141619" cy="457200"/>
+          </a:xfrm>
+          <a:prstGeom prst="rect">
+            <a:avLst/>
+          </a:prstGeom>
+          <a:solidFill>
+            <a:schemeClr val="accent2"/>
+          </a:solidFill>
+          <a:ln>
+            <a:noFill/>
+          </a:ln>
+        </p:spPr>
+        <p:style>
+          <a:lnRef idx="2">
+            <a:schemeClr val="accent1">
+              <a:shade val="50000"/>
+            </a:schemeClr>
+          </a:lnRef>
+          <a:fillRef idx="1">
+            <a:schemeClr val="accent1"/>
+          </a:fillRef>
+          <a:effectRef idx="0">
+            <a:schemeClr val="accent1"/>
+          </a:effectRef>
+          <a:fontRef idx="minor">
+            <a:schemeClr val="lt1"/>
+          </a:fontRef>
+        </p:style>
+      </p:sp>
+      <p:sp>
+        <p:nvSpPr>
+          <p:cNvPr id="8" name="Rectangle 7"/>
+          <p:cNvSpPr/>
+          <p:nvPr/>
+        </p:nvSpPr>
+        <p:spPr>
+          <a:xfrm>
+            <a:off x="12" y="6334316"/>
+            <a:ext cx="9141619" cy="64008"/>
+          </a:xfrm>
+          <a:prstGeom prst="rect">
+            <a:avLst/>
+          </a:prstGeom>
+          <a:solidFill>
+            <a:schemeClr val="accent1"/>
+          </a:solidFill>
+          <a:ln>
+            <a:noFill/>
+          </a:ln>
+        </p:spPr>
+        <p:style>
+          <a:lnRef idx="2">
+            <a:schemeClr val="accent1">
+              <a:shade val="50000"/>
+            </a:schemeClr>
+          </a:lnRef>
+          <a:fillRef idx="1">
+            <a:schemeClr val="accent1"/>
+          </a:fillRef>
+          <a:effectRef idx="0">
+            <a:schemeClr val="accent1"/>
+          </a:effectRef>
+          <a:fontRef idx="minor">
+            <a:schemeClr val="lt1"/>
+          </a:fontRef>
+        </p:style>
+      </p:sp>
+      <p:sp>
+        <p:nvSpPr>
+          <p:cNvPr id="2" name="Vertical Title 1"/>
+          <p:cNvSpPr>
+            <a:spLocks noGrp="1"/>
+          </p:cNvSpPr>
+          <p:nvPr>
+            <p:ph type="title" orient="vert"/>
+          </p:nvPr>
+        </p:nvSpPr>
+        <p:spPr>
+          <a:xfrm>
+            <a:off x="6543675" y="414779"/>
+            <a:ext cx="1971675" cy="5757421"/>
+          </a:xfrm>
+        </p:spPr>
+        <p:txBody>
+          <a:bodyPr vert="eaVert"/>
+          <a:lstStyle/>
+          <a:p>
+            <a:r>
+              <a:rPr lang="en-US"/>
+              <a:t>Click to edit Master title style</a:t>
+            </a:r>
+            <a:endParaRPr lang="en-US" dirty="0"/>
+          </a:p>
+        </p:txBody>
+      </p:sp>
+      <p:sp>
+        <p:nvSpPr>
+          <p:cNvPr id="3" name="Vertical Text Placeholder 2"/>
+          <p:cNvSpPr>
+            <a:spLocks noGrp="1"/>
+          </p:cNvSpPr>
+          <p:nvPr>
+            <p:ph type="body" orient="vert" idx="1"/>
+          </p:nvPr>
+        </p:nvSpPr>
+        <p:spPr>
+          <a:xfrm>
+            <a:off x="628650" y="414779"/>
+            <a:ext cx="5800725" cy="5757420"/>
+          </a:xfrm>
+        </p:spPr>
+        <p:txBody>
+          <a:bodyPr vert="eaVert" lIns="45720" tIns="0" rIns="45720" bIns="0"/>
+          <a:lstStyle/>
+          <a:p>
+            <a:pPr lvl="0"/>
+            <a:r>
+              <a:rPr lang="en-US"/>
+              <a:t>Edit Master text styles</a:t>
+            </a:r>
+          </a:p>
+          <a:p>
+            <a:pPr lvl="1"/>
+            <a:r>
+              <a:rPr lang="en-US"/>
+              <a:t>Second level</a:t>
+            </a:r>
+          </a:p>
+          <a:p>
+            <a:pPr lvl="2"/>
+            <a:r>
+              <a:rPr lang="en-US"/>
+              <a:t>Third level</a:t>
+            </a:r>
+          </a:p>
+          <a:p>
+            <a:pPr lvl="3"/>
+            <a:r>
+              <a:rPr lang="en-US"/>
+              <a:t>Fourth level</a:t>
+            </a:r>
+          </a:p>
+          <a:p>
+            <a:pPr lvl="4"/>
+            <a:r>
+              <a:rPr lang="en-US"/>
+              <a:t>Fifth level</a:t>
+            </a:r>
+            <a:endParaRPr lang="en-US" dirty="0"/>
+          </a:p>
+        </p:txBody>
+      </p:sp>
+      <p:sp>
+        <p:nvSpPr>
+          <p:cNvPr id="4" name="Date Placeholder 3"/>
+          <p:cNvSpPr>
+            <a:spLocks noGrp="1"/>
+          </p:cNvSpPr>
+          <p:nvPr>
+            <p:ph type="dt" sz="half" idx="10"/>
+          </p:nvPr>
+        </p:nvSpPr>
+        <p:spPr/>
+        <p:txBody>
+          <a:bodyPr/>
+          <a:lstStyle/>
+          <a:p>
+            <a:fld id="{98332522-D15E-4B44-96D6-FC6A8E2C891A}" type="datetime1">
+              <a:rPr lang="en-US" smtClean="0"/>
+              <a:t>7/7/2016</a:t>
+            </a:fld>
+            <a:endParaRPr lang="en-US"/>
+          </a:p>
+        </p:txBody>
+      </p:sp>
+      <p:sp>
+        <p:nvSpPr>
+          <p:cNvPr id="5" name="Footer Placeholder 4"/>
+          <p:cNvSpPr>
+            <a:spLocks noGrp="1"/>
+          </p:cNvSpPr>
+          <p:nvPr>
+            <p:ph type="ftr" sz="quarter" idx="11"/>
+          </p:nvPr>
+        </p:nvSpPr>
+        <p:spPr/>
+        <p:txBody>
+          <a:bodyPr/>
+          <a:lstStyle/>
+          <a:p>
+            <a:r>
+              <a:rPr lang="en-US"/>
+              <a:t>© 2016 EV3Lessons.com, Last edit 7/06/2016</a:t>
+            </a:r>
+          </a:p>
+        </p:txBody>
+      </p:sp>
+      <p:sp>
+        <p:nvSpPr>
+          <p:cNvPr id="6" name="Slide Number Placeholder 5"/>
+          <p:cNvSpPr>
+            <a:spLocks noGrp="1"/>
+          </p:cNvSpPr>
+          <p:nvPr>
+            <p:ph type="sldNum" sz="quarter" idx="12"/>
+          </p:nvPr>
+        </p:nvSpPr>
+        <p:spPr/>
+        <p:txBody>
+          <a:bodyPr/>
+          <a:lstStyle/>
+          <a:p>
+            <a:fld id="{4382A7F7-08BF-4252-8141-63FB96055BBB}" type="slidenum">
+              <a:rPr lang="en-US" smtClean="0"/>
+              <a:t>‹#›</a:t>
+            </a:fld>
+            <a:endParaRPr lang="en-US"/>
+          </a:p>
+        </p:txBody>
+      </p:sp>
+    </p:spTree>
+    <p:extLst>
+      <p:ext uri="{BB962C8B-B14F-4D97-AF65-F5344CB8AC3E}">
+        <p14:creationId xmlns:p14="http://schemas.microsoft.com/office/powerpoint/2010/main" val="4098715768"/>
+      </p:ext>
+    </p:extLst>
+  </p:cSld>
+  <p:clrMapOvr>
+    <a:masterClrMapping/>
+  </p:clrMapOvr>
+</p:sldLayout>
+</file>
+
+<file path=ppt/slideLayouts/slideLayout3.xml><?xml version="1.0" encoding="utf-8"?>
+<p:sldLayout xmlns:a="http://schemas.openxmlformats.org/drawingml/2006/main" xmlns:r="http://schemas.openxmlformats.org/officeDocument/2006/relationships" xmlns:p="http://schemas.openxmlformats.org/presentationml/2006/main" showMasterSp="0" type="secHead" preserve="1">
+  <p:cSld name="Section Header">
+    <p:bg>
+      <p:bgPr>
+        <a:solidFill>
+          <a:schemeClr val="bg1"/>
+        </a:solidFill>
+        <a:effectLst/>
+      </p:bgPr>
+    </p:bg>
+    <p:spTree>
+      <p:nvGrpSpPr>
+        <p:cNvPr id="1" name=""/>
+        <p:cNvGrpSpPr/>
+        <p:nvPr/>
+      </p:nvGrpSpPr>
+      <p:grpSpPr>
+        <a:xfrm>
+          <a:off x="0" y="0"/>
+          <a:ext cx="0" cy="0"/>
+          <a:chOff x="0" y="0"/>
+          <a:chExt cx="0" cy="0"/>
+        </a:xfrm>
+      </p:grpSpPr>
+      <p:sp>
+        <p:nvSpPr>
+          <p:cNvPr id="7" name="Rectangle 6"/>
+          <p:cNvSpPr/>
+          <p:nvPr/>
+        </p:nvSpPr>
+        <p:spPr>
+          <a:xfrm>
+            <a:off x="2382" y="6400800"/>
+            <a:ext cx="9141619" cy="457200"/>
+          </a:xfrm>
+          <a:prstGeom prst="rect">
+            <a:avLst/>
+          </a:prstGeom>
+          <a:solidFill>
+            <a:schemeClr val="accent2"/>
+          </a:solidFill>
+          <a:ln>
+            <a:noFill/>
+          </a:ln>
+        </p:spPr>
+        <p:style>
+          <a:lnRef idx="2">
+            <a:schemeClr val="accent1">
+              <a:shade val="50000"/>
+            </a:schemeClr>
+          </a:lnRef>
+          <a:fillRef idx="1">
+            <a:schemeClr val="accent1"/>
+          </a:fillRef>
+          <a:effectRef idx="0">
+            <a:schemeClr val="accent1"/>
+          </a:effectRef>
+          <a:fontRef idx="minor">
+            <a:schemeClr val="lt1"/>
+          </a:fontRef>
+        </p:style>
+      </p:sp>
+      <p:sp>
+        <p:nvSpPr>
+          <p:cNvPr id="8" name="Rectangle 7"/>
+          <p:cNvSpPr/>
+          <p:nvPr/>
+        </p:nvSpPr>
+        <p:spPr>
+          <a:xfrm>
+            <a:off x="12" y="6334316"/>
+            <a:ext cx="9141619" cy="64008"/>
+          </a:xfrm>
+          <a:prstGeom prst="rect">
+            <a:avLst/>
+          </a:prstGeom>
+          <a:solidFill>
+            <a:schemeClr val="accent1"/>
+          </a:solidFill>
+          <a:ln>
+            <a:noFill/>
+          </a:ln>
+        </p:spPr>
+        <p:style>
+          <a:lnRef idx="2">
+            <a:schemeClr val="accent1">
+              <a:shade val="50000"/>
+            </a:schemeClr>
+          </a:lnRef>
+          <a:fillRef idx="1">
+            <a:schemeClr val="accent1"/>
+          </a:fillRef>
+          <a:effectRef idx="0">
+            <a:schemeClr val="accent1"/>
+          </a:effectRef>
+          <a:fontRef idx="minor">
+            <a:schemeClr val="lt1"/>
+          </a:fontRef>
+        </p:style>
+      </p:sp>
+      <p:sp>
+        <p:nvSpPr>
+          <p:cNvPr id="2" name="Title 1"/>
+          <p:cNvSpPr>
+            <a:spLocks noGrp="1"/>
+          </p:cNvSpPr>
+          <p:nvPr>
+            <p:ph type="title"/>
+          </p:nvPr>
+        </p:nvSpPr>
+        <p:spPr>
+          <a:xfrm>
+            <a:off x="822960" y="758952"/>
+            <a:ext cx="7543800" cy="3566160"/>
+          </a:xfrm>
+        </p:spPr>
+        <p:txBody>
+          <a:bodyPr anchor="b" anchorCtr="0">
+            <a:normAutofit/>
+          </a:bodyPr>
+          <a:lstStyle>
+            <a:lvl1pPr>
+              <a:lnSpc>
+                <a:spcPct val="85000"/>
+              </a:lnSpc>
+              <a:defRPr sz="8000" b="0">
+                <a:solidFill>
+                  <a:schemeClr val="tx1">
+                    <a:lumMod val="85000"/>
+                    <a:lumOff val="15000"/>
+                  </a:schemeClr>
+                </a:solidFill>
+              </a:defRPr>
+            </a:lvl1pPr>
+          </a:lstStyle>
+          <a:p>
+            <a:r>
+              <a:rPr lang="en-US"/>
+              <a:t>Click to edit Master title style</a:t>
+            </a:r>
+            <a:endParaRPr lang="en-US" dirty="0"/>
+          </a:p>
+        </p:txBody>
+      </p:sp>
+      <p:sp>
+        <p:nvSpPr>
+          <p:cNvPr id="3" name="Text Placeholder 2"/>
+          <p:cNvSpPr>
+            <a:spLocks noGrp="1"/>
+          </p:cNvSpPr>
+          <p:nvPr>
+            <p:ph type="body" idx="1"/>
+          </p:nvPr>
+        </p:nvSpPr>
+        <p:spPr>
+          <a:xfrm>
+            <a:off x="822960" y="4453128"/>
+            <a:ext cx="7543800" cy="1143000"/>
+          </a:xfrm>
+        </p:spPr>
+        <p:txBody>
+          <a:bodyPr lIns="91440" rIns="91440" anchor="t" anchorCtr="0">
+            <a:normAutofit/>
+          </a:bodyPr>
+          <a:lstStyle>
+            <a:lvl1pPr marL="0" indent="0">
+              <a:buNone/>
+              <a:defRPr sz="2400" cap="all" spc="200" baseline="0">
+                <a:solidFill>
+                  <a:schemeClr val="tx2"/>
+                </a:solidFill>
+                <a:latin typeface="+mj-lt"/>
+              </a:defRPr>
+            </a:lvl1pPr>
+            <a:lvl2pPr marL="457200" indent="0">
+              <a:buNone/>
+              <a:defRPr sz="1800">
+                <a:solidFill>
+                  <a:schemeClr val="tx1">
+                    <a:tint val="75000"/>
+                  </a:schemeClr>
+                </a:solidFill>
+              </a:defRPr>
+            </a:lvl2pPr>
+            <a:lvl3pPr marL="914400" indent="0">
+              <a:buNone/>
+              <a:defRPr sz="1600">
+                <a:solidFill>
+                  <a:schemeClr val="tx1">
+                    <a:tint val="75000"/>
+                  </a:schemeClr>
+                </a:solidFill>
+              </a:defRPr>
+            </a:lvl3pPr>
+            <a:lvl4pPr marL="1371600" indent="0">
+              <a:buNone/>
+              <a:defRPr sz="1400">
+                <a:solidFill>
+                  <a:schemeClr val="tx1">
+                    <a:tint val="75000"/>
+                  </a:schemeClr>
+                </a:solidFill>
+              </a:defRPr>
+            </a:lvl4pPr>
+            <a:lvl5pPr marL="1828800" indent="0">
+              <a:buNone/>
+              <a:defRPr sz="1400">
+                <a:solidFill>
+                  <a:schemeClr val="tx1">
+                    <a:tint val="75000"/>
+                  </a:schemeClr>
+                </a:solidFill>
+              </a:defRPr>
+            </a:lvl5pPr>
+            <a:lvl6pPr marL="2286000" indent="0">
+              <a:buNone/>
+              <a:defRPr sz="1400">
+                <a:solidFill>
+                  <a:schemeClr val="tx1">
+                    <a:tint val="75000"/>
+                  </a:schemeClr>
+                </a:solidFill>
+              </a:defRPr>
+            </a:lvl6pPr>
+            <a:lvl7pPr marL="2743200" indent="0">
+              <a:buNone/>
+              <a:defRPr sz="1400">
+                <a:solidFill>
+                  <a:schemeClr val="tx1">
+                    <a:tint val="75000"/>
+                  </a:schemeClr>
+                </a:solidFill>
+              </a:defRPr>
+            </a:lvl7pPr>
+            <a:lvl8pPr marL="3200400" indent="0">
+              <a:buNone/>
+              <a:defRPr sz="1400">
+                <a:solidFill>
+                  <a:schemeClr val="tx1">
+                    <a:tint val="75000"/>
+                  </a:schemeClr>
+                </a:solidFill>
+              </a:defRPr>
+            </a:lvl8pPr>
+            <a:lvl9pPr marL="3657600" indent="0">
+              <a:buNone/>
+              <a:defRPr sz="1400">
+                <a:solidFill>
+                  <a:schemeClr val="tx1">
+                    <a:tint val="75000"/>
+                  </a:schemeClr>
+                </a:solidFill>
+              </a:defRPr>
+            </a:lvl9pPr>
+          </a:lstStyle>
+          <a:p>
+            <a:pPr lvl="0"/>
+            <a:r>
+              <a:rPr lang="en-US"/>
+              <a:t>Click to edit Master text styles</a:t>
+            </a:r>
+          </a:p>
+        </p:txBody>
+      </p:sp>
+      <p:sp>
+        <p:nvSpPr>
+          <p:cNvPr id="4" name="Date Placeholder 3"/>
+          <p:cNvSpPr>
+            <a:spLocks noGrp="1"/>
+          </p:cNvSpPr>
+          <p:nvPr>
+            <p:ph type="dt" sz="half" idx="10"/>
+          </p:nvPr>
+        </p:nvSpPr>
+        <p:spPr/>
+        <p:txBody>
+          <a:bodyPr/>
+          <a:lstStyle/>
+          <a:p>
+            <a:fld id="{BFA6EECA-E316-4651-8813-CEE6BF3D77BC}" type="datetime1">
+              <a:rPr lang="en-US" smtClean="0"/>
+              <a:t>7/7/2016</a:t>
+            </a:fld>
+            <a:endParaRPr lang="en-US"/>
+          </a:p>
+        </p:txBody>
+      </p:sp>
+      <p:sp>
+        <p:nvSpPr>
+          <p:cNvPr id="5" name="Footer Placeholder 4"/>
+          <p:cNvSpPr>
+            <a:spLocks noGrp="1"/>
+          </p:cNvSpPr>
+          <p:nvPr>
+            <p:ph type="ftr" sz="quarter" idx="11"/>
+          </p:nvPr>
+        </p:nvSpPr>
+        <p:spPr/>
+        <p:txBody>
+          <a:bodyPr/>
+          <a:lstStyle/>
+          <a:p>
+            <a:r>
+              <a:rPr lang="en-US"/>
+              <a:t>© 2016 EV3Lessons.com, Last edit 7/06/2016</a:t>
+            </a:r>
+          </a:p>
+        </p:txBody>
+      </p:sp>
+      <p:sp>
+        <p:nvSpPr>
+          <p:cNvPr id="6" name="Slide Number Placeholder 5"/>
+          <p:cNvSpPr>
+            <a:spLocks noGrp="1"/>
+          </p:cNvSpPr>
+          <p:nvPr>
+            <p:ph type="sldNum" sz="quarter" idx="12"/>
+          </p:nvPr>
+        </p:nvSpPr>
+        <p:spPr/>
+        <p:txBody>
+          <a:bodyPr/>
+          <a:lstStyle/>
+          <a:p>
+            <a:fld id="{162F1D00-BD13-4404-86B0-79703945A0A7}" type="slidenum">
+              <a:rPr lang="en-US" smtClean="0"/>
+              <a:t>‹#›</a:t>
+            </a:fld>
+            <a:endParaRPr lang="en-US"/>
+          </a:p>
+        </p:txBody>
+      </p:sp>
+      <p:cxnSp>
+        <p:nvCxnSpPr>
+          <p:cNvPr id="9" name="Straight Connector 8"/>
+          <p:cNvCxnSpPr/>
+          <p:nvPr/>
+        </p:nvCxnSpPr>
+        <p:spPr>
+          <a:xfrm>
+            <a:off x="905744" y="4343400"/>
+            <a:ext cx="7406640" cy="0"/>
+          </a:xfrm>
+          <a:prstGeom prst="line">
+            <a:avLst/>
+          </a:prstGeom>
+          <a:ln w="6350">
+            <a:solidFill>
+              <a:schemeClr val="tx1">
+                <a:lumMod val="50000"/>
+                <a:lumOff val="50000"/>
+              </a:schemeClr>
+            </a:solidFill>
+          </a:ln>
+        </p:spPr>
+        <p:style>
+          <a:lnRef idx="1">
+            <a:schemeClr val="accent1"/>
+          </a:lnRef>
+          <a:fillRef idx="0">
+            <a:schemeClr val="accent1"/>
+          </a:fillRef>
+          <a:effectRef idx="0">
+            <a:schemeClr val="accent1"/>
+          </a:effectRef>
+          <a:fontRef idx="minor">
+            <a:schemeClr val="tx1"/>
+          </a:fontRef>
+        </p:style>
+      </p:cxnSp>
+    </p:spTree>
+    <p:extLst>
+      <p:ext uri="{BB962C8B-B14F-4D97-AF65-F5344CB8AC3E}">
+        <p14:creationId xmlns:p14="http://schemas.microsoft.com/office/powerpoint/2010/main" val="966738455"/>
+      </p:ext>
+    </p:extLst>
+  </p:cSld>
+  <p:clrMapOvr>
+    <a:masterClrMapping/>
+  </p:clrMapOvr>
+</p:sldLayout>
+</file>
+
+<file path=ppt/slideLayouts/slideLayout4.xml><?xml version="1.0" encoding="utf-8"?>
+<p:sldLayout xmlns:a="http://schemas.openxmlformats.org/drawingml/2006/main" xmlns:r="http://schemas.openxmlformats.org/officeDocument/2006/relationships" xmlns:p="http://schemas.openxmlformats.org/presentationml/2006/main" type="twoObj" preserve="1">
+  <p:cSld name="Two Content">
+    <p:spTree>
+      <p:nvGrpSpPr>
+        <p:cNvPr id="1" name=""/>
+        <p:cNvGrpSpPr/>
+        <p:nvPr/>
+      </p:nvGrpSpPr>
+      <p:grpSpPr>
+        <a:xfrm>
+          <a:off x="0" y="0"/>
+          <a:ext cx="0" cy="0"/>
+          <a:chOff x="0" y="0"/>
+          <a:chExt cx="0" cy="0"/>
+        </a:xfrm>
+      </p:grpSpPr>
+      <p:sp>
+        <p:nvSpPr>
+          <p:cNvPr id="8" name="Title 7"/>
+          <p:cNvSpPr>
+            <a:spLocks noGrp="1"/>
+          </p:cNvSpPr>
+          <p:nvPr>
+            <p:ph type="title"/>
+          </p:nvPr>
+        </p:nvSpPr>
+        <p:spPr>
+          <a:xfrm>
+            <a:off x="822960" y="286604"/>
+            <a:ext cx="7543800" cy="1450757"/>
+          </a:xfrm>
+        </p:spPr>
+        <p:txBody>
+          <a:bodyPr/>
+          <a:lstStyle/>
+          <a:p>
+            <a:r>
+              <a:rPr lang="en-US"/>
+              <a:t>Click to edit Master title style</a:t>
+            </a:r>
+            <a:endParaRPr lang="en-US" dirty="0"/>
+          </a:p>
+        </p:txBody>
+      </p:sp>
+      <p:sp>
+        <p:nvSpPr>
+          <p:cNvPr id="3" name="Content Placeholder 2"/>
+          <p:cNvSpPr>
+            <a:spLocks noGrp="1"/>
+          </p:cNvSpPr>
+          <p:nvPr>
+            <p:ph sz="half" idx="1"/>
+          </p:nvPr>
+        </p:nvSpPr>
+        <p:spPr>
+          <a:xfrm>
+            <a:off x="822960" y="1845734"/>
+            <a:ext cx="3703320" cy="4023360"/>
+          </a:xfrm>
+        </p:spPr>
+        <p:txBody>
+          <a:bodyPr/>
+          <a:lstStyle/>
+          <a:p>
+            <a:pPr lvl="0"/>
+            <a:r>
+              <a:rPr lang="en-US"/>
+              <a:t>Click to edit Master text styles</a:t>
+            </a:r>
+          </a:p>
+          <a:p>
+            <a:pPr lvl="1"/>
+            <a:r>
+              <a:rPr lang="en-US"/>
+              <a:t>Second level</a:t>
+            </a:r>
+          </a:p>
+          <a:p>
+            <a:pPr lvl="2"/>
+            <a:r>
+              <a:rPr lang="en-US"/>
+              <a:t>Third level</a:t>
+            </a:r>
+          </a:p>
+          <a:p>
+            <a:pPr lvl="3"/>
+            <a:r>
+              <a:rPr lang="en-US"/>
+              <a:t>Fourth level</a:t>
+            </a:r>
+          </a:p>
+          <a:p>
+            <a:pPr lvl="4"/>
+            <a:r>
+              <a:rPr lang="en-US"/>
+              <a:t>Fifth level</a:t>
+            </a:r>
+            <a:endParaRPr lang="en-US" dirty="0"/>
+          </a:p>
+        </p:txBody>
+      </p:sp>
+      <p:sp>
+        <p:nvSpPr>
+          <p:cNvPr id="4" name="Content Placeholder 3"/>
+          <p:cNvSpPr>
+            <a:spLocks noGrp="1"/>
+          </p:cNvSpPr>
+          <p:nvPr>
+            <p:ph sz="half" idx="2"/>
+          </p:nvPr>
+        </p:nvSpPr>
+        <p:spPr>
+          <a:xfrm>
+            <a:off x="4663440" y="1845736"/>
+            <a:ext cx="3703320" cy="4023359"/>
+          </a:xfrm>
+        </p:spPr>
+        <p:txBody>
+          <a:bodyPr/>
+          <a:lstStyle/>
+          <a:p>
+            <a:pPr lvl="0"/>
+            <a:r>
+              <a:rPr lang="en-US"/>
+              <a:t>Click to edit Master text styles</a:t>
+            </a:r>
+          </a:p>
+          <a:p>
+            <a:pPr lvl="1"/>
+            <a:r>
+              <a:rPr lang="en-US"/>
+              <a:t>Second level</a:t>
+            </a:r>
+          </a:p>
+          <a:p>
+            <a:pPr lvl="2"/>
+            <a:r>
+              <a:rPr lang="en-US"/>
+              <a:t>Third level</a:t>
+            </a:r>
+          </a:p>
+          <a:p>
+            <a:pPr lvl="3"/>
+            <a:r>
+              <a:rPr lang="en-US"/>
+              <a:t>Fourth level</a:t>
+            </a:r>
+          </a:p>
+          <a:p>
+            <a:pPr lvl="4"/>
+            <a:r>
+              <a:rPr lang="en-US"/>
+              <a:t>Fifth level</a:t>
+            </a:r>
+            <a:endParaRPr lang="en-US" dirty="0"/>
+          </a:p>
+        </p:txBody>
+      </p:sp>
+      <p:sp>
+        <p:nvSpPr>
+          <p:cNvPr id="5" name="Date Placeholder 4"/>
+          <p:cNvSpPr>
+            <a:spLocks noGrp="1"/>
+          </p:cNvSpPr>
+          <p:nvPr>
+            <p:ph type="dt" sz="half" idx="10"/>
+          </p:nvPr>
+        </p:nvSpPr>
+        <p:spPr/>
+        <p:txBody>
+          <a:bodyPr/>
+          <a:lstStyle/>
+          <a:p>
+            <a:fld id="{D20DE9D4-21C8-4B41-86E7-8DD839FA824C}" type="datetime1">
+              <a:rPr lang="en-US" smtClean="0"/>
+              <a:t>7/7/2016</a:t>
+            </a:fld>
+            <a:endParaRPr lang="en-US"/>
+          </a:p>
+        </p:txBody>
+      </p:sp>
+      <p:sp>
+        <p:nvSpPr>
+          <p:cNvPr id="6" name="Footer Placeholder 5"/>
+          <p:cNvSpPr>
+            <a:spLocks noGrp="1"/>
+          </p:cNvSpPr>
+          <p:nvPr>
+            <p:ph type="ftr" sz="quarter" idx="11"/>
+          </p:nvPr>
+        </p:nvSpPr>
+        <p:spPr/>
+        <p:txBody>
+          <a:bodyPr/>
+          <a:lstStyle/>
+          <a:p>
+            <a:r>
+              <a:rPr lang="en-US"/>
+              <a:t>© 2016 EV3Lessons.com, Last edit 7/06/2016</a:t>
+            </a:r>
+            <a:endParaRPr lang="en-US" dirty="0"/>
+          </a:p>
+        </p:txBody>
+      </p:sp>
+      <p:sp>
+        <p:nvSpPr>
+          <p:cNvPr id="7" name="Slide Number Placeholder 6"/>
+          <p:cNvSpPr>
+            <a:spLocks noGrp="1"/>
+          </p:cNvSpPr>
+          <p:nvPr>
+            <p:ph type="sldNum" sz="quarter" idx="12"/>
+          </p:nvPr>
+        </p:nvSpPr>
+        <p:spPr/>
+        <p:txBody>
+          <a:bodyPr/>
+          <a:lstStyle/>
+          <a:p>
+            <a:fld id="{4382A7F7-08BF-4252-8141-63FB96055BBB}" type="slidenum">
+              <a:rPr lang="en-US" smtClean="0"/>
+              <a:t>‹#›</a:t>
+            </a:fld>
+            <a:endParaRPr lang="en-US"/>
+          </a:p>
+        </p:txBody>
+      </p:sp>
+    </p:spTree>
+    <p:extLst>
+      <p:ext uri="{BB962C8B-B14F-4D97-AF65-F5344CB8AC3E}">
+        <p14:creationId xmlns:p14="http://schemas.microsoft.com/office/powerpoint/2010/main" val="179619509"/>
+      </p:ext>
+    </p:extLst>
+  </p:cSld>
+  <p:clrMapOvr>
+    <a:masterClrMapping/>
+  </p:clrMapOvr>
+</p:sldLayout>
+</file>
+
+<file path=ppt/slideLayouts/slideLayout5.xml><?xml version="1.0" encoding="utf-8"?>
+<p:sldLayout xmlns:a="http://schemas.openxmlformats.org/drawingml/2006/main" xmlns:r="http://schemas.openxmlformats.org/officeDocument/2006/relationships" xmlns:p="http://schemas.openxmlformats.org/presentationml/2006/main" type="twoTxTwoObj" preserve="1">
+  <p:cSld name="Comparison">
+    <p:spTree>
+      <p:nvGrpSpPr>
+        <p:cNvPr id="1" name=""/>
+        <p:cNvGrpSpPr/>
+        <p:nvPr/>
+      </p:nvGrpSpPr>
+      <p:grpSpPr>
+        <a:xfrm>
+          <a:off x="0" y="0"/>
+          <a:ext cx="0" cy="0"/>
+          <a:chOff x="0" y="0"/>
+          <a:chExt cx="0" cy="0"/>
+        </a:xfrm>
+      </p:grpSpPr>
+      <p:sp>
+        <p:nvSpPr>
+          <p:cNvPr id="10" name="Title 9"/>
+          <p:cNvSpPr>
+            <a:spLocks noGrp="1"/>
+          </p:cNvSpPr>
+          <p:nvPr>
+            <p:ph type="title"/>
+          </p:nvPr>
+        </p:nvSpPr>
+        <p:spPr>
+          <a:xfrm>
+            <a:off x="822960" y="286604"/>
+            <a:ext cx="7543800" cy="1450757"/>
+          </a:xfrm>
+        </p:spPr>
+        <p:txBody>
+          <a:bodyPr/>
+          <a:lstStyle/>
+          <a:p>
+            <a:r>
+              <a:rPr lang="en-US"/>
+              <a:t>Click to edit Master title style</a:t>
+            </a:r>
+            <a:endParaRPr lang="en-US" dirty="0"/>
+          </a:p>
+        </p:txBody>
+      </p:sp>
+      <p:sp>
+        <p:nvSpPr>
+          <p:cNvPr id="3" name="Text Placeholder 2"/>
+          <p:cNvSpPr>
+            <a:spLocks noGrp="1"/>
+          </p:cNvSpPr>
+          <p:nvPr>
+            <p:ph type="body" idx="1"/>
+          </p:nvPr>
+        </p:nvSpPr>
+        <p:spPr>
+          <a:xfrm>
+            <a:off x="822960" y="1846052"/>
+            <a:ext cx="3703320" cy="736282"/>
+          </a:xfrm>
+        </p:spPr>
+        <p:txBody>
+          <a:bodyPr lIns="91440" rIns="91440" anchor="ctr">
+            <a:normAutofit/>
+          </a:bodyPr>
+          <a:lstStyle>
+            <a:lvl1pPr marL="0" indent="0">
+              <a:buNone/>
+              <a:defRPr sz="2000" b="0" cap="all" baseline="0">
+                <a:solidFill>
+                  <a:schemeClr val="tx2"/>
+                </a:solidFill>
+              </a:defRPr>
+            </a:lvl1pPr>
+            <a:lvl2pPr marL="457200" indent="0">
+              <a:buNone/>
+              <a:defRPr sz="2000" b="1"/>
+            </a:lvl2pPr>
+            <a:lvl3pPr marL="914400" indent="0">
+              <a:buNone/>
+              <a:defRPr sz="1800" b="1"/>
+            </a:lvl3pPr>
+            <a:lvl4pPr marL="1371600" indent="0">
+              <a:buNone/>
+              <a:defRPr sz="1600" b="1"/>
+            </a:lvl4pPr>
+            <a:lvl5pPr marL="1828800" indent="0">
+              <a:buNone/>
+              <a:defRPr sz="1600" b="1"/>
+            </a:lvl5pPr>
+            <a:lvl6pPr marL="2286000" indent="0">
+              <a:buNone/>
+              <a:defRPr sz="1600" b="1"/>
+            </a:lvl6pPr>
+            <a:lvl7pPr marL="2743200" indent="0">
+              <a:buNone/>
+              <a:defRPr sz="1600" b="1"/>
+            </a:lvl7pPr>
+            <a:lvl8pPr marL="3200400" indent="0">
+              <a:buNone/>
+              <a:defRPr sz="1600" b="1"/>
+            </a:lvl8pPr>
+            <a:lvl9pPr marL="3657600" indent="0">
+              <a:buNone/>
+              <a:defRPr sz="1600" b="1"/>
+            </a:lvl9pPr>
+          </a:lstStyle>
+          <a:p>
+            <a:pPr lvl="0"/>
+            <a:r>
+              <a:rPr lang="en-US"/>
+              <a:t>Click to edit Master text styles</a:t>
+            </a:r>
+          </a:p>
+        </p:txBody>
+      </p:sp>
+      <p:sp>
+        <p:nvSpPr>
+          <p:cNvPr id="4" name="Content Placeholder 3"/>
+          <p:cNvSpPr>
+            <a:spLocks noGrp="1"/>
+          </p:cNvSpPr>
+          <p:nvPr>
+            <p:ph sz="half" idx="2"/>
+          </p:nvPr>
+        </p:nvSpPr>
+        <p:spPr>
+          <a:xfrm>
+            <a:off x="822960" y="2582334"/>
+            <a:ext cx="3703320" cy="3286760"/>
+          </a:xfrm>
+        </p:spPr>
+        <p:txBody>
+          <a:bodyPr/>
+          <a:lstStyle/>
+          <a:p>
+            <a:pPr lvl="0"/>
+            <a:r>
+              <a:rPr lang="en-US"/>
+              <a:t>Click to edit Master text styles</a:t>
+            </a:r>
+          </a:p>
+          <a:p>
+            <a:pPr lvl="1"/>
+            <a:r>
+              <a:rPr lang="en-US"/>
+              <a:t>Second level</a:t>
+            </a:r>
+          </a:p>
+          <a:p>
+            <a:pPr lvl="2"/>
+            <a:r>
+              <a:rPr lang="en-US"/>
+              <a:t>Third level</a:t>
+            </a:r>
+          </a:p>
+          <a:p>
+            <a:pPr lvl="3"/>
+            <a:r>
+              <a:rPr lang="en-US"/>
+              <a:t>Fourth level</a:t>
+            </a:r>
+          </a:p>
+          <a:p>
+            <a:pPr lvl="4"/>
+            <a:r>
+              <a:rPr lang="en-US"/>
+              <a:t>Fifth level</a:t>
+            </a:r>
+            <a:endParaRPr lang="en-US" dirty="0"/>
+          </a:p>
+        </p:txBody>
+      </p:sp>
+      <p:sp>
+        <p:nvSpPr>
+          <p:cNvPr id="5" name="Text Placeholder 4"/>
+          <p:cNvSpPr>
+            <a:spLocks noGrp="1"/>
+          </p:cNvSpPr>
+          <p:nvPr>
+            <p:ph type="body" sz="quarter" idx="3"/>
+          </p:nvPr>
+        </p:nvSpPr>
+        <p:spPr>
+          <a:xfrm>
+            <a:off x="4663440" y="1846052"/>
+            <a:ext cx="3703320" cy="736282"/>
+          </a:xfrm>
+        </p:spPr>
+        <p:txBody>
+          <a:bodyPr lIns="91440" rIns="91440" anchor="ctr">
+            <a:normAutofit/>
+          </a:bodyPr>
+          <a:lstStyle>
+            <a:lvl1pPr marL="0" indent="0">
+              <a:buNone/>
+              <a:defRPr sz="2000" b="0" cap="all" baseline="0">
+                <a:solidFill>
+                  <a:schemeClr val="tx2"/>
+                </a:solidFill>
+              </a:defRPr>
+            </a:lvl1pPr>
+            <a:lvl2pPr marL="457200" indent="0">
+              <a:buNone/>
+              <a:defRPr sz="2000" b="1"/>
+            </a:lvl2pPr>
+            <a:lvl3pPr marL="914400" indent="0">
+              <a:buNone/>
+              <a:defRPr sz="1800" b="1"/>
+            </a:lvl3pPr>
+            <a:lvl4pPr marL="1371600" indent="0">
+              <a:buNone/>
+              <a:defRPr sz="1600" b="1"/>
+            </a:lvl4pPr>
+            <a:lvl5pPr marL="1828800" indent="0">
+              <a:buNone/>
+              <a:defRPr sz="1600" b="1"/>
+            </a:lvl5pPr>
+            <a:lvl6pPr marL="2286000" indent="0">
+              <a:buNone/>
+              <a:defRPr sz="1600" b="1"/>
+            </a:lvl6pPr>
+            <a:lvl7pPr marL="2743200" indent="0">
+              <a:buNone/>
+              <a:defRPr sz="1600" b="1"/>
+            </a:lvl7pPr>
+            <a:lvl8pPr marL="3200400" indent="0">
+              <a:buNone/>
+              <a:defRPr sz="1600" b="1"/>
+            </a:lvl8pPr>
+            <a:lvl9pPr marL="3657600" indent="0">
+              <a:buNone/>
+              <a:defRPr sz="1600" b="1"/>
+            </a:lvl9pPr>
+          </a:lstStyle>
+          <a:p>
+            <a:pPr lvl="0"/>
+            <a:r>
+              <a:rPr lang="en-US"/>
+              <a:t>Click to edit Master text styles</a:t>
+            </a:r>
+          </a:p>
+        </p:txBody>
+      </p:sp>
+      <p:sp>
+        <p:nvSpPr>
+          <p:cNvPr id="6" name="Content Placeholder 5"/>
+          <p:cNvSpPr>
+            <a:spLocks noGrp="1"/>
+          </p:cNvSpPr>
+          <p:nvPr>
+            <p:ph sz="quarter" idx="4"/>
+          </p:nvPr>
+        </p:nvSpPr>
+        <p:spPr>
+          <a:xfrm>
+            <a:off x="4663440" y="2582334"/>
+            <a:ext cx="3703320" cy="3286760"/>
+          </a:xfrm>
+        </p:spPr>
+        <p:txBody>
+          <a:bodyPr/>
+          <a:lstStyle/>
+          <a:p>
+            <a:pPr lvl="0"/>
+            <a:r>
+              <a:rPr lang="en-US"/>
+              <a:t>Click to edit Master text styles</a:t>
+            </a:r>
+          </a:p>
+          <a:p>
+            <a:pPr lvl="1"/>
+            <a:r>
+              <a:rPr lang="en-US"/>
+              <a:t>Second level</a:t>
+            </a:r>
+          </a:p>
+          <a:p>
+            <a:pPr lvl="2"/>
+            <a:r>
+              <a:rPr lang="en-US"/>
+              <a:t>Third level</a:t>
+            </a:r>
+          </a:p>
+          <a:p>
+            <a:pPr lvl="3"/>
+            <a:r>
+              <a:rPr lang="en-US"/>
+              <a:t>Fourth level</a:t>
+            </a:r>
+          </a:p>
+          <a:p>
+            <a:pPr lvl="4"/>
+            <a:r>
+              <a:rPr lang="en-US"/>
+              <a:t>Fifth level</a:t>
+            </a:r>
+            <a:endParaRPr lang="en-US" dirty="0"/>
+          </a:p>
+        </p:txBody>
+      </p:sp>
+      <p:sp>
+        <p:nvSpPr>
+          <p:cNvPr id="7" name="Date Placeholder 6"/>
+          <p:cNvSpPr>
+            <a:spLocks noGrp="1"/>
+          </p:cNvSpPr>
+          <p:nvPr>
+            <p:ph type="dt" sz="half" idx="10"/>
+          </p:nvPr>
+        </p:nvSpPr>
+        <p:spPr/>
+        <p:txBody>
+          <a:bodyPr/>
+          <a:lstStyle/>
+          <a:p>
+            <a:fld id="{AEAB7FC9-AAA5-4077-BACC-A494F6817E3A}" type="datetime1">
+              <a:rPr lang="en-US" smtClean="0"/>
+              <a:t>7/7/2016</a:t>
+            </a:fld>
+            <a:endParaRPr lang="en-US"/>
+          </a:p>
+        </p:txBody>
+      </p:sp>
+      <p:sp>
+        <p:nvSpPr>
+          <p:cNvPr id="8" name="Footer Placeholder 7"/>
+          <p:cNvSpPr>
+            <a:spLocks noGrp="1"/>
+          </p:cNvSpPr>
+          <p:nvPr>
+            <p:ph type="ftr" sz="quarter" idx="11"/>
+          </p:nvPr>
+        </p:nvSpPr>
+        <p:spPr/>
+        <p:txBody>
+          <a:bodyPr/>
+          <a:lstStyle/>
+          <a:p>
+            <a:r>
+              <a:rPr lang="en-US"/>
+              <a:t>© 2016 EV3Lessons.com, Last edit 7/06/2016</a:t>
+            </a:r>
+          </a:p>
+        </p:txBody>
+      </p:sp>
+      <p:sp>
+        <p:nvSpPr>
+          <p:cNvPr id="9" name="Slide Number Placeholder 8"/>
+          <p:cNvSpPr>
+            <a:spLocks noGrp="1"/>
+          </p:cNvSpPr>
+          <p:nvPr>
+            <p:ph type="sldNum" sz="quarter" idx="12"/>
+          </p:nvPr>
+        </p:nvSpPr>
+        <p:spPr/>
+        <p:txBody>
+          <a:bodyPr/>
+          <a:lstStyle/>
+          <a:p>
+            <a:fld id="{4382A7F7-08BF-4252-8141-63FB96055BBB}" type="slidenum">
+              <a:rPr lang="en-US" smtClean="0"/>
+              <a:t>‹#›</a:t>
+            </a:fld>
+            <a:endParaRPr lang="en-US"/>
+          </a:p>
+        </p:txBody>
+      </p:sp>
+    </p:spTree>
+    <p:extLst>
+      <p:ext uri="{BB962C8B-B14F-4D97-AF65-F5344CB8AC3E}">
+        <p14:creationId xmlns:p14="http://schemas.microsoft.com/office/powerpoint/2010/main" val="1978308197"/>
+      </p:ext>
+    </p:extLst>
+  </p:cSld>
+  <p:clrMapOvr>
+    <a:masterClrMapping/>
+  </p:clrMapOvr>
+</p:sldLayout>
+</file>
+
+<file path=ppt/slideLayouts/slideLayout6.xml><?xml version="1.0" encoding="utf-8"?>
+<p:sldLayout xmlns:a="http://schemas.openxmlformats.org/drawingml/2006/main" xmlns:r="http://schemas.openxmlformats.org/officeDocument/2006/relationships" xmlns:p="http://schemas.openxmlformats.org/presentationml/2006/main" type="titleOnly" preserve="1">
+  <p:cSld name="Title Only">
+    <p:spTree>
+      <p:nvGrpSpPr>
+        <p:cNvPr id="1" name=""/>
+        <p:cNvGrpSpPr/>
+        <p:nvPr/>
+      </p:nvGrpSpPr>
+      <p:grpSpPr>
+        <a:xfrm>
+          <a:off x="0" y="0"/>
+          <a:ext cx="0" cy="0"/>
+          <a:chOff x="0" y="0"/>
+          <a:chExt cx="0" cy="0"/>
+        </a:xfrm>
+      </p:grpSpPr>
+      <p:sp>
+        <p:nvSpPr>
+          <p:cNvPr id="2" name="Title 1"/>
+          <p:cNvSpPr>
+            <a:spLocks noGrp="1"/>
+          </p:cNvSpPr>
+          <p:nvPr>
+            <p:ph type="title"/>
+          </p:nvPr>
+        </p:nvSpPr>
+        <p:spPr/>
+        <p:txBody>
+          <a:bodyPr/>
+          <a:lstStyle/>
+          <a:p>
+            <a:r>
+              <a:rPr lang="en-US"/>
+              <a:t>Click to edit Master title style</a:t>
+            </a:r>
+            <a:endParaRPr lang="en-US" dirty="0"/>
+          </a:p>
+        </p:txBody>
+      </p:sp>
+      <p:sp>
+        <p:nvSpPr>
+          <p:cNvPr id="3" name="Date Placeholder 2"/>
+          <p:cNvSpPr>
+            <a:spLocks noGrp="1"/>
+          </p:cNvSpPr>
+          <p:nvPr>
+            <p:ph type="dt" sz="half" idx="10"/>
+          </p:nvPr>
+        </p:nvSpPr>
+        <p:spPr/>
+        <p:txBody>
+          <a:bodyPr/>
+          <a:lstStyle/>
+          <a:p>
+            <a:fld id="{B2611E26-9CB3-4135-A8CC-BF69ACF672AB}" type="datetime1">
+              <a:rPr lang="en-US" smtClean="0"/>
+              <a:t>7/7/2016</a:t>
+            </a:fld>
+            <a:endParaRPr lang="en-US"/>
+          </a:p>
+        </p:txBody>
+      </p:sp>
+      <p:sp>
+        <p:nvSpPr>
+          <p:cNvPr id="4" name="Footer Placeholder 3"/>
+          <p:cNvSpPr>
+            <a:spLocks noGrp="1"/>
+          </p:cNvSpPr>
+          <p:nvPr>
+            <p:ph type="ftr" sz="quarter" idx="11"/>
+          </p:nvPr>
+        </p:nvSpPr>
+        <p:spPr/>
+        <p:txBody>
+          <a:bodyPr/>
+          <a:lstStyle/>
+          <a:p>
+            <a:r>
+              <a:rPr lang="en-US"/>
+              <a:t>© 2016 EV3Lessons.com, Last edit 7/06/2016</a:t>
+            </a:r>
+          </a:p>
+        </p:txBody>
+      </p:sp>
+      <p:sp>
+        <p:nvSpPr>
+          <p:cNvPr id="5" name="Slide Number Placeholder 4"/>
+          <p:cNvSpPr>
+            <a:spLocks noGrp="1"/>
+          </p:cNvSpPr>
+          <p:nvPr>
+            <p:ph type="sldNum" sz="quarter" idx="12"/>
+          </p:nvPr>
+        </p:nvSpPr>
+        <p:spPr/>
+        <p:txBody>
+          <a:bodyPr/>
+          <a:lstStyle/>
+          <a:p>
+            <a:fld id="{4382A7F7-08BF-4252-8141-63FB96055BBB}" type="slidenum">
+              <a:rPr lang="en-US" smtClean="0"/>
+              <a:t>‹#›</a:t>
+            </a:fld>
+            <a:endParaRPr lang="en-US"/>
+          </a:p>
+        </p:txBody>
+      </p:sp>
+    </p:spTree>
+    <p:extLst>
+      <p:ext uri="{BB962C8B-B14F-4D97-AF65-F5344CB8AC3E}">
+        <p14:creationId xmlns:p14="http://schemas.microsoft.com/office/powerpoint/2010/main" val="1071326305"/>
+      </p:ext>
+    </p:extLst>
+  </p:cSld>
+  <p:clrMapOvr>
+    <a:masterClrMapping/>
+  </p:clrMapOvr>
+</p:sldLayout>
+</file>
+
+<file path=ppt/slideLayouts/slideLayout7.xml><?xml version="1.0" encoding="utf-8"?>
+<p:sldLayout xmlns:a="http://schemas.openxmlformats.org/drawingml/2006/main" xmlns:r="http://schemas.openxmlformats.org/officeDocument/2006/relationships" xmlns:p="http://schemas.openxmlformats.org/presentationml/2006/main" showMasterSp="0" type="blank" preserve="1">
+  <p:cSld name="Blank">
+    <p:spTree>
+      <p:nvGrpSpPr>
+        <p:cNvPr id="1" name=""/>
+        <p:cNvGrpSpPr/>
+        <p:nvPr/>
+      </p:nvGrpSpPr>
+      <p:grpSpPr>
+        <a:xfrm>
+          <a:off x="0" y="0"/>
+          <a:ext cx="0" cy="0"/>
+          <a:chOff x="0" y="0"/>
+          <a:chExt cx="0" cy="0"/>
+        </a:xfrm>
+      </p:grpSpPr>
+      <p:sp>
+        <p:nvSpPr>
+          <p:cNvPr id="5" name="Rectangle 4"/>
+          <p:cNvSpPr/>
+          <p:nvPr/>
+        </p:nvSpPr>
+        <p:spPr>
+          <a:xfrm>
+            <a:off x="2382" y="6400800"/>
+            <a:ext cx="9141619" cy="457200"/>
+          </a:xfrm>
+          <a:prstGeom prst="rect">
+            <a:avLst/>
+          </a:prstGeom>
+          <a:solidFill>
+            <a:schemeClr val="accent2"/>
+          </a:solidFill>
+          <a:ln>
+            <a:noFill/>
+          </a:ln>
+        </p:spPr>
+        <p:style>
+          <a:lnRef idx="2">
+            <a:schemeClr val="accent1">
+              <a:shade val="50000"/>
+            </a:schemeClr>
+          </a:lnRef>
+          <a:fillRef idx="1">
+            <a:schemeClr val="accent1"/>
+          </a:fillRef>
+          <a:effectRef idx="0">
+            <a:schemeClr val="accent1"/>
+          </a:effectRef>
+          <a:fontRef idx="minor">
+            <a:schemeClr val="lt1"/>
+          </a:fontRef>
+        </p:style>
+      </p:sp>
+      <p:sp>
+        <p:nvSpPr>
+          <p:cNvPr id="6" name="Rectangle 5"/>
+          <p:cNvSpPr/>
+          <p:nvPr/>
+        </p:nvSpPr>
+        <p:spPr>
+          <a:xfrm>
+            <a:off x="12" y="6334316"/>
+            <a:ext cx="9141619" cy="64008"/>
+          </a:xfrm>
+          <a:prstGeom prst="rect">
+            <a:avLst/>
+          </a:prstGeom>
+          <a:solidFill>
+            <a:schemeClr val="accent1"/>
+          </a:solidFill>
+          <a:ln>
+            <a:noFill/>
+          </a:ln>
+        </p:spPr>
+        <p:style>
+          <a:lnRef idx="2">
+            <a:schemeClr val="accent1">
+              <a:shade val="50000"/>
+            </a:schemeClr>
+          </a:lnRef>
+          <a:fillRef idx="1">
+            <a:schemeClr val="accent1"/>
+          </a:fillRef>
+          <a:effectRef idx="0">
+            <a:schemeClr val="accent1"/>
+          </a:effectRef>
+          <a:fontRef idx="minor">
+            <a:schemeClr val="lt1"/>
+          </a:fontRef>
+        </p:style>
+      </p:sp>
+      <p:sp>
+        <p:nvSpPr>
+          <p:cNvPr id="7" name="Date Placeholder 6"/>
+          <p:cNvSpPr>
+            <a:spLocks noGrp="1"/>
+          </p:cNvSpPr>
+          <p:nvPr>
+            <p:ph type="dt" sz="half" idx="10"/>
+          </p:nvPr>
+        </p:nvSpPr>
+        <p:spPr/>
+        <p:txBody>
+          <a:bodyPr/>
+          <a:lstStyle/>
+          <a:p>
+            <a:fld id="{F89894B6-210A-4C2D-9C16-6F4C5BA42767}" type="datetime1">
+              <a:rPr lang="en-US" smtClean="0"/>
+              <a:t>7/7/2016</a:t>
+            </a:fld>
+            <a:endParaRPr lang="en-US"/>
+          </a:p>
+        </p:txBody>
+      </p:sp>
+      <p:sp>
+        <p:nvSpPr>
+          <p:cNvPr id="8" name="Footer Placeholder 7"/>
+          <p:cNvSpPr>
+            <a:spLocks noGrp="1"/>
+          </p:cNvSpPr>
+          <p:nvPr>
+            <p:ph type="ftr" sz="quarter" idx="11"/>
+          </p:nvPr>
+        </p:nvSpPr>
+        <p:spPr/>
+        <p:txBody>
+          <a:bodyPr/>
+          <a:lstStyle>
+            <a:lvl1pPr>
+              <a:defRPr>
+                <a:solidFill>
+                  <a:srgbClr val="FFFFFF"/>
+                </a:solidFill>
+              </a:defRPr>
+            </a:lvl1pPr>
+          </a:lstStyle>
+          <a:p>
+            <a:r>
+              <a:rPr lang="en-US"/>
+              <a:t>© 2016 EV3Lessons.com, Last edit 7/06/2016</a:t>
+            </a:r>
+          </a:p>
+        </p:txBody>
+      </p:sp>
+      <p:sp>
+        <p:nvSpPr>
+          <p:cNvPr id="9" name="Slide Number Placeholder 8"/>
+          <p:cNvSpPr>
+            <a:spLocks noGrp="1"/>
+          </p:cNvSpPr>
+          <p:nvPr>
+            <p:ph type="sldNum" sz="quarter" idx="12"/>
+          </p:nvPr>
+        </p:nvSpPr>
+        <p:spPr/>
+        <p:txBody>
+          <a:bodyPr/>
+          <a:lstStyle/>
+          <a:p>
+            <a:fld id="{4382A7F7-08BF-4252-8141-63FB96055BBB}" type="slidenum">
+              <a:rPr lang="en-US" smtClean="0"/>
+              <a:t>‹#›</a:t>
+            </a:fld>
+            <a:endParaRPr lang="en-US"/>
+          </a:p>
+        </p:txBody>
+      </p:sp>
+    </p:spTree>
+    <p:extLst>
+      <p:ext uri="{BB962C8B-B14F-4D97-AF65-F5344CB8AC3E}">
+        <p14:creationId xmlns:p14="http://schemas.microsoft.com/office/powerpoint/2010/main" val="1158118821"/>
+      </p:ext>
+    </p:extLst>
+  </p:cSld>
+  <p:clrMapOvr>
+    <a:masterClrMapping/>
+  </p:clrMapOvr>
+</p:sldLayout>
+</file>
+
+<file path=ppt/slideLayouts/slideLayout8.xml><?xml version="1.0" encoding="utf-8"?>
+<p:sldLayout xmlns:a="http://schemas.openxmlformats.org/drawingml/2006/main" xmlns:r="http://schemas.openxmlformats.org/officeDocument/2006/relationships" xmlns:p="http://schemas.openxmlformats.org/presentationml/2006/main" showMasterSp="0" type="objTx" preserve="1">
+  <p:cSld name="Content with Caption">
+    <p:spTree>
+      <p:nvGrpSpPr>
+        <p:cNvPr id="1" name=""/>
+        <p:cNvGrpSpPr/>
+        <p:nvPr/>
+      </p:nvGrpSpPr>
+      <p:grpSpPr>
+        <a:xfrm>
+          <a:off x="0" y="0"/>
+          <a:ext cx="0" cy="0"/>
+          <a:chOff x="0" y="0"/>
+          <a:chExt cx="0" cy="0"/>
+        </a:xfrm>
+      </p:grpSpPr>
+      <p:sp>
+        <p:nvSpPr>
+          <p:cNvPr id="8" name="Rectangle 7"/>
+          <p:cNvSpPr/>
+          <p:nvPr/>
+        </p:nvSpPr>
+        <p:spPr>
+          <a:xfrm>
+            <a:off x="13" y="0"/>
+            <a:ext cx="3038093" cy="6858000"/>
+          </a:xfrm>
+          <a:prstGeom prst="rect">
+            <a:avLst/>
+          </a:prstGeom>
+          <a:solidFill>
+            <a:schemeClr val="accent2"/>
+          </a:solidFill>
+          <a:ln>
+            <a:noFill/>
+          </a:ln>
+        </p:spPr>
+        <p:style>
+          <a:lnRef idx="2">
+            <a:schemeClr val="accent1">
+              <a:shade val="50000"/>
+            </a:schemeClr>
+          </a:lnRef>
+          <a:fillRef idx="1">
+            <a:schemeClr val="accent1"/>
+          </a:fillRef>
+          <a:effectRef idx="0">
+            <a:schemeClr val="accent1"/>
+          </a:effectRef>
+          <a:fontRef idx="minor">
+            <a:schemeClr val="lt1"/>
+          </a:fontRef>
+        </p:style>
+      </p:sp>
+      <p:sp>
+        <p:nvSpPr>
+          <p:cNvPr id="9" name="Rectangle 8"/>
+          <p:cNvSpPr/>
+          <p:nvPr/>
+        </p:nvSpPr>
+        <p:spPr>
+          <a:xfrm>
+            <a:off x="3030053" y="0"/>
+            <a:ext cx="48006" cy="6858000"/>
+          </a:xfrm>
+          <a:prstGeom prst="rect">
+            <a:avLst/>
+          </a:prstGeom>
+          <a:solidFill>
+            <a:schemeClr val="accent1"/>
+          </a:solidFill>
+          <a:ln>
+            <a:noFill/>
+          </a:ln>
+        </p:spPr>
+        <p:style>
+          <a:lnRef idx="2">
+            <a:schemeClr val="accent1">
+              <a:shade val="50000"/>
+            </a:schemeClr>
+          </a:lnRef>
+          <a:fillRef idx="1">
+            <a:schemeClr val="accent1"/>
+          </a:fillRef>
+          <a:effectRef idx="0">
+            <a:schemeClr val="accent1"/>
+          </a:effectRef>
+          <a:fontRef idx="minor">
+            <a:schemeClr val="lt1"/>
+          </a:fontRef>
+        </p:style>
+      </p:sp>
+      <p:sp>
+        <p:nvSpPr>
+          <p:cNvPr id="2" name="Title 1"/>
+          <p:cNvSpPr>
+            <a:spLocks noGrp="1"/>
+          </p:cNvSpPr>
+          <p:nvPr>
+            <p:ph type="title"/>
+          </p:nvPr>
+        </p:nvSpPr>
+        <p:spPr>
+          <a:xfrm>
+            <a:off x="342900" y="594359"/>
+            <a:ext cx="2400300" cy="2286000"/>
+          </a:xfrm>
+        </p:spPr>
+        <p:txBody>
+          <a:bodyPr anchor="b">
+            <a:normAutofit/>
+          </a:bodyPr>
+          <a:lstStyle>
+            <a:lvl1pPr>
+              <a:defRPr sz="3600" b="0">
+                <a:solidFill>
+                  <a:srgbClr val="FFFFFF"/>
+                </a:solidFill>
+              </a:defRPr>
+            </a:lvl1pPr>
+          </a:lstStyle>
+          <a:p>
+            <a:r>
+              <a:rPr lang="en-US"/>
+              <a:t>Click to edit Master title style</a:t>
+            </a:r>
+            <a:endParaRPr lang="en-US" dirty="0"/>
+          </a:p>
+        </p:txBody>
+      </p:sp>
+      <p:sp>
+        <p:nvSpPr>
+          <p:cNvPr id="3" name="Content Placeholder 2"/>
+          <p:cNvSpPr>
+            <a:spLocks noGrp="1"/>
+          </p:cNvSpPr>
+          <p:nvPr>
+            <p:ph idx="1"/>
+          </p:nvPr>
+        </p:nvSpPr>
+        <p:spPr>
+          <a:xfrm>
+            <a:off x="3460237" y="731520"/>
+            <a:ext cx="5009393" cy="5257800"/>
+          </a:xfrm>
+        </p:spPr>
+        <p:txBody>
+          <a:bodyPr/>
+          <a:lstStyle/>
+          <a:p>
+            <a:pPr lvl="0"/>
+            <a:r>
+              <a:rPr lang="en-US"/>
+              <a:t>Click to edit Master text styles</a:t>
+            </a:r>
+          </a:p>
+          <a:p>
+            <a:pPr lvl="1"/>
+            <a:r>
+              <a:rPr lang="en-US"/>
+              <a:t>Second level</a:t>
+            </a:r>
+          </a:p>
+          <a:p>
+            <a:pPr lvl="2"/>
+            <a:r>
+              <a:rPr lang="en-US"/>
+              <a:t>Third level</a:t>
+            </a:r>
+          </a:p>
+          <a:p>
+            <a:pPr lvl="3"/>
+            <a:r>
+              <a:rPr lang="en-US"/>
+              <a:t>Fourth level</a:t>
+            </a:r>
+          </a:p>
+          <a:p>
+            <a:pPr lvl="4"/>
+            <a:r>
+              <a:rPr lang="en-US"/>
+              <a:t>Fifth level</a:t>
+            </a:r>
+            <a:endParaRPr lang="en-US" dirty="0"/>
+          </a:p>
+        </p:txBody>
+      </p:sp>
+      <p:sp>
+        <p:nvSpPr>
+          <p:cNvPr id="4" name="Text Placeholder 3"/>
+          <p:cNvSpPr>
+            <a:spLocks noGrp="1"/>
+          </p:cNvSpPr>
+          <p:nvPr>
+            <p:ph type="body" sz="half" idx="2"/>
+          </p:nvPr>
+        </p:nvSpPr>
+        <p:spPr>
+          <a:xfrm>
+            <a:off x="342900" y="2926080"/>
+            <a:ext cx="2400300" cy="3379124"/>
+          </a:xfrm>
+        </p:spPr>
+        <p:txBody>
+          <a:bodyPr lIns="91440" rIns="91440">
+            <a:normAutofit/>
+          </a:bodyPr>
+          <a:lstStyle>
+            <a:lvl1pPr marL="0" indent="0">
+              <a:buNone/>
+              <a:defRPr sz="1500">
+                <a:solidFill>
+                  <a:srgbClr val="FFFFFF"/>
+                </a:solidFill>
+              </a:defRPr>
+            </a:lvl1pPr>
+            <a:lvl2pPr marL="457200" indent="0">
+              <a:buNone/>
+              <a:defRPr sz="1200"/>
+            </a:lvl2pPr>
+            <a:lvl3pPr marL="914400" indent="0">
+              <a:buNone/>
+              <a:defRPr sz="1000"/>
+            </a:lvl3pPr>
+            <a:lvl4pPr marL="1371600" indent="0">
+              <a:buNone/>
+              <a:defRPr sz="900"/>
+            </a:lvl4pPr>
+            <a:lvl5pPr marL="1828800" indent="0">
+              <a:buNone/>
+              <a:defRPr sz="900"/>
+            </a:lvl5pPr>
+            <a:lvl6pPr marL="2286000" indent="0">
+              <a:buNone/>
+              <a:defRPr sz="900"/>
+            </a:lvl6pPr>
+            <a:lvl7pPr marL="2743200" indent="0">
+              <a:buNone/>
+              <a:defRPr sz="900"/>
+            </a:lvl7pPr>
+            <a:lvl8pPr marL="3200400" indent="0">
+              <a:buNone/>
+              <a:defRPr sz="900"/>
+            </a:lvl8pPr>
+            <a:lvl9pPr marL="3657600" indent="0">
+              <a:buNone/>
+              <a:defRPr sz="900"/>
+            </a:lvl9pPr>
+          </a:lstStyle>
+          <a:p>
+            <a:pPr lvl="0"/>
+            <a:r>
+              <a:rPr lang="en-US"/>
+              <a:t>Click to edit Master text styles</a:t>
+            </a:r>
+          </a:p>
+        </p:txBody>
+      </p:sp>
+      <p:sp>
+        <p:nvSpPr>
+          <p:cNvPr id="5" name="Date Placeholder 4"/>
+          <p:cNvSpPr>
+            <a:spLocks noGrp="1"/>
+          </p:cNvSpPr>
+          <p:nvPr>
+            <p:ph type="dt" sz="half" idx="10"/>
+          </p:nvPr>
+        </p:nvSpPr>
+        <p:spPr>
+          <a:xfrm>
+            <a:off x="349134" y="6459786"/>
+            <a:ext cx="1963883" cy="365125"/>
+          </a:xfrm>
+        </p:spPr>
+        <p:txBody>
+          <a:bodyPr/>
+          <a:lstStyle>
+            <a:lvl1pPr algn="l">
+              <a:defRPr/>
+            </a:lvl1pPr>
+          </a:lstStyle>
+          <a:p>
+            <a:fld id="{4D3AEFA5-86F3-476C-91DB-8756EE843861}" type="datetime1">
+              <a:rPr lang="en-US" smtClean="0"/>
+              <a:t>7/7/2016</a:t>
+            </a:fld>
+            <a:endParaRPr lang="en-US"/>
+          </a:p>
+        </p:txBody>
+      </p:sp>
+      <p:sp>
+        <p:nvSpPr>
+          <p:cNvPr id="6" name="Footer Placeholder 5"/>
+          <p:cNvSpPr>
+            <a:spLocks noGrp="1"/>
+          </p:cNvSpPr>
+          <p:nvPr>
+            <p:ph type="ftr" sz="quarter" idx="11"/>
+          </p:nvPr>
+        </p:nvSpPr>
+        <p:spPr>
+          <a:xfrm>
+            <a:off x="3600450" y="6459786"/>
+            <a:ext cx="3486150" cy="365125"/>
+          </a:xfrm>
+        </p:spPr>
+        <p:txBody>
+          <a:bodyPr/>
+          <a:lstStyle>
+            <a:lvl1pPr algn="l">
+              <a:defRPr>
+                <a:solidFill>
+                  <a:schemeClr val="tx2"/>
+                </a:solidFill>
+              </a:defRPr>
+            </a:lvl1pPr>
+          </a:lstStyle>
+          <a:p>
+            <a:r>
+              <a:rPr lang="en-US"/>
+              <a:t>© 2016 EV3Lessons.com, Last edit 7/06/2016</a:t>
+            </a:r>
+          </a:p>
+        </p:txBody>
+      </p:sp>
+      <p:sp>
+        <p:nvSpPr>
+          <p:cNvPr id="7" name="Slide Number Placeholder 6"/>
+          <p:cNvSpPr>
+            <a:spLocks noGrp="1"/>
+          </p:cNvSpPr>
+          <p:nvPr>
+            <p:ph type="sldNum" sz="quarter" idx="12"/>
+          </p:nvPr>
+        </p:nvSpPr>
+        <p:spPr/>
+        <p:txBody>
+          <a:bodyPr/>
+          <a:lstStyle>
+            <a:lvl1pPr>
+              <a:defRPr>
+                <a:solidFill>
+                  <a:schemeClr val="tx2"/>
+                </a:solidFill>
+              </a:defRPr>
+            </a:lvl1pPr>
+          </a:lstStyle>
+          <a:p>
+            <a:fld id="{7F5CE407-6216-4202-80E4-A30DC2F709B2}" type="slidenum">
+              <a:rPr lang="en-US" smtClean="0"/>
+              <a:t>‹#›</a:t>
+            </a:fld>
+            <a:endParaRPr lang="en-US"/>
+          </a:p>
+        </p:txBody>
+      </p:sp>
+    </p:spTree>
+    <p:extLst>
+      <p:ext uri="{BB962C8B-B14F-4D97-AF65-F5344CB8AC3E}">
+        <p14:creationId xmlns:p14="http://schemas.microsoft.com/office/powerpoint/2010/main" val="260514393"/>
+      </p:ext>
+    </p:extLst>
+  </p:cSld>
+  <p:clrMapOvr>
+    <a:masterClrMapping/>
+  </p:clrMapOvr>
+</p:sldLayout>
+</file>
+
+<file path=ppt/slideLayouts/slideLayout9.xml><?xml version="1.0" encoding="utf-8"?>
+<p:sldLayout xmlns:a="http://schemas.openxmlformats.org/drawingml/2006/main" xmlns:r="http://schemas.openxmlformats.org/officeDocument/2006/relationships" xmlns:p="http://schemas.openxmlformats.org/presentationml/2006/main" showMasterSp="0" type="picTx" preserve="1">
+  <p:cSld name="Picture with Caption">
+    <p:spTree>
+      <p:nvGrpSpPr>
+        <p:cNvPr id="1" name=""/>
+        <p:cNvGrpSpPr/>
+        <p:nvPr/>
+      </p:nvGrpSpPr>
+      <p:grpSpPr>
+        <a:xfrm>
+          <a:off x="0" y="0"/>
+          <a:ext cx="0" cy="0"/>
+          <a:chOff x="0" y="0"/>
+          <a:chExt cx="0" cy="0"/>
+        </a:xfrm>
+      </p:grpSpPr>
+      <p:sp>
+        <p:nvSpPr>
+          <p:cNvPr id="8" name="Rectangle 7"/>
+          <p:cNvSpPr/>
+          <p:nvPr/>
+        </p:nvSpPr>
+        <p:spPr>
+          <a:xfrm>
+            <a:off x="0" y="4953000"/>
+            <a:ext cx="9141619" cy="1905000"/>
+          </a:xfrm>
+          <a:prstGeom prst="rect">
+            <a:avLst/>
+          </a:prstGeom>
+          <a:solidFill>
+            <a:schemeClr val="accent2"/>
+          </a:solidFill>
+          <a:ln>
+            <a:noFill/>
+          </a:ln>
+        </p:spPr>
+        <p:style>
+          <a:lnRef idx="2">
+            <a:schemeClr val="accent1">
+              <a:shade val="50000"/>
+            </a:schemeClr>
+          </a:lnRef>
+          <a:fillRef idx="1">
+            <a:schemeClr val="accent1"/>
+          </a:fillRef>
+          <a:effectRef idx="0">
+            <a:schemeClr val="accent1"/>
+          </a:effectRef>
+          <a:fontRef idx="minor">
+            <a:schemeClr val="lt1"/>
+          </a:fontRef>
+        </p:style>
+      </p:sp>
+      <p:sp>
+        <p:nvSpPr>
+          <p:cNvPr id="9" name="Rectangle 8"/>
+          <p:cNvSpPr/>
+          <p:nvPr/>
+        </p:nvSpPr>
+        <p:spPr>
+          <a:xfrm>
+            <a:off x="12" y="4915076"/>
+            <a:ext cx="9141619" cy="64008"/>
+          </a:xfrm>
+          <a:prstGeom prst="rect">
+            <a:avLst/>
+          </a:prstGeom>
+          <a:solidFill>
+            <a:schemeClr val="accent1"/>
+          </a:solidFill>
+          <a:ln>
+            <a:noFill/>
+          </a:ln>
+        </p:spPr>
+        <p:style>
+          <a:lnRef idx="2">
+            <a:schemeClr val="accent1">
+              <a:shade val="50000"/>
+            </a:schemeClr>
+          </a:lnRef>
+          <a:fillRef idx="1">
+            <a:schemeClr val="accent1"/>
+          </a:fillRef>
+          <a:effectRef idx="0">
+            <a:schemeClr val="accent1"/>
+          </a:effectRef>
+          <a:fontRef idx="minor">
+            <a:schemeClr val="lt1"/>
+          </a:fontRef>
+        </p:style>
+      </p:sp>
+      <p:sp>
+        <p:nvSpPr>
+          <p:cNvPr id="2" name="Title 1"/>
+          <p:cNvSpPr>
+            <a:spLocks noGrp="1"/>
+          </p:cNvSpPr>
+          <p:nvPr>
+            <p:ph type="title"/>
+          </p:nvPr>
+        </p:nvSpPr>
+        <p:spPr>
+          <a:xfrm>
+            <a:off x="822960" y="5074920"/>
+            <a:ext cx="7589520" cy="822960"/>
+          </a:xfrm>
+        </p:spPr>
+        <p:txBody>
+          <a:bodyPr tIns="0" bIns="0" anchor="b">
+            <a:noAutofit/>
+          </a:bodyPr>
+          <a:lstStyle>
+            <a:lvl1pPr>
+              <a:defRPr sz="3600" b="0">
+                <a:solidFill>
+                  <a:srgbClr val="FFFFFF"/>
+                </a:solidFill>
+              </a:defRPr>
+            </a:lvl1pPr>
+          </a:lstStyle>
+          <a:p>
+            <a:r>
+              <a:rPr lang="en-US"/>
+              <a:t>Click to edit Master title style</a:t>
+            </a:r>
+            <a:endParaRPr lang="en-US" dirty="0"/>
+          </a:p>
+        </p:txBody>
+      </p:sp>
+      <p:sp>
+        <p:nvSpPr>
+          <p:cNvPr id="3" name="Picture Placeholder 2"/>
+          <p:cNvSpPr>
+            <a:spLocks noGrp="1" noChangeAspect="1"/>
+          </p:cNvSpPr>
+          <p:nvPr>
+            <p:ph type="pic" idx="1"/>
+          </p:nvPr>
+        </p:nvSpPr>
+        <p:spPr>
+          <a:xfrm>
+            <a:off x="12" y="0"/>
+            <a:ext cx="9143989" cy="4915076"/>
+          </a:xfrm>
+          <a:blipFill>
+            <a:blip r:embed="rId2"/>
+            <a:stretch>
+              <a:fillRect/>
+            </a:stretch>
+          </a:blipFill>
+        </p:spPr>
+        <p:txBody>
+          <a:bodyPr lIns="457200" tIns="457200" anchor="t"/>
+          <a:lstStyle>
+            <a:lvl1pPr marL="0" indent="0">
+              <a:buNone/>
+              <a:defRPr sz="3200">
+                <a:solidFill>
+                  <a:schemeClr val="bg1"/>
+                </a:solidFill>
+              </a:defRPr>
+            </a:lvl1pPr>
+            <a:lvl2pPr marL="457200" indent="0">
+              <a:buNone/>
+              <a:defRPr sz="2800"/>
+            </a:lvl2pPr>
+            <a:lvl3pPr marL="914400" indent="0">
+              <a:buNone/>
+              <a:defRPr sz="2400"/>
+            </a:lvl3pPr>
+            <a:lvl4pPr marL="1371600" indent="0">
+              <a:buNone/>
+              <a:defRPr sz="2000"/>
+            </a:lvl4pPr>
+            <a:lvl5pPr marL="1828800" indent="0">
+              <a:buNone/>
+              <a:defRPr sz="2000"/>
+            </a:lvl5pPr>
+            <a:lvl6pPr marL="2286000" indent="0">
+              <a:buNone/>
+              <a:defRPr sz="2000"/>
+            </a:lvl6pPr>
+            <a:lvl7pPr marL="2743200" indent="0">
+              <a:buNone/>
+              <a:defRPr sz="2000"/>
+            </a:lvl7pPr>
+            <a:lvl8pPr marL="3200400" indent="0">
+              <a:buNone/>
+              <a:defRPr sz="2000"/>
+            </a:lvl8pPr>
+            <a:lvl9pPr marL="3657600" indent="0">
+              <a:buNone/>
+              <a:defRPr sz="2000"/>
+            </a:lvl9pPr>
+          </a:lstStyle>
+          <a:p>
+            <a:r>
+              <a:rPr lang="en-US"/>
+              <a:t>Drag picture to placeholder or click icon to add</a:t>
+            </a:r>
+            <a:endParaRPr lang="en-US" dirty="0"/>
+          </a:p>
+        </p:txBody>
+      </p:sp>
+      <p:sp>
+        <p:nvSpPr>
+          <p:cNvPr id="4" name="Text Placeholder 3"/>
+          <p:cNvSpPr>
+            <a:spLocks noGrp="1"/>
+          </p:cNvSpPr>
+          <p:nvPr>
+            <p:ph type="body" sz="half" idx="2"/>
+          </p:nvPr>
+        </p:nvSpPr>
+        <p:spPr>
+          <a:xfrm>
+            <a:off x="822959" y="5907024"/>
+            <a:ext cx="7589520" cy="594360"/>
+          </a:xfrm>
+        </p:spPr>
+        <p:txBody>
+          <a:bodyPr lIns="91440" tIns="0" rIns="91440" bIns="0">
+            <a:normAutofit/>
+          </a:bodyPr>
+          <a:lstStyle>
+            <a:lvl1pPr marL="0" indent="0">
+              <a:spcBef>
+                <a:spcPts val="0"/>
+              </a:spcBef>
+              <a:spcAft>
+                <a:spcPts val="600"/>
+              </a:spcAft>
+              <a:buNone/>
+              <a:defRPr sz="1500">
+                <a:solidFill>
+                  <a:srgbClr val="FFFFFF"/>
+                </a:solidFill>
+              </a:defRPr>
+            </a:lvl1pPr>
+            <a:lvl2pPr marL="457200" indent="0">
+              <a:buNone/>
+              <a:defRPr sz="1200"/>
+            </a:lvl2pPr>
+            <a:lvl3pPr marL="914400" indent="0">
+              <a:buNone/>
+              <a:defRPr sz="1000"/>
+            </a:lvl3pPr>
+            <a:lvl4pPr marL="1371600" indent="0">
+              <a:buNone/>
+              <a:defRPr sz="900"/>
+            </a:lvl4pPr>
+            <a:lvl5pPr marL="1828800" indent="0">
+              <a:buNone/>
+              <a:defRPr sz="900"/>
+            </a:lvl5pPr>
+            <a:lvl6pPr marL="2286000" indent="0">
+              <a:buNone/>
+              <a:defRPr sz="900"/>
+            </a:lvl6pPr>
+            <a:lvl7pPr marL="2743200" indent="0">
+              <a:buNone/>
+              <a:defRPr sz="900"/>
+            </a:lvl7pPr>
+            <a:lvl8pPr marL="3200400" indent="0">
+              <a:buNone/>
+              <a:defRPr sz="900"/>
+            </a:lvl8pPr>
+            <a:lvl9pPr marL="3657600" indent="0">
+              <a:buNone/>
+              <a:defRPr sz="900"/>
+            </a:lvl9pPr>
+          </a:lstStyle>
+          <a:p>
+            <a:pPr lvl="0"/>
+            <a:r>
+              <a:rPr lang="en-US"/>
+              <a:t>Click to edit Master text styles</a:t>
+            </a:r>
+          </a:p>
+        </p:txBody>
+      </p:sp>
+      <p:sp>
+        <p:nvSpPr>
+          <p:cNvPr id="5" name="Date Placeholder 4"/>
+          <p:cNvSpPr>
+            <a:spLocks noGrp="1"/>
+          </p:cNvSpPr>
+          <p:nvPr>
+            <p:ph type="dt" sz="half" idx="10"/>
+          </p:nvPr>
+        </p:nvSpPr>
+        <p:spPr/>
+        <p:txBody>
+          <a:bodyPr/>
+          <a:lstStyle/>
+          <a:p>
+            <a:fld id="{7547BE66-6396-4BC8-A4E9-AD761FF4D0B0}" type="datetime1">
+              <a:rPr lang="en-US" smtClean="0"/>
+              <a:t>7/7/2016</a:t>
+            </a:fld>
+            <a:endParaRPr lang="en-US"/>
+          </a:p>
+        </p:txBody>
+      </p:sp>
+      <p:sp>
+        <p:nvSpPr>
+          <p:cNvPr id="6" name="Footer Placeholder 5"/>
+          <p:cNvSpPr>
+            <a:spLocks noGrp="1"/>
+          </p:cNvSpPr>
+          <p:nvPr>
+            <p:ph type="ftr" sz="quarter" idx="11"/>
+          </p:nvPr>
+        </p:nvSpPr>
+        <p:spPr/>
+        <p:txBody>
+          <a:bodyPr/>
+          <a:lstStyle/>
+          <a:p>
+            <a:r>
+              <a:rPr lang="en-US"/>
+              <a:t>© 2016 EV3Lessons.com, Last edit 7/06/2016</a:t>
+            </a:r>
           </a:p>
         </p:txBody>
       </p:sp>
@@ -3996,7 +7162,7 @@
           <a:lstStyle/>
           <a:p>
             <a:r>
-              <a:rPr lang="en-US" smtClean="0"/>
+              <a:rPr lang="en-US"/>
               <a:t>Click to edit Master title style</a:t>
             </a:r>
             <a:endParaRPr lang="en-US" dirty="0"/>
@@ -4030,35 +7196,35 @@
           <a:p>
             <a:pPr lvl="0"/>
             <a:r>
-              <a:rPr lang="en-US" smtClean="0"/>
+              <a:rPr lang="en-US"/>
               <a:t>Click to edit Master text styles</a:t>
             </a:r>
           </a:p>
           <a:p>
             <a:pPr lvl="1"/>
             <a:r>
-              <a:rPr lang="en-US" smtClean="0"/>
+              <a:rPr lang="en-US"/>
               <a:t>Second level</a:t>
             </a:r>
           </a:p>
           <a:p>
             <a:pPr lvl="2"/>
             <a:r>
-              <a:rPr lang="en-US" smtClean="0"/>
+              <a:rPr lang="en-US"/>
               <a:t>Third level</a:t>
             </a:r>
           </a:p>
           <a:p>
             <a:pPr lvl="3"/>
             <a:r>
-              <a:rPr lang="en-US" smtClean="0"/>
+              <a:rPr lang="en-US"/>
               <a:t>Fourth level</a:t>
             </a:r>
           </a:p>
           <a:p>
             <a:pPr lvl="4"/>
             <a:r>
-              <a:rPr lang="en-US" smtClean="0"/>
+              <a:rPr lang="en-US"/>
               <a:t>Fifth level</a:t>
             </a:r>
             <a:endParaRPr lang="en-US" dirty="0"/>
@@ -4096,9 +7262,9 @@
             </a:lvl1pPr>
           </a:lstStyle>
           <a:p>
-            <a:fld id="{0604F77D-FCB8-A946-86A9-D14BD65D0D3D}" type="datetime1">
+            <a:fld id="{344384A6-800E-4229-85D0-B2D75768AC16}" type="datetime1">
               <a:rPr lang="en-US" smtClean="0"/>
-              <a:t>11/13/15</a:t>
+              <a:t>7/7/2016</a:t>
             </a:fld>
             <a:endParaRPr lang="en-US" dirty="0"/>
           </a:p>
@@ -4136,8 +7302,8 @@
           </a:lstStyle>
           <a:p>
             <a:r>
-              <a:rPr lang="sk-SK" smtClean="0"/>
-              <a:t>© 2015 EV3Lessons.com, Last edit 11/13/2015</a:t>
+              <a:rPr lang="en-US"/>
+              <a:t>© 2016 EV3Lessons.com, Last edit 7/06/2016</a:t>
             </a:r>
             <a:endParaRPr lang="en-US" dirty="0"/>
           </a:p>
@@ -4648,6 +7814,822 @@
 </p:sldMaster>
 </file>
 
+<file path=ppt/slideMasters/slideMaster2.xml><?xml version="1.0" encoding="utf-8"?>
+<p:sldMaster xmlns:a="http://schemas.openxmlformats.org/drawingml/2006/main" xmlns:r="http://schemas.openxmlformats.org/officeDocument/2006/relationships" xmlns:p="http://schemas.openxmlformats.org/presentationml/2006/main" preserve="1">
+  <p:cSld>
+    <p:bg>
+      <p:bgRef idx="1001">
+        <a:schemeClr val="bg1"/>
+      </p:bgRef>
+    </p:bg>
+    <p:spTree>
+      <p:nvGrpSpPr>
+        <p:cNvPr id="1" name=""/>
+        <p:cNvGrpSpPr/>
+        <p:nvPr/>
+      </p:nvGrpSpPr>
+      <p:grpSpPr>
+        <a:xfrm>
+          <a:off x="0" y="0"/>
+          <a:ext cx="0" cy="0"/>
+          <a:chOff x="0" y="0"/>
+          <a:chExt cx="0" cy="0"/>
+        </a:xfrm>
+      </p:grpSpPr>
+      <p:sp>
+        <p:nvSpPr>
+          <p:cNvPr id="7" name="Rectangle 6"/>
+          <p:cNvSpPr/>
+          <p:nvPr/>
+        </p:nvSpPr>
+        <p:spPr>
+          <a:xfrm>
+            <a:off x="0" y="6400800"/>
+            <a:ext cx="9144001" cy="457200"/>
+          </a:xfrm>
+          <a:prstGeom prst="rect">
+            <a:avLst/>
+          </a:prstGeom>
+          <a:solidFill>
+            <a:srgbClr val="0070C0"/>
+          </a:solidFill>
+          <a:ln>
+            <a:solidFill>
+              <a:srgbClr val="0070C0"/>
+            </a:solidFill>
+          </a:ln>
+        </p:spPr>
+        <p:style>
+          <a:lnRef idx="2">
+            <a:schemeClr val="accent1">
+              <a:shade val="50000"/>
+            </a:schemeClr>
+          </a:lnRef>
+          <a:fillRef idx="1">
+            <a:schemeClr val="accent1"/>
+          </a:fillRef>
+          <a:effectRef idx="0">
+            <a:schemeClr val="accent1"/>
+          </a:effectRef>
+          <a:fontRef idx="minor">
+            <a:schemeClr val="lt1"/>
+          </a:fontRef>
+        </p:style>
+      </p:sp>
+      <p:sp>
+        <p:nvSpPr>
+          <p:cNvPr id="9" name="Rectangle 8"/>
+          <p:cNvSpPr/>
+          <p:nvPr/>
+        </p:nvSpPr>
+        <p:spPr>
+          <a:xfrm>
+            <a:off x="0" y="6334315"/>
+            <a:ext cx="4487333" cy="92382"/>
+          </a:xfrm>
+          <a:prstGeom prst="rect">
+            <a:avLst/>
+          </a:prstGeom>
+          <a:solidFill>
+            <a:srgbClr val="00B050"/>
+          </a:solidFill>
+          <a:ln>
+            <a:noFill/>
+          </a:ln>
+        </p:spPr>
+        <p:style>
+          <a:lnRef idx="2">
+            <a:schemeClr val="accent1">
+              <a:shade val="50000"/>
+            </a:schemeClr>
+          </a:lnRef>
+          <a:fillRef idx="1">
+            <a:schemeClr val="accent1"/>
+          </a:fillRef>
+          <a:effectRef idx="0">
+            <a:schemeClr val="accent1"/>
+          </a:effectRef>
+          <a:fontRef idx="minor">
+            <a:schemeClr val="lt1"/>
+          </a:fontRef>
+        </p:style>
+      </p:sp>
+      <p:sp>
+        <p:nvSpPr>
+          <p:cNvPr id="2" name="Title Placeholder 1"/>
+          <p:cNvSpPr>
+            <a:spLocks noGrp="1"/>
+          </p:cNvSpPr>
+          <p:nvPr>
+            <p:ph type="title"/>
+          </p:nvPr>
+        </p:nvSpPr>
+        <p:spPr>
+          <a:xfrm>
+            <a:off x="227874" y="287088"/>
+            <a:ext cx="8596812" cy="874055"/>
+          </a:xfrm>
+          <a:prstGeom prst="rect">
+            <a:avLst/>
+          </a:prstGeom>
+        </p:spPr>
+        <p:txBody>
+          <a:bodyPr vert="horz" lIns="91440" tIns="45720" rIns="91440" bIns="45720" rtlCol="0" anchor="b">
+            <a:normAutofit/>
+          </a:bodyPr>
+          <a:lstStyle/>
+          <a:p>
+            <a:r>
+              <a:rPr lang="en-US"/>
+              <a:t>Click to edit Master title style</a:t>
+            </a:r>
+            <a:endParaRPr lang="en-US" dirty="0"/>
+          </a:p>
+        </p:txBody>
+      </p:sp>
+      <p:sp>
+        <p:nvSpPr>
+          <p:cNvPr id="3" name="Text Placeholder 2"/>
+          <p:cNvSpPr>
+            <a:spLocks noGrp="1"/>
+          </p:cNvSpPr>
+          <p:nvPr>
+            <p:ph type="body" idx="1"/>
+          </p:nvPr>
+        </p:nvSpPr>
+        <p:spPr>
+          <a:xfrm>
+            <a:off x="227874" y="1505616"/>
+            <a:ext cx="8596811" cy="4654528"/>
+          </a:xfrm>
+          <a:prstGeom prst="rect">
+            <a:avLst/>
+          </a:prstGeom>
+        </p:spPr>
+        <p:txBody>
+          <a:bodyPr vert="horz" lIns="0" tIns="45720" rIns="0" bIns="45720" rtlCol="0">
+            <a:normAutofit/>
+          </a:bodyPr>
+          <a:lstStyle/>
+          <a:p>
+            <a:pPr lvl="0"/>
+            <a:r>
+              <a:rPr lang="en-US"/>
+              <a:t>Edit Master text styles</a:t>
+            </a:r>
+          </a:p>
+          <a:p>
+            <a:pPr lvl="1"/>
+            <a:r>
+              <a:rPr lang="en-US"/>
+              <a:t>Second level</a:t>
+            </a:r>
+          </a:p>
+          <a:p>
+            <a:pPr lvl="2"/>
+            <a:r>
+              <a:rPr lang="en-US"/>
+              <a:t>Third level</a:t>
+            </a:r>
+          </a:p>
+          <a:p>
+            <a:pPr lvl="3"/>
+            <a:r>
+              <a:rPr lang="en-US"/>
+              <a:t>Fourth level</a:t>
+            </a:r>
+          </a:p>
+          <a:p>
+            <a:pPr lvl="4"/>
+            <a:r>
+              <a:rPr lang="en-US"/>
+              <a:t>Fifth level</a:t>
+            </a:r>
+            <a:endParaRPr lang="en-US" dirty="0"/>
+          </a:p>
+        </p:txBody>
+      </p:sp>
+      <p:sp>
+        <p:nvSpPr>
+          <p:cNvPr id="4" name="Date Placeholder 3"/>
+          <p:cNvSpPr>
+            <a:spLocks noGrp="1"/>
+          </p:cNvSpPr>
+          <p:nvPr>
+            <p:ph type="dt" sz="half" idx="2"/>
+          </p:nvPr>
+        </p:nvSpPr>
+        <p:spPr>
+          <a:xfrm>
+            <a:off x="822961" y="6459786"/>
+            <a:ext cx="1854203" cy="365125"/>
+          </a:xfrm>
+          <a:prstGeom prst="rect">
+            <a:avLst/>
+          </a:prstGeom>
+        </p:spPr>
+        <p:txBody>
+          <a:bodyPr vert="horz" lIns="91440" tIns="45720" rIns="91440" bIns="45720" rtlCol="0" anchor="ctr"/>
+          <a:lstStyle>
+            <a:lvl1pPr algn="l">
+              <a:defRPr sz="900">
+                <a:solidFill>
+                  <a:srgbClr val="FFFFFF"/>
+                </a:solidFill>
+              </a:defRPr>
+            </a:lvl1pPr>
+          </a:lstStyle>
+          <a:p>
+            <a:fld id="{9F30313C-1D09-46FF-BEAE-90A6FCD1B73F}" type="datetime1">
+              <a:rPr lang="en-US" smtClean="0"/>
+              <a:t>7/7/2016</a:t>
+            </a:fld>
+            <a:endParaRPr lang="en-US" dirty="0"/>
+          </a:p>
+        </p:txBody>
+      </p:sp>
+      <p:sp>
+        <p:nvSpPr>
+          <p:cNvPr id="5" name="Footer Placeholder 4"/>
+          <p:cNvSpPr>
+            <a:spLocks noGrp="1"/>
+          </p:cNvSpPr>
+          <p:nvPr>
+            <p:ph type="ftr" sz="quarter" idx="3"/>
+          </p:nvPr>
+        </p:nvSpPr>
+        <p:spPr>
+          <a:xfrm>
+            <a:off x="2764639" y="6459786"/>
+            <a:ext cx="3617103" cy="365125"/>
+          </a:xfrm>
+          <a:prstGeom prst="rect">
+            <a:avLst/>
+          </a:prstGeom>
+        </p:spPr>
+        <p:txBody>
+          <a:bodyPr vert="horz" lIns="91440" tIns="45720" rIns="91440" bIns="45720" rtlCol="0" anchor="ctr"/>
+          <a:lstStyle>
+            <a:lvl1pPr algn="ctr">
+              <a:defRPr sz="900" cap="all" baseline="0">
+                <a:solidFill>
+                  <a:srgbClr val="FFFFFF"/>
+                </a:solidFill>
+              </a:defRPr>
+            </a:lvl1pPr>
+          </a:lstStyle>
+          <a:p>
+            <a:r>
+              <a:rPr lang="en-US"/>
+              <a:t>© 2016 EV3Lessons.com, Last edit 7/06/2016</a:t>
+            </a:r>
+            <a:endParaRPr lang="en-US" dirty="0"/>
+          </a:p>
+        </p:txBody>
+      </p:sp>
+      <p:sp>
+        <p:nvSpPr>
+          <p:cNvPr id="6" name="Slide Number Placeholder 5"/>
+          <p:cNvSpPr>
+            <a:spLocks noGrp="1"/>
+          </p:cNvSpPr>
+          <p:nvPr>
+            <p:ph type="sldNum" sz="quarter" idx="4"/>
+          </p:nvPr>
+        </p:nvSpPr>
+        <p:spPr>
+          <a:xfrm>
+            <a:off x="7425344" y="6459786"/>
+            <a:ext cx="984019" cy="365125"/>
+          </a:xfrm>
+          <a:prstGeom prst="rect">
+            <a:avLst/>
+          </a:prstGeom>
+        </p:spPr>
+        <p:txBody>
+          <a:bodyPr vert="horz" lIns="91440" tIns="45720" rIns="91440" bIns="45720" rtlCol="0" anchor="ctr"/>
+          <a:lstStyle>
+            <a:lvl1pPr algn="r">
+              <a:defRPr sz="1050">
+                <a:solidFill>
+                  <a:srgbClr val="FFFFFF"/>
+                </a:solidFill>
+              </a:defRPr>
+            </a:lvl1pPr>
+          </a:lstStyle>
+          <a:p>
+            <a:fld id="{4382A7F7-08BF-4252-8141-63FB96055BBB}" type="slidenum">
+              <a:rPr lang="en-US" smtClean="0"/>
+              <a:t>‹#›</a:t>
+            </a:fld>
+            <a:endParaRPr lang="en-US"/>
+          </a:p>
+        </p:txBody>
+      </p:sp>
+      <p:cxnSp>
+        <p:nvCxnSpPr>
+          <p:cNvPr id="10" name="Straight Connector 9"/>
+          <p:cNvCxnSpPr/>
+          <p:nvPr/>
+        </p:nvCxnSpPr>
+        <p:spPr>
+          <a:xfrm flipV="1">
+            <a:off x="227874" y="1335314"/>
+            <a:ext cx="8596811" cy="1"/>
+          </a:xfrm>
+          <a:prstGeom prst="line">
+            <a:avLst/>
+          </a:prstGeom>
+          <a:ln w="6350">
+            <a:solidFill>
+              <a:schemeClr val="tx1">
+                <a:lumMod val="50000"/>
+                <a:lumOff val="50000"/>
+              </a:schemeClr>
+            </a:solidFill>
+          </a:ln>
+        </p:spPr>
+        <p:style>
+          <a:lnRef idx="1">
+            <a:schemeClr val="accent1"/>
+          </a:lnRef>
+          <a:fillRef idx="0">
+            <a:schemeClr val="accent1"/>
+          </a:fillRef>
+          <a:effectRef idx="0">
+            <a:schemeClr val="accent1"/>
+          </a:effectRef>
+          <a:fontRef idx="minor">
+            <a:schemeClr val="tx1"/>
+          </a:fontRef>
+        </p:style>
+      </p:cxnSp>
+      <p:sp>
+        <p:nvSpPr>
+          <p:cNvPr id="11" name="Rectangle 10"/>
+          <p:cNvSpPr/>
+          <p:nvPr/>
+        </p:nvSpPr>
+        <p:spPr>
+          <a:xfrm>
+            <a:off x="4487333" y="6334315"/>
+            <a:ext cx="4656667" cy="92382"/>
+          </a:xfrm>
+          <a:prstGeom prst="rect">
+            <a:avLst/>
+          </a:prstGeom>
+          <a:solidFill>
+            <a:srgbClr val="7030A0"/>
+          </a:solidFill>
+          <a:ln>
+            <a:noFill/>
+          </a:ln>
+        </p:spPr>
+        <p:style>
+          <a:lnRef idx="2">
+            <a:schemeClr val="accent1">
+              <a:shade val="50000"/>
+            </a:schemeClr>
+          </a:lnRef>
+          <a:fillRef idx="1">
+            <a:schemeClr val="accent1"/>
+          </a:fillRef>
+          <a:effectRef idx="0">
+            <a:schemeClr val="accent1"/>
+          </a:effectRef>
+          <a:fontRef idx="minor">
+            <a:schemeClr val="lt1"/>
+          </a:fontRef>
+        </p:style>
+      </p:sp>
+      <p:sp>
+        <p:nvSpPr>
+          <p:cNvPr id="12" name="Rectangle 11"/>
+          <p:cNvSpPr/>
+          <p:nvPr userDrawn="1"/>
+        </p:nvSpPr>
+        <p:spPr>
+          <a:xfrm>
+            <a:off x="4487333" y="6334315"/>
+            <a:ext cx="4656667" cy="92382"/>
+          </a:xfrm>
+          <a:prstGeom prst="rect">
+            <a:avLst/>
+          </a:prstGeom>
+          <a:solidFill>
+            <a:srgbClr val="7030A0"/>
+          </a:solidFill>
+          <a:ln>
+            <a:noFill/>
+          </a:ln>
+        </p:spPr>
+        <p:style>
+          <a:lnRef idx="2">
+            <a:schemeClr val="accent1">
+              <a:shade val="50000"/>
+            </a:schemeClr>
+          </a:lnRef>
+          <a:fillRef idx="1">
+            <a:schemeClr val="accent1"/>
+          </a:fillRef>
+          <a:effectRef idx="0">
+            <a:schemeClr val="accent1"/>
+          </a:effectRef>
+          <a:fontRef idx="minor">
+            <a:schemeClr val="lt1"/>
+          </a:fontRef>
+        </p:style>
+      </p:sp>
+    </p:spTree>
+    <p:extLst>
+      <p:ext uri="{BB962C8B-B14F-4D97-AF65-F5344CB8AC3E}">
+        <p14:creationId xmlns:p14="http://schemas.microsoft.com/office/powerpoint/2010/main" val="1637167157"/>
+      </p:ext>
+    </p:extLst>
+  </p:cSld>
+  <p:clrMap bg1="lt1" tx1="dk1" bg2="lt2" tx2="dk2" accent1="accent1" accent2="accent2" accent3="accent3" accent4="accent4" accent5="accent5" accent6="accent6" hlink="hlink" folHlink="folHlink"/>
+  <p:sldLayoutIdLst>
+    <p:sldLayoutId id="2147483690" r:id="rId1"/>
+    <p:sldLayoutId id="2147483691" r:id="rId2"/>
+    <p:sldLayoutId id="2147483692" r:id="rId3"/>
+    <p:sldLayoutId id="2147483693" r:id="rId4"/>
+    <p:sldLayoutId id="2147483694" r:id="rId5"/>
+    <p:sldLayoutId id="2147483695" r:id="rId6"/>
+    <p:sldLayoutId id="2147483696" r:id="rId7"/>
+    <p:sldLayoutId id="2147483697" r:id="rId8"/>
+    <p:sldLayoutId id="2147483698" r:id="rId9"/>
+    <p:sldLayoutId id="2147483699" r:id="rId10"/>
+    <p:sldLayoutId id="2147483700" r:id="rId11"/>
+  </p:sldLayoutIdLst>
+  <p:hf hdr="0" dt="0"/>
+  <p:txStyles>
+    <p:titleStyle>
+      <a:lvl1pPr algn="l" defTabSz="914400" rtl="0" eaLnBrk="1" latinLnBrk="0" hangingPunct="1">
+        <a:lnSpc>
+          <a:spcPct val="85000"/>
+        </a:lnSpc>
+        <a:spcBef>
+          <a:spcPct val="0"/>
+        </a:spcBef>
+        <a:buNone/>
+        <a:defRPr sz="4800" kern="1200" spc="-50" baseline="0">
+          <a:solidFill>
+            <a:schemeClr val="tx1">
+              <a:lumMod val="75000"/>
+              <a:lumOff val="25000"/>
+            </a:schemeClr>
+          </a:solidFill>
+          <a:latin typeface="+mj-lt"/>
+          <a:ea typeface="+mj-ea"/>
+          <a:cs typeface="+mj-cs"/>
+        </a:defRPr>
+      </a:lvl1pPr>
+    </p:titleStyle>
+    <p:bodyStyle>
+      <a:lvl1pPr marL="91440" indent="-91440" algn="l" defTabSz="914400" rtl="0" eaLnBrk="1" latinLnBrk="0" hangingPunct="1">
+        <a:lnSpc>
+          <a:spcPct val="90000"/>
+        </a:lnSpc>
+        <a:spcBef>
+          <a:spcPts val="1200"/>
+        </a:spcBef>
+        <a:spcAft>
+          <a:spcPts val="200"/>
+        </a:spcAft>
+        <a:buClr>
+          <a:schemeClr val="accent1"/>
+        </a:buClr>
+        <a:buSzPct val="100000"/>
+        <a:buFont typeface="Calibri" panose="020F0502020204030204" pitchFamily="34" charset="0"/>
+        <a:buChar char=" "/>
+        <a:defRPr sz="2000" kern="1200">
+          <a:solidFill>
+            <a:schemeClr val="tx1">
+              <a:lumMod val="75000"/>
+              <a:lumOff val="25000"/>
+            </a:schemeClr>
+          </a:solidFill>
+          <a:latin typeface="+mn-lt"/>
+          <a:ea typeface="+mn-ea"/>
+          <a:cs typeface="+mn-cs"/>
+        </a:defRPr>
+      </a:lvl1pPr>
+      <a:lvl2pPr marL="384048" indent="-182880" algn="l" defTabSz="914400" rtl="0" eaLnBrk="1" latinLnBrk="0" hangingPunct="1">
+        <a:lnSpc>
+          <a:spcPct val="90000"/>
+        </a:lnSpc>
+        <a:spcBef>
+          <a:spcPts val="200"/>
+        </a:spcBef>
+        <a:spcAft>
+          <a:spcPts val="400"/>
+        </a:spcAft>
+        <a:buClr>
+          <a:schemeClr val="accent1"/>
+        </a:buClr>
+        <a:buFont typeface="Calibri" pitchFamily="34" charset="0"/>
+        <a:buChar char="◦"/>
+        <a:defRPr sz="1800" kern="1200">
+          <a:solidFill>
+            <a:schemeClr val="tx1">
+              <a:lumMod val="75000"/>
+              <a:lumOff val="25000"/>
+            </a:schemeClr>
+          </a:solidFill>
+          <a:latin typeface="+mn-lt"/>
+          <a:ea typeface="+mn-ea"/>
+          <a:cs typeface="+mn-cs"/>
+        </a:defRPr>
+      </a:lvl2pPr>
+      <a:lvl3pPr marL="566928" indent="-182880" algn="l" defTabSz="914400" rtl="0" eaLnBrk="1" latinLnBrk="0" hangingPunct="1">
+        <a:lnSpc>
+          <a:spcPct val="90000"/>
+        </a:lnSpc>
+        <a:spcBef>
+          <a:spcPts val="200"/>
+        </a:spcBef>
+        <a:spcAft>
+          <a:spcPts val="400"/>
+        </a:spcAft>
+        <a:buClr>
+          <a:schemeClr val="accent1"/>
+        </a:buClr>
+        <a:buFont typeface="Calibri" pitchFamily="34" charset="0"/>
+        <a:buChar char="◦"/>
+        <a:defRPr sz="1400" kern="1200">
+          <a:solidFill>
+            <a:schemeClr val="tx1">
+              <a:lumMod val="75000"/>
+              <a:lumOff val="25000"/>
+            </a:schemeClr>
+          </a:solidFill>
+          <a:latin typeface="+mn-lt"/>
+          <a:ea typeface="+mn-ea"/>
+          <a:cs typeface="+mn-cs"/>
+        </a:defRPr>
+      </a:lvl3pPr>
+      <a:lvl4pPr marL="749808" indent="-182880" algn="l" defTabSz="914400" rtl="0" eaLnBrk="1" latinLnBrk="0" hangingPunct="1">
+        <a:lnSpc>
+          <a:spcPct val="90000"/>
+        </a:lnSpc>
+        <a:spcBef>
+          <a:spcPts val="200"/>
+        </a:spcBef>
+        <a:spcAft>
+          <a:spcPts val="400"/>
+        </a:spcAft>
+        <a:buClr>
+          <a:schemeClr val="accent1"/>
+        </a:buClr>
+        <a:buFont typeface="Calibri" pitchFamily="34" charset="0"/>
+        <a:buChar char="◦"/>
+        <a:defRPr sz="1400" kern="1200">
+          <a:solidFill>
+            <a:schemeClr val="tx1">
+              <a:lumMod val="75000"/>
+              <a:lumOff val="25000"/>
+            </a:schemeClr>
+          </a:solidFill>
+          <a:latin typeface="+mn-lt"/>
+          <a:ea typeface="+mn-ea"/>
+          <a:cs typeface="+mn-cs"/>
+        </a:defRPr>
+      </a:lvl4pPr>
+      <a:lvl5pPr marL="932688" indent="-182880" algn="l" defTabSz="914400" rtl="0" eaLnBrk="1" latinLnBrk="0" hangingPunct="1">
+        <a:lnSpc>
+          <a:spcPct val="90000"/>
+        </a:lnSpc>
+        <a:spcBef>
+          <a:spcPts val="200"/>
+        </a:spcBef>
+        <a:spcAft>
+          <a:spcPts val="400"/>
+        </a:spcAft>
+        <a:buClr>
+          <a:schemeClr val="accent1"/>
+        </a:buClr>
+        <a:buFont typeface="Calibri" pitchFamily="34" charset="0"/>
+        <a:buChar char="◦"/>
+        <a:defRPr sz="1400" kern="1200">
+          <a:solidFill>
+            <a:schemeClr val="tx1">
+              <a:lumMod val="75000"/>
+              <a:lumOff val="25000"/>
+            </a:schemeClr>
+          </a:solidFill>
+          <a:latin typeface="+mn-lt"/>
+          <a:ea typeface="+mn-ea"/>
+          <a:cs typeface="+mn-cs"/>
+        </a:defRPr>
+      </a:lvl5pPr>
+      <a:lvl6pPr marL="1100000" indent="-228600" algn="l" defTabSz="914400" rtl="0" eaLnBrk="1" latinLnBrk="0" hangingPunct="1">
+        <a:lnSpc>
+          <a:spcPct val="90000"/>
+        </a:lnSpc>
+        <a:spcBef>
+          <a:spcPts val="200"/>
+        </a:spcBef>
+        <a:spcAft>
+          <a:spcPts val="400"/>
+        </a:spcAft>
+        <a:buClr>
+          <a:schemeClr val="accent1"/>
+        </a:buClr>
+        <a:buFont typeface="Calibri" pitchFamily="34" charset="0"/>
+        <a:buChar char="◦"/>
+        <a:defRPr sz="1400" kern="1200">
+          <a:solidFill>
+            <a:schemeClr val="tx1">
+              <a:lumMod val="75000"/>
+              <a:lumOff val="25000"/>
+            </a:schemeClr>
+          </a:solidFill>
+          <a:latin typeface="+mn-lt"/>
+          <a:ea typeface="+mn-ea"/>
+          <a:cs typeface="+mn-cs"/>
+        </a:defRPr>
+      </a:lvl6pPr>
+      <a:lvl7pPr marL="1300000" indent="-228600" algn="l" defTabSz="914400" rtl="0" eaLnBrk="1" latinLnBrk="0" hangingPunct="1">
+        <a:lnSpc>
+          <a:spcPct val="90000"/>
+        </a:lnSpc>
+        <a:spcBef>
+          <a:spcPts val="200"/>
+        </a:spcBef>
+        <a:spcAft>
+          <a:spcPts val="400"/>
+        </a:spcAft>
+        <a:buClr>
+          <a:schemeClr val="accent1"/>
+        </a:buClr>
+        <a:buFont typeface="Calibri" pitchFamily="34" charset="0"/>
+        <a:buChar char="◦"/>
+        <a:defRPr sz="1400" kern="1200">
+          <a:solidFill>
+            <a:schemeClr val="tx1">
+              <a:lumMod val="75000"/>
+              <a:lumOff val="25000"/>
+            </a:schemeClr>
+          </a:solidFill>
+          <a:latin typeface="+mn-lt"/>
+          <a:ea typeface="+mn-ea"/>
+          <a:cs typeface="+mn-cs"/>
+        </a:defRPr>
+      </a:lvl7pPr>
+      <a:lvl8pPr marL="1500000" indent="-228600" algn="l" defTabSz="914400" rtl="0" eaLnBrk="1" latinLnBrk="0" hangingPunct="1">
+        <a:lnSpc>
+          <a:spcPct val="90000"/>
+        </a:lnSpc>
+        <a:spcBef>
+          <a:spcPts val="200"/>
+        </a:spcBef>
+        <a:spcAft>
+          <a:spcPts val="400"/>
+        </a:spcAft>
+        <a:buClr>
+          <a:schemeClr val="accent1"/>
+        </a:buClr>
+        <a:buFont typeface="Calibri" pitchFamily="34" charset="0"/>
+        <a:buChar char="◦"/>
+        <a:defRPr sz="1400" kern="1200">
+          <a:solidFill>
+            <a:schemeClr val="tx1">
+              <a:lumMod val="75000"/>
+              <a:lumOff val="25000"/>
+            </a:schemeClr>
+          </a:solidFill>
+          <a:latin typeface="+mn-lt"/>
+          <a:ea typeface="+mn-ea"/>
+          <a:cs typeface="+mn-cs"/>
+        </a:defRPr>
+      </a:lvl8pPr>
+      <a:lvl9pPr marL="1700000" indent="-228600" algn="l" defTabSz="914400" rtl="0" eaLnBrk="1" latinLnBrk="0" hangingPunct="1">
+        <a:lnSpc>
+          <a:spcPct val="90000"/>
+        </a:lnSpc>
+        <a:spcBef>
+          <a:spcPts val="200"/>
+        </a:spcBef>
+        <a:spcAft>
+          <a:spcPts val="400"/>
+        </a:spcAft>
+        <a:buClr>
+          <a:schemeClr val="accent1"/>
+        </a:buClr>
+        <a:buFont typeface="Calibri" pitchFamily="34" charset="0"/>
+        <a:buChar char="◦"/>
+        <a:defRPr sz="1400" kern="1200">
+          <a:solidFill>
+            <a:schemeClr val="tx1">
+              <a:lumMod val="75000"/>
+              <a:lumOff val="25000"/>
+            </a:schemeClr>
+          </a:solidFill>
+          <a:latin typeface="+mn-lt"/>
+          <a:ea typeface="+mn-ea"/>
+          <a:cs typeface="+mn-cs"/>
+        </a:defRPr>
+      </a:lvl9pPr>
+    </p:bodyStyle>
+    <p:otherStyle>
+      <a:defPPr>
+        <a:defRPr lang="en-US"/>
+      </a:defPPr>
+      <a:lvl1pPr marL="0" algn="l" defTabSz="914400" rtl="0" eaLnBrk="1" latinLnBrk="0" hangingPunct="1">
+        <a:defRPr sz="1800" kern="1200">
+          <a:solidFill>
+            <a:schemeClr val="tx1"/>
+          </a:solidFill>
+          <a:latin typeface="+mn-lt"/>
+          <a:ea typeface="+mn-ea"/>
+          <a:cs typeface="+mn-cs"/>
+        </a:defRPr>
+      </a:lvl1pPr>
+      <a:lvl2pPr marL="457200" algn="l" defTabSz="914400" rtl="0" eaLnBrk="1" latinLnBrk="0" hangingPunct="1">
+        <a:defRPr sz="1800" kern="1200">
+          <a:solidFill>
+            <a:schemeClr val="tx1"/>
+          </a:solidFill>
+          <a:latin typeface="+mn-lt"/>
+          <a:ea typeface="+mn-ea"/>
+          <a:cs typeface="+mn-cs"/>
+        </a:defRPr>
+      </a:lvl2pPr>
+      <a:lvl3pPr marL="914400" algn="l" defTabSz="914400" rtl="0" eaLnBrk="1" latinLnBrk="0" hangingPunct="1">
+        <a:defRPr sz="1800" kern="1200">
+          <a:solidFill>
+            <a:schemeClr val="tx1"/>
+          </a:solidFill>
+          <a:latin typeface="+mn-lt"/>
+          <a:ea typeface="+mn-ea"/>
+          <a:cs typeface="+mn-cs"/>
+        </a:defRPr>
+      </a:lvl3pPr>
+      <a:lvl4pPr marL="1371600" algn="l" defTabSz="914400" rtl="0" eaLnBrk="1" latinLnBrk="0" hangingPunct="1">
+        <a:defRPr sz="1800" kern="1200">
+          <a:solidFill>
+            <a:schemeClr val="tx1"/>
+          </a:solidFill>
+          <a:latin typeface="+mn-lt"/>
+          <a:ea typeface="+mn-ea"/>
+          <a:cs typeface="+mn-cs"/>
+        </a:defRPr>
+      </a:lvl4pPr>
+      <a:lvl5pPr marL="1828800" algn="l" defTabSz="914400" rtl="0" eaLnBrk="1" latinLnBrk="0" hangingPunct="1">
+        <a:defRPr sz="1800" kern="1200">
+          <a:solidFill>
+            <a:schemeClr val="tx1"/>
+          </a:solidFill>
+          <a:latin typeface="+mn-lt"/>
+          <a:ea typeface="+mn-ea"/>
+          <a:cs typeface="+mn-cs"/>
+        </a:defRPr>
+      </a:lvl5pPr>
+      <a:lvl6pPr marL="2286000" algn="l" defTabSz="914400" rtl="0" eaLnBrk="1" latinLnBrk="0" hangingPunct="1">
+        <a:defRPr sz="1800" kern="1200">
+          <a:solidFill>
+            <a:schemeClr val="tx1"/>
+          </a:solidFill>
+          <a:latin typeface="+mn-lt"/>
+          <a:ea typeface="+mn-ea"/>
+          <a:cs typeface="+mn-cs"/>
+        </a:defRPr>
+      </a:lvl6pPr>
+      <a:lvl7pPr marL="2743200" algn="l" defTabSz="914400" rtl="0" eaLnBrk="1" latinLnBrk="0" hangingPunct="1">
+        <a:defRPr sz="1800" kern="1200">
+          <a:solidFill>
+            <a:schemeClr val="tx1"/>
+          </a:solidFill>
+          <a:latin typeface="+mn-lt"/>
+          <a:ea typeface="+mn-ea"/>
+          <a:cs typeface="+mn-cs"/>
+        </a:defRPr>
+      </a:lvl7pPr>
+      <a:lvl8pPr marL="3200400" algn="l" defTabSz="914400" rtl="0" eaLnBrk="1" latinLnBrk="0" hangingPunct="1">
+        <a:defRPr sz="1800" kern="1200">
+          <a:solidFill>
+            <a:schemeClr val="tx1"/>
+          </a:solidFill>
+          <a:latin typeface="+mn-lt"/>
+          <a:ea typeface="+mn-ea"/>
+          <a:cs typeface="+mn-cs"/>
+        </a:defRPr>
+      </a:lvl8pPr>
+      <a:lvl9pPr marL="3657600" algn="l" defTabSz="914400" rtl="0" eaLnBrk="1" latinLnBrk="0" hangingPunct="1">
+        <a:defRPr sz="1800" kern="1200">
+          <a:solidFill>
+            <a:schemeClr val="tx1"/>
+          </a:solidFill>
+          <a:latin typeface="+mn-lt"/>
+          <a:ea typeface="+mn-ea"/>
+          <a:cs typeface="+mn-cs"/>
+        </a:defRPr>
+      </a:lvl9pPr>
+    </p:otherStyle>
+  </p:txStyles>
+</p:sldMaster>
+</file>
+
 <file path=ppt/slides/slide1.xml><?xml version="1.0" encoding="utf-8"?>
 <p:sld xmlns:a="http://schemas.openxmlformats.org/drawingml/2006/main" xmlns:r="http://schemas.openxmlformats.org/officeDocument/2006/relationships" xmlns:p="http://schemas.openxmlformats.org/presentationml/2006/main">
   <p:cSld>
@@ -4678,15 +8660,14 @@
         <p:spPr/>
         <p:txBody>
           <a:bodyPr>
-            <a:normAutofit fontScale="90000"/>
+            <a:normAutofit/>
           </a:bodyPr>
           <a:lstStyle/>
           <a:p>
             <a:r>
-              <a:rPr lang="en-US" dirty="0" smtClean="0"/>
+              <a:rPr lang="en-US" dirty="0"/>
               <a:t>INTERMEDIATE PROGRAMMING LESSON</a:t>
             </a:r>
-            <a:endParaRPr lang="en-US" dirty="0"/>
           </a:p>
         </p:txBody>
       </p:sp>
@@ -4708,14 +8689,13 @@
           <a:lstStyle/>
           <a:p>
             <a:r>
-              <a:rPr lang="en-US" dirty="0" err="1" smtClean="0"/>
+              <a:rPr lang="en-US" dirty="0" err="1"/>
               <a:t>IMPRoVING</a:t>
             </a:r>
             <a:r>
-              <a:rPr lang="en-US" dirty="0" smtClean="0"/>
+              <a:rPr lang="en-US" dirty="0"/>
               <a:t> PROGRAM RELIABILITY</a:t>
             </a:r>
-            <a:endParaRPr lang="en-US" dirty="0"/>
           </a:p>
         </p:txBody>
       </p:sp>
@@ -4765,7 +8745,7 @@
           <a:lstStyle/>
           <a:p>
             <a:r>
-              <a:rPr lang="en-US" smtClean="0"/>
+              <a:rPr lang="en-US"/>
               <a:t>Using Coast &amp; Reset</a:t>
             </a:r>
             <a:endParaRPr lang="en-US" dirty="0"/>
@@ -4788,10 +8768,9 @@
           <a:lstStyle/>
           <a:p>
             <a:r>
-              <a:rPr lang="en-US" smtClean="0"/>
-              <a:t>© 2015, EV3Lessons.com, (last edit 4/5/2015)</a:t>
-            </a:r>
-            <a:endParaRPr lang="en-US"/>
+              <a:rPr lang="en-US"/>
+              <a:t>© 2016 EV3Lessons.com, Last edit 7/06/2016</a:t>
+            </a:r>
           </a:p>
         </p:txBody>
       </p:sp>
@@ -4848,10 +8827,32 @@
           <a:lstStyle/>
           <a:p>
             <a:r>
-              <a:rPr lang="en-US" dirty="0" smtClean="0"/>
+              <a:rPr lang="en-US" dirty="0"/>
               <a:t>More reliable!</a:t>
             </a:r>
-            <a:endParaRPr lang="en-US" dirty="0"/>
+          </a:p>
+        </p:txBody>
+      </p:sp>
+      <p:sp>
+        <p:nvSpPr>
+          <p:cNvPr id="3" name="Slide Number Placeholder 2"/>
+          <p:cNvSpPr>
+            <a:spLocks noGrp="1"/>
+          </p:cNvSpPr>
+          <p:nvPr>
+            <p:ph type="sldNum" sz="quarter" idx="12"/>
+          </p:nvPr>
+        </p:nvSpPr>
+        <p:spPr/>
+        <p:txBody>
+          <a:bodyPr/>
+          <a:lstStyle/>
+          <a:p>
+            <a:fld id="{4382A7F7-08BF-4252-8141-63FB96055BBB}" type="slidenum">
+              <a:rPr lang="en-US" smtClean="0"/>
+              <a:t>10</a:t>
+            </a:fld>
+            <a:endParaRPr lang="en-US"/>
           </a:p>
         </p:txBody>
       </p:sp>
@@ -4901,118 +8902,140 @@
           <a:lstStyle/>
           <a:p>
             <a:r>
+              <a:rPr lang="en-US"/>
+              <a:t>Other Factors in Reliability</a:t>
+            </a:r>
+            <a:endParaRPr lang="en-US" dirty="0"/>
+          </a:p>
+        </p:txBody>
+      </p:sp>
+      <p:sp>
+        <p:nvSpPr>
+          <p:cNvPr id="3" name="Content Placeholder 2"/>
+          <p:cNvSpPr>
+            <a:spLocks noGrp="1"/>
+          </p:cNvSpPr>
+          <p:nvPr>
+            <p:ph idx="1"/>
+          </p:nvPr>
+        </p:nvSpPr>
+        <p:spPr/>
+        <p:txBody>
+          <a:bodyPr/>
+          <a:lstStyle/>
+          <a:p>
+            <a:r>
+              <a:rPr lang="en-US"/>
+              <a:t>Battery life</a:t>
+            </a:r>
+          </a:p>
+          <a:p>
+            <a:pPr lvl="1"/>
+            <a:r>
+              <a:rPr lang="en-US"/>
+              <a:t>If you program your robot when the battery life is low, it won’t run the same when fully charged</a:t>
+            </a:r>
+          </a:p>
+          <a:p>
+            <a:pPr lvl="2"/>
+            <a:r>
+              <a:rPr lang="en-US"/>
+              <a:t>Motors behave differently with low battery</a:t>
+            </a:r>
+          </a:p>
+          <a:p>
+            <a:pPr lvl="2"/>
+            <a:r>
+              <a:rPr lang="en-US"/>
+              <a:t>But using sensors makes you not as dependent on battery</a:t>
+            </a:r>
+          </a:p>
+          <a:p>
+            <a:r>
+              <a:rPr lang="en-US"/>
+              <a:t>LEGO pieces come apart over time:</a:t>
+            </a:r>
+          </a:p>
+          <a:p>
+            <a:pPr lvl="1"/>
+            <a:r>
+              <a:rPr lang="en-US"/>
+              <a:t>Squeeze in LEGO pieces in key areas before a run – the pegs get loose which means the sensors may not be in the same place as a previous run</a:t>
+            </a:r>
+          </a:p>
+          <a:p>
+            <a:pPr lvl="1"/>
+            <a:r>
+              <a:rPr lang="en-US"/>
+              <a:t>Push wires in for sensors and motors.  They come out!</a:t>
+            </a:r>
+          </a:p>
+          <a:p>
+            <a:r>
+              <a:rPr lang="en-US"/>
+              <a:t>Motors and sensors don’t always match:</a:t>
+            </a:r>
+          </a:p>
+          <a:p>
+            <a:pPr lvl="1"/>
+            <a:r>
+              <a:rPr lang="en-US"/>
+              <a:t>Some teams test motors, sensors and wheels to make sure that they match</a:t>
+            </a:r>
+          </a:p>
+          <a:p>
+            <a:pPr lvl="1"/>
+            <a:r>
+              <a:rPr lang="en-US"/>
+              <a:t>You will never get a perfect match so we recommend use other techniques and accept that they will be different</a:t>
+            </a:r>
+          </a:p>
+          <a:p>
+            <a:endParaRPr lang="en-US" dirty="0"/>
+          </a:p>
+        </p:txBody>
+      </p:sp>
+      <p:sp>
+        <p:nvSpPr>
+          <p:cNvPr id="4" name="Footer Placeholder 3"/>
+          <p:cNvSpPr>
+            <a:spLocks noGrp="1"/>
+          </p:cNvSpPr>
+          <p:nvPr>
+            <p:ph type="ftr" sz="quarter" idx="11"/>
+          </p:nvPr>
+        </p:nvSpPr>
+        <p:spPr/>
+        <p:txBody>
+          <a:bodyPr/>
+          <a:lstStyle/>
+          <a:p>
+            <a:r>
+              <a:rPr lang="en-US"/>
+              <a:t>© 2016 EV3Lessons.com, Last edit 7/06/2016</a:t>
+            </a:r>
+          </a:p>
+        </p:txBody>
+      </p:sp>
+      <p:sp>
+        <p:nvSpPr>
+          <p:cNvPr id="5" name="Slide Number Placeholder 4"/>
+          <p:cNvSpPr>
+            <a:spLocks noGrp="1"/>
+          </p:cNvSpPr>
+          <p:nvPr>
+            <p:ph type="sldNum" sz="quarter" idx="12"/>
+          </p:nvPr>
+        </p:nvSpPr>
+        <p:spPr/>
+        <p:txBody>
+          <a:bodyPr/>
+          <a:lstStyle/>
+          <a:p>
+            <a:fld id="{4382A7F7-08BF-4252-8141-63FB96055BBB}" type="slidenum">
               <a:rPr lang="en-US" smtClean="0"/>
-              <a:t>Other Factors in Reliability</a:t>
-            </a:r>
-            <a:endParaRPr lang="en-US" dirty="0"/>
-          </a:p>
-        </p:txBody>
-      </p:sp>
-      <p:sp>
-        <p:nvSpPr>
-          <p:cNvPr id="3" name="Content Placeholder 2"/>
-          <p:cNvSpPr>
-            <a:spLocks noGrp="1"/>
-          </p:cNvSpPr>
-          <p:nvPr>
-            <p:ph idx="1"/>
-          </p:nvPr>
-        </p:nvSpPr>
-        <p:spPr/>
-        <p:txBody>
-          <a:bodyPr/>
-          <a:lstStyle/>
-          <a:p>
-            <a:r>
-              <a:rPr lang="en-US" smtClean="0"/>
-              <a:t>Battery life</a:t>
-            </a:r>
-          </a:p>
-          <a:p>
-            <a:pPr lvl="1"/>
-            <a:r>
-              <a:rPr lang="en-US" smtClean="0"/>
-              <a:t>If you program your robot when the battery life is low, it won’t run the same when fully charged</a:t>
-            </a:r>
-          </a:p>
-          <a:p>
-            <a:pPr lvl="2"/>
-            <a:r>
-              <a:rPr lang="en-US" smtClean="0"/>
-              <a:t>Motors behave differently with low battery</a:t>
-            </a:r>
-          </a:p>
-          <a:p>
-            <a:pPr lvl="2"/>
-            <a:r>
-              <a:rPr lang="en-US" smtClean="0"/>
-              <a:t>But using sensors makes you not as dependent on battery</a:t>
-            </a:r>
-          </a:p>
-          <a:p>
-            <a:r>
-              <a:rPr lang="en-US" smtClean="0"/>
-              <a:t>LEGO pieces come apart over time:</a:t>
-            </a:r>
-          </a:p>
-          <a:p>
-            <a:pPr lvl="1"/>
-            <a:r>
-              <a:rPr lang="en-US" smtClean="0"/>
-              <a:t>Squeeze in LEGO pieces in key areas before a run – the pegs get loose which means the sensors may not be in the same place as a previous run</a:t>
-            </a:r>
-          </a:p>
-          <a:p>
-            <a:pPr lvl="1"/>
-            <a:r>
-              <a:rPr lang="en-US" smtClean="0"/>
-              <a:t>Push wires in for sensors and motors.  They come out!</a:t>
-            </a:r>
-          </a:p>
-          <a:p>
-            <a:r>
-              <a:rPr lang="en-US" smtClean="0"/>
-              <a:t>Motors and sensors don’t always match:</a:t>
-            </a:r>
-          </a:p>
-          <a:p>
-            <a:pPr lvl="1"/>
-            <a:r>
-              <a:rPr lang="en-US" smtClean="0"/>
-              <a:t>Some teams test motors, sensors and wheels to make sure that they match</a:t>
-            </a:r>
-          </a:p>
-          <a:p>
-            <a:pPr lvl="1"/>
-            <a:r>
-              <a:rPr lang="en-US" smtClean="0"/>
-              <a:t>You will never get a perfect match so we recommend use other techniques and accept that they will be different</a:t>
-            </a:r>
-          </a:p>
-          <a:p>
-            <a:endParaRPr lang="en-US" dirty="0"/>
-          </a:p>
-        </p:txBody>
-      </p:sp>
-      <p:sp>
-        <p:nvSpPr>
-          <p:cNvPr id="4" name="Footer Placeholder 3"/>
-          <p:cNvSpPr>
-            <a:spLocks noGrp="1"/>
-          </p:cNvSpPr>
-          <p:nvPr>
-            <p:ph type="ftr" sz="quarter" idx="11"/>
-          </p:nvPr>
-        </p:nvSpPr>
-        <p:spPr/>
-        <p:txBody>
-          <a:bodyPr/>
-          <a:lstStyle/>
-          <a:p>
-            <a:r>
-              <a:rPr lang="en-US" smtClean="0"/>
-              <a:t>© 2015, EV3Lessons.com, (last edit 4/5/2015)</a:t>
-            </a:r>
+              <a:t>11</a:t>
+            </a:fld>
             <a:endParaRPr lang="en-US"/>
           </a:p>
         </p:txBody>
@@ -5027,13 +9050,6 @@
   <p:clrMapOvr>
     <a:masterClrMapping/>
   </p:clrMapOvr>
-  <p:timing>
-    <p:tnLst>
-      <p:par>
-        <p:cTn id="1" dur="indefinite" restart="never" nodeType="tmRoot"/>
-      </p:par>
-    </p:tnLst>
-  </p:timing>
 </p:sld>
 </file>
 
@@ -5070,7 +9086,7 @@
           <a:lstStyle/>
           <a:p>
             <a:r>
-              <a:rPr lang="en-US" smtClean="0"/>
+              <a:rPr lang="en-US"/>
               <a:t>Credits</a:t>
             </a:r>
             <a:endParaRPr lang="en-US" dirty="0"/>
@@ -5093,26 +9109,26 @@
           <a:lstStyle/>
           <a:p>
             <a:r>
-              <a:rPr lang="en-US" smtClean="0"/>
-              <a:t>This lesson was written by Sanjay and Arvind Seshan from Droids Robotics</a:t>
-            </a:r>
-          </a:p>
-          <a:p>
-            <a:r>
-              <a:rPr lang="en-US" smtClean="0"/>
+              <a:rPr lang="en-US" dirty="0"/>
+              <a:t>This lesson was written by Sanjay and Arvind Seshan</a:t>
+            </a:r>
+          </a:p>
+          <a:p>
+            <a:r>
+              <a:rPr lang="en-US" dirty="0"/>
               <a:t>More lessons are available at www.ev3lessons.com</a:t>
             </a:r>
             <a:br>
-              <a:rPr lang="en-US" smtClean="0"/>
+              <a:rPr lang="en-US" dirty="0"/>
             </a:br>
-            <a:endParaRPr lang="en-US" smtClean="0"/>
-          </a:p>
-          <a:p>
-            <a:endParaRPr lang="en-US" smtClean="0"/>
-          </a:p>
-          <a:p>
             <a:endParaRPr lang="en-US" dirty="0"/>
           </a:p>
+          <a:p>
+            <a:endParaRPr lang="en-US" dirty="0"/>
+          </a:p>
+          <a:p>
+            <a:endParaRPr lang="en-US" dirty="0"/>
+          </a:p>
         </p:txBody>
       </p:sp>
       <p:sp>
@@ -5131,10 +9147,9 @@
           <a:lstStyle/>
           <a:p>
             <a:r>
-              <a:rPr lang="en-US" smtClean="0"/>
-              <a:t>© 2015, EV3Lessons.com, (last edit 4/5/2015)</a:t>
-            </a:r>
-            <a:endParaRPr lang="en-US"/>
+              <a:rPr lang="en-US"/>
+              <a:t>© 2016 EV3Lessons.com, Last edit 7/06/2016</a:t>
+            </a:r>
           </a:p>
         </p:txBody>
       </p:sp>
@@ -5187,7 +9202,7 @@
           <a:effectLst/>
           <a:extLst>
             <a:ext uri="{91240B29-F687-4f45-9708-019B960494DF}">
-              <a14:hiddenLine xmlns:a14="http://schemas.microsoft.com/office/drawing/2010/main" xmlns="" w="9525">
+              <a14:hiddenLine xmlns="" xmlns:a14="http://schemas.microsoft.com/office/drawing/2010/main" w="9525">
                 <a:solidFill>
                   <a:schemeClr val="tx1"/>
                 </a:solidFill>
@@ -5197,7 +9212,7 @@
               </a14:hiddenLine>
             </a:ext>
             <a:ext uri="{AF507438-7753-43e0-B8FC-AC1667EBCBE1}">
-              <a14:hiddenEffects xmlns:a14="http://schemas.microsoft.com/office/drawing/2010/main" xmlns="">
+              <a14:hiddenEffects xmlns="" xmlns:a14="http://schemas.microsoft.com/office/drawing/2010/main">
                 <a:effectLst>
                   <a:outerShdw dist="35921" dir="2700000" algn="ctr" rotWithShape="0">
                     <a:schemeClr val="bg2"/>
@@ -5360,7 +9375,7 @@
               <a:tabLst/>
             </a:pPr>
             <a:r>
-              <a:rPr kumimoji="0" lang="en-US" altLang="en-US" sz="2000" b="0" i="0" u="none" strike="noStrike" cap="none" normalizeH="0" baseline="0" dirty="0" smtClean="0">
+              <a:rPr kumimoji="0" lang="en-US" altLang="en-US" sz="2000" b="0" i="0" u="none" strike="noStrike" cap="none" normalizeH="0" baseline="0" dirty="0">
                 <a:ln>
                   <a:noFill/>
                 </a:ln>
@@ -5372,20 +9387,8 @@
               </a:rPr>
               <a:t>                         </a:t>
             </a:r>
-            <a:r>
-              <a:rPr kumimoji="0" lang="en-US" altLang="en-US" sz="1600" b="0" i="0" u="none" strike="noStrike" cap="none" normalizeH="0" baseline="0" dirty="0" smtClean="0">
-                <a:ln>
-                  <a:noFill/>
-                </a:ln>
-                <a:solidFill>
-                  <a:schemeClr val="tx1"/>
-                </a:solidFill>
-                <a:effectLst/>
-              </a:rPr>
-              <a:t/>
-            </a:r>
             <a:br>
-              <a:rPr kumimoji="0" lang="en-US" altLang="en-US" sz="1600" b="0" i="0" u="none" strike="noStrike" cap="none" normalizeH="0" baseline="0" dirty="0" smtClean="0">
+              <a:rPr kumimoji="0" lang="en-US" altLang="en-US" sz="1600" b="0" i="0" u="none" strike="noStrike" cap="none" normalizeH="0" baseline="0" dirty="0">
                 <a:ln>
                   <a:noFill/>
                 </a:ln>
@@ -5396,7 +9399,7 @@
               </a:rPr>
             </a:br>
             <a:r>
-              <a:rPr kumimoji="0" lang="en-US" altLang="en-US" sz="2000" b="0" i="0" u="none" strike="noStrike" cap="none" normalizeH="0" baseline="0" dirty="0" smtClean="0">
+              <a:rPr kumimoji="0" lang="en-US" altLang="en-US" sz="2000" b="0" i="0" u="none" strike="noStrike" cap="none" normalizeH="0" baseline="0" dirty="0">
                 <a:ln>
                   <a:noFill/>
                 </a:ln>
@@ -5409,7 +9412,7 @@
               <a:t>This work is licensed under a </a:t>
             </a:r>
             <a:r>
-              <a:rPr kumimoji="0" lang="en-US" altLang="en-US" sz="2000" b="0" i="0" u="none" strike="noStrike" cap="none" normalizeH="0" baseline="0" dirty="0" smtClean="0">
+              <a:rPr kumimoji="0" lang="en-US" altLang="en-US" sz="2000" b="0" i="0" u="none" strike="noStrike" cap="none" normalizeH="0" baseline="0" dirty="0">
                 <a:ln>
                   <a:noFill/>
                 </a:ln>
@@ -5423,7 +9426,7 @@
               <a:t>Creative Commons Attribution-</a:t>
             </a:r>
             <a:r>
-              <a:rPr kumimoji="0" lang="en-US" altLang="en-US" sz="2000" b="0" i="0" u="none" strike="noStrike" cap="none" normalizeH="0" baseline="0" dirty="0" err="1" smtClean="0">
+              <a:rPr kumimoji="0" lang="en-US" altLang="en-US" sz="2000" b="0" i="0" u="none" strike="noStrike" cap="none" normalizeH="0" baseline="0" dirty="0" err="1">
                 <a:ln>
                   <a:noFill/>
                 </a:ln>
@@ -5437,7 +9440,7 @@
               <a:t>NonCommercial</a:t>
             </a:r>
             <a:r>
-              <a:rPr kumimoji="0" lang="en-US" altLang="en-US" sz="2000" b="0" i="0" u="none" strike="noStrike" cap="none" normalizeH="0" baseline="0" dirty="0" smtClean="0">
+              <a:rPr kumimoji="0" lang="en-US" altLang="en-US" sz="2000" b="0" i="0" u="none" strike="noStrike" cap="none" normalizeH="0" baseline="0" dirty="0">
                 <a:ln>
                   <a:noFill/>
                 </a:ln>
@@ -5451,7 +9454,7 @@
               <a:t>-</a:t>
             </a:r>
             <a:r>
-              <a:rPr kumimoji="0" lang="en-US" altLang="en-US" sz="2000" b="0" i="0" u="none" strike="noStrike" cap="none" normalizeH="0" baseline="0" dirty="0" err="1" smtClean="0">
+              <a:rPr kumimoji="0" lang="en-US" altLang="en-US" sz="2000" b="0" i="0" u="none" strike="noStrike" cap="none" normalizeH="0" baseline="0" dirty="0" err="1">
                 <a:ln>
                   <a:noFill/>
                 </a:ln>
@@ -5465,7 +9468,7 @@
               <a:t>ShareAlike</a:t>
             </a:r>
             <a:r>
-              <a:rPr kumimoji="0" lang="en-US" altLang="en-US" sz="2000" b="0" i="0" u="none" strike="noStrike" cap="none" normalizeH="0" baseline="0" dirty="0" smtClean="0">
+              <a:rPr kumimoji="0" lang="en-US" altLang="en-US" sz="2000" b="0" i="0" u="none" strike="noStrike" cap="none" normalizeH="0" baseline="0" dirty="0">
                 <a:ln>
                   <a:noFill/>
                 </a:ln>
@@ -5479,7 +9482,7 @@
               <a:t> 4.0 International License</a:t>
             </a:r>
             <a:r>
-              <a:rPr kumimoji="0" lang="en-US" altLang="en-US" sz="2000" b="0" i="0" u="none" strike="noStrike" cap="none" normalizeH="0" baseline="0" dirty="0" smtClean="0">
+              <a:rPr kumimoji="0" lang="en-US" altLang="en-US" sz="2000" b="0" i="0" u="none" strike="noStrike" cap="none" normalizeH="0" baseline="0" dirty="0">
                 <a:ln>
                   <a:noFill/>
                 </a:ln>
@@ -5492,7 +9495,7 @@
               <a:t>.</a:t>
             </a:r>
             <a:r>
-              <a:rPr kumimoji="0" lang="en-US" altLang="en-US" sz="1600" b="0" i="0" u="none" strike="noStrike" cap="none" normalizeH="0" baseline="0" dirty="0" smtClean="0">
+              <a:rPr kumimoji="0" lang="en-US" altLang="en-US" sz="1600" b="0" i="0" u="none" strike="noStrike" cap="none" normalizeH="0" baseline="0" dirty="0">
                 <a:ln>
                   <a:noFill/>
                 </a:ln>
@@ -5503,7 +9506,7 @@
               </a:rPr>
               <a:t> </a:t>
             </a:r>
-            <a:endParaRPr kumimoji="0" lang="en-US" altLang="en-US" sz="2000" b="0" i="0" u="none" strike="noStrike" cap="none" normalizeH="0" baseline="0" dirty="0" smtClean="0">
+            <a:endParaRPr kumimoji="0" lang="en-US" altLang="en-US" sz="2000" b="0" i="0" u="none" strike="noStrike" cap="none" normalizeH="0" baseline="0" dirty="0">
               <a:ln>
                 <a:noFill/>
               </a:ln>
@@ -5513,6 +9516,29 @@
               <a:effectLst/>
               <a:latin typeface="Helvetica Neue"/>
             </a:endParaRPr>
+          </a:p>
+        </p:txBody>
+      </p:sp>
+      <p:sp>
+        <p:nvSpPr>
+          <p:cNvPr id="6" name="Slide Number Placeholder 5"/>
+          <p:cNvSpPr>
+            <a:spLocks noGrp="1"/>
+          </p:cNvSpPr>
+          <p:nvPr>
+            <p:ph type="sldNum" sz="quarter" idx="12"/>
+          </p:nvPr>
+        </p:nvSpPr>
+        <p:spPr/>
+        <p:txBody>
+          <a:bodyPr/>
+          <a:lstStyle/>
+          <a:p>
+            <a:fld id="{4382A7F7-08BF-4252-8141-63FB96055BBB}" type="slidenum">
+              <a:rPr lang="en-US" smtClean="0"/>
+              <a:t>12</a:t>
+            </a:fld>
+            <a:endParaRPr lang="en-US"/>
           </a:p>
         </p:txBody>
       </p:sp>
@@ -5562,7 +9588,7 @@
           <a:lstStyle/>
           <a:p>
             <a:r>
-              <a:rPr lang="en-US" smtClean="0"/>
+              <a:rPr lang="en-US"/>
               <a:t>Lesson Objectives</a:t>
             </a:r>
             <a:endParaRPr lang="en-US" dirty="0"/>
@@ -5589,8 +9615,8 @@
               <a:buAutoNum type="arabicPeriod"/>
             </a:pPr>
             <a:r>
-              <a:rPr lang="en-US" dirty="0" smtClean="0"/>
-              <a:t>Learn how to make your robot more reliable in First Lego League</a:t>
+              <a:rPr lang="en-US" dirty="0"/>
+              <a:t>Learn how to make your robot more reliable</a:t>
             </a:r>
           </a:p>
           <a:p>
@@ -5599,7 +9625,7 @@
               <a:buAutoNum type="arabicPeriod"/>
             </a:pPr>
             <a:r>
-              <a:rPr lang="en-US" dirty="0" smtClean="0"/>
+              <a:rPr lang="en-US" dirty="0"/>
               <a:t>Learn about common problems you might face</a:t>
             </a:r>
           </a:p>
@@ -5609,11 +9635,33 @@
               <a:buAutoNum type="arabicPeriod"/>
             </a:pPr>
             <a:r>
-              <a:rPr lang="en-US" dirty="0" smtClean="0"/>
+              <a:rPr lang="en-US" dirty="0"/>
               <a:t>Learn some possible solutions</a:t>
             </a:r>
+          </a:p>
+          <a:p>
+            <a:pPr marL="457200" indent="-457200">
+              <a:buFont typeface="+mj-lt"/>
+              <a:buAutoNum type="arabicPeriod"/>
+            </a:pPr>
             <a:endParaRPr lang="en-US" dirty="0"/>
           </a:p>
+          <a:p>
+            <a:pPr marL="457200" indent="-457200">
+              <a:buFont typeface="+mj-lt"/>
+              <a:buAutoNum type="arabicPeriod"/>
+            </a:pPr>
+            <a:endParaRPr lang="en-US" dirty="0"/>
+          </a:p>
+          <a:p>
+            <a:pPr marL="0" indent="0">
+              <a:buNone/>
+            </a:pPr>
+            <a:r>
+              <a:rPr lang="en-US" dirty="0"/>
+              <a:t>Note: This lesson focuses on reliability issues faced by FIRST LEGO League teams. Many concepts are applicable to non-competition situations, but the terminology in the lesson and the main focus is for competition robots.</a:t>
+            </a:r>
+          </a:p>
         </p:txBody>
       </p:sp>
       <p:sp>
@@ -5632,9 +9680,31 @@
           <a:lstStyle/>
           <a:p>
             <a:r>
+              <a:rPr lang="en-US"/>
+              <a:t>© 2016 EV3Lessons.com, Last edit 7/06/2016</a:t>
+            </a:r>
+          </a:p>
+        </p:txBody>
+      </p:sp>
+      <p:sp>
+        <p:nvSpPr>
+          <p:cNvPr id="5" name="Slide Number Placeholder 4"/>
+          <p:cNvSpPr>
+            <a:spLocks noGrp="1"/>
+          </p:cNvSpPr>
+          <p:nvPr>
+            <p:ph type="sldNum" sz="quarter" idx="12"/>
+          </p:nvPr>
+        </p:nvSpPr>
+        <p:spPr/>
+        <p:txBody>
+          <a:bodyPr/>
+          <a:lstStyle/>
+          <a:p>
+            <a:fld id="{4382A7F7-08BF-4252-8141-63FB96055BBB}" type="slidenum">
               <a:rPr lang="en-US" smtClean="0"/>
-              <a:t>© 2015, EV3Lessons.com, (last edit 4/5/2015)</a:t>
-            </a:r>
+              <a:t>2</a:t>
+            </a:fld>
             <a:endParaRPr lang="en-US"/>
           </a:p>
         </p:txBody>
@@ -5685,7 +9755,7 @@
           <a:lstStyle/>
           <a:p>
             <a:r>
-              <a:rPr lang="en-US" smtClean="0"/>
+              <a:rPr lang="en-US"/>
               <a:t>Sources of Problems</a:t>
             </a:r>
             <a:endParaRPr lang="en-US" dirty="0"/>
@@ -5702,7 +9772,7 @@
             <p:ph idx="1"/>
             <p:extLst>
               <p:ext uri="{D42A27DB-BD31-4B8C-83A1-F6EECF244321}">
-                <p14:modId xmlns:p14="http://schemas.microsoft.com/office/powerpoint/2010/main" val="477234409"/>
+                <p14:modId xmlns:p14="http://schemas.microsoft.com/office/powerpoint/2010/main" val="3390963493"/>
               </p:ext>
             </p:extLst>
           </p:nvPr>
@@ -5718,8 +9788,20 @@
                 <a:tableStyleId>{5C22544A-7EE6-4342-B048-85BDC9FD1C3A}</a:tableStyleId>
               </a:tblPr>
               <a:tblGrid>
-                <a:gridCol w="4095524"/>
-                <a:gridCol w="4095524"/>
+                <a:gridCol w="4095524">
+                  <a:extLst>
+                    <a:ext uri="{9D8B030D-6E8A-4147-A177-3AD203B41FA5}">
+                      <a16:colId xmlns:a16="http://schemas.microsoft.com/office/drawing/2014/main" val="20000"/>
+                    </a:ext>
+                  </a:extLst>
+                </a:gridCol>
+                <a:gridCol w="4095524">
+                  <a:extLst>
+                    <a:ext uri="{9D8B030D-6E8A-4147-A177-3AD203B41FA5}">
+                      <a16:colId xmlns:a16="http://schemas.microsoft.com/office/drawing/2014/main" val="20001"/>
+                    </a:ext>
+                  </a:extLst>
+                </a:gridCol>
               </a:tblGrid>
               <a:tr h="370840">
                 <a:tc>
@@ -5729,10 +9811,9 @@
                     <a:p>
                       <a:pPr algn="ctr"/>
                       <a:r>
-                        <a:rPr lang="en-US" dirty="0" smtClean="0"/>
+                        <a:rPr lang="en-US" dirty="0"/>
                         <a:t>Problem</a:t>
                       </a:r>
-                      <a:endParaRPr lang="en-US" dirty="0"/>
                     </a:p>
                   </a:txBody>
                   <a:tcPr/>
@@ -5744,14 +9825,18 @@
                     <a:p>
                       <a:pPr algn="ctr"/>
                       <a:r>
-                        <a:rPr lang="en-US" dirty="0" smtClean="0"/>
+                        <a:rPr lang="en-US" dirty="0"/>
                         <a:t>Impact</a:t>
                       </a:r>
-                      <a:endParaRPr lang="en-US" dirty="0"/>
                     </a:p>
                   </a:txBody>
                   <a:tcPr/>
                 </a:tc>
+                <a:extLst>
+                  <a:ext uri="{0D108BD9-81ED-4DB2-BD59-A6C34878D82A}">
+                    <a16:rowId xmlns:a16="http://schemas.microsoft.com/office/drawing/2014/main" val="10000"/>
+                  </a:ext>
+                </a:extLst>
               </a:tr>
               <a:tr h="370840">
                 <a:tc>
@@ -5760,12 +9845,28 @@
                     <a:lstStyle/>
                     <a:p>
                       <a:r>
-                        <a:rPr lang="en-US" b="0" dirty="0" smtClean="0">
+                        <a:rPr lang="en-US" b="0" dirty="0">
                           <a:solidFill>
                             <a:schemeClr val="tx1"/>
                           </a:solidFill>
                         </a:rPr>
-                        <a:t>Alignment in base varies from run to run</a:t>
+                        <a:t>Starting</a:t>
+                      </a:r>
+                      <a:r>
+                        <a:rPr lang="en-US" b="0" baseline="0" dirty="0">
+                          <a:solidFill>
+                            <a:schemeClr val="tx1"/>
+                          </a:solidFill>
+                        </a:rPr>
+                        <a:t> alignment</a:t>
+                      </a:r>
+                      <a:r>
+                        <a:rPr lang="en-US" b="0" dirty="0">
+                          <a:solidFill>
+                            <a:schemeClr val="tx1"/>
+                          </a:solidFill>
+                        </a:rPr>
+                        <a:t> varies from run to run</a:t>
                       </a:r>
                     </a:p>
                   </a:txBody>
@@ -5794,18 +9895,23 @@
                         <a:defRPr/>
                       </a:pPr>
                       <a:r>
-                        <a:rPr lang="en-US" dirty="0" smtClean="0"/>
+                        <a:rPr lang="en-US" dirty="0"/>
                         <a:t>Each run is different</a:t>
                       </a:r>
                       <a:r>
-                        <a:rPr lang="en-US" baseline="0" dirty="0" smtClean="0"/>
+                        <a:rPr lang="en-US" baseline="0" dirty="0"/>
                         <a:t> and missions sometimes work. </a:t>
                       </a:r>
-                      <a:endParaRPr lang="en-US" dirty="0" smtClean="0"/>
+                      <a:endParaRPr lang="en-US" dirty="0"/>
                     </a:p>
                   </a:txBody>
                   <a:tcPr/>
                 </a:tc>
+                <a:extLst>
+                  <a:ext uri="{0D108BD9-81ED-4DB2-BD59-A6C34878D82A}">
+                    <a16:rowId xmlns:a16="http://schemas.microsoft.com/office/drawing/2014/main" val="10001"/>
+                  </a:ext>
+                </a:extLst>
               </a:tr>
               <a:tr h="370840">
                 <a:tc>
@@ -5831,7 +9937,7 @@
                         <a:defRPr/>
                       </a:pPr>
                       <a:r>
-                        <a:rPr lang="en-US" b="0" dirty="0" smtClean="0">
+                        <a:rPr lang="en-US" b="0" dirty="0">
                           <a:solidFill>
                             <a:schemeClr val="tx1"/>
                           </a:solidFill>
@@ -5848,11 +9954,11 @@
                     <a:lstStyle/>
                     <a:p>
                       <a:r>
-                        <a:rPr lang="en-US" dirty="0" smtClean="0"/>
+                        <a:rPr lang="en-US" dirty="0"/>
                         <a:t>It is hard</a:t>
                       </a:r>
                       <a:r>
-                        <a:rPr lang="en-US" baseline="0" dirty="0" smtClean="0"/>
+                        <a:rPr lang="en-US" baseline="0" dirty="0"/>
                         <a:t> to predict the robot location exactly.</a:t>
                       </a:r>
                       <a:endParaRPr lang="en-US" dirty="0"/>
@@ -5860,6 +9966,11 @@
                   </a:txBody>
                   <a:tcPr/>
                 </a:tc>
+                <a:extLst>
+                  <a:ext uri="{0D108BD9-81ED-4DB2-BD59-A6C34878D82A}">
+                    <a16:rowId xmlns:a16="http://schemas.microsoft.com/office/drawing/2014/main" val="10002"/>
+                  </a:ext>
+                </a:extLst>
               </a:tr>
               <a:tr h="370840">
                 <a:tc>
@@ -5868,7 +9979,7 @@
                     <a:lstStyle/>
                     <a:p>
                       <a:r>
-                        <a:rPr lang="en-US" b="0" dirty="0" smtClean="0">
+                        <a:rPr lang="en-US" b="0" dirty="0">
                           <a:solidFill>
                             <a:schemeClr val="tx1"/>
                           </a:solidFill>
@@ -5885,11 +9996,11 @@
                     <a:lstStyle/>
                     <a:p>
                       <a:r>
-                        <a:rPr lang="en-US" dirty="0" smtClean="0"/>
+                        <a:rPr lang="en-US" dirty="0"/>
                         <a:t>Long missions tend to fail. It is hard</a:t>
                       </a:r>
                       <a:r>
-                        <a:rPr lang="en-US" baseline="0" dirty="0" smtClean="0"/>
+                        <a:rPr lang="en-US" baseline="0" dirty="0"/>
                         <a:t> to do missions far from base</a:t>
                       </a:r>
                       <a:endParaRPr lang="en-US" dirty="0"/>
@@ -5897,6 +10008,11 @@
                   </a:txBody>
                   <a:tcPr/>
                 </a:tc>
+                <a:extLst>
+                  <a:ext uri="{0D108BD9-81ED-4DB2-BD59-A6C34878D82A}">
+                    <a16:rowId xmlns:a16="http://schemas.microsoft.com/office/drawing/2014/main" val="10003"/>
+                  </a:ext>
+                </a:extLst>
               </a:tr>
               <a:tr h="370840">
                 <a:tc>
@@ -5905,7 +10021,7 @@
                     <a:lstStyle/>
                     <a:p>
                       <a:r>
-                        <a:rPr lang="en-US" b="0" dirty="0" smtClean="0">
+                        <a:rPr lang="en-US" b="0" dirty="0">
                           <a:solidFill>
                             <a:schemeClr val="tx1"/>
                           </a:solidFill>
@@ -5913,14 +10029,14 @@
                         <a:t>Adjusting</a:t>
                       </a:r>
                       <a:r>
-                        <a:rPr lang="en-US" b="0" baseline="0" dirty="0" smtClean="0">
+                        <a:rPr lang="en-US" b="0" baseline="0" dirty="0">
                           <a:solidFill>
                             <a:schemeClr val="tx1"/>
                           </a:solidFill>
                         </a:rPr>
                         <a:t> motors/attachments in base</a:t>
                       </a:r>
-                      <a:endParaRPr lang="en-US" b="0" dirty="0" smtClean="0">
+                      <a:endParaRPr lang="en-US" b="0" dirty="0">
                         <a:solidFill>
                           <a:schemeClr val="tx1"/>
                         </a:solidFill>
@@ -5952,11 +10068,11 @@
                         <a:defRPr/>
                       </a:pPr>
                       <a:r>
-                        <a:rPr lang="en-US" dirty="0" smtClean="0"/>
+                        <a:rPr lang="en-US" dirty="0"/>
                         <a:t>First</a:t>
                       </a:r>
                       <a:r>
-                        <a:rPr lang="en-US" baseline="0" dirty="0" smtClean="0"/>
+                        <a:rPr lang="en-US" baseline="0" dirty="0"/>
                         <a:t> move out of base may behave differently each time.</a:t>
                       </a:r>
                     </a:p>
@@ -5979,14 +10095,19 @@
                         <a:defRPr/>
                       </a:pPr>
                       <a:r>
-                        <a:rPr lang="en-US" baseline="0" dirty="0" smtClean="0"/>
+                        <a:rPr lang="en-US" baseline="0" dirty="0"/>
                         <a:t>Attachments don’t work the same each time</a:t>
                       </a:r>
-                      <a:endParaRPr lang="en-US" dirty="0" smtClean="0"/>
+                      <a:endParaRPr lang="en-US" dirty="0"/>
                     </a:p>
                   </a:txBody>
                   <a:tcPr/>
                 </a:tc>
+                <a:extLst>
+                  <a:ext uri="{0D108BD9-81ED-4DB2-BD59-A6C34878D82A}">
+                    <a16:rowId xmlns:a16="http://schemas.microsoft.com/office/drawing/2014/main" val="10004"/>
+                  </a:ext>
+                </a:extLst>
               </a:tr>
               <a:tr h="370840">
                 <a:tc>
@@ -5995,7 +10116,7 @@
                     <a:lstStyle/>
                     <a:p>
                       <a:r>
-                        <a:rPr lang="en-US" b="0" dirty="0" smtClean="0">
+                        <a:rPr lang="en-US" b="0" dirty="0">
                           <a:solidFill>
                             <a:schemeClr val="tx1"/>
                           </a:solidFill>
@@ -6029,18 +10150,23 @@
                         <a:defRPr/>
                       </a:pPr>
                       <a:r>
-                        <a:rPr lang="en-US" dirty="0" smtClean="0"/>
+                        <a:rPr lang="en-US" dirty="0"/>
                         <a:t>Tweaks that work today fail</a:t>
                       </a:r>
                       <a:r>
-                        <a:rPr lang="en-US" baseline="0" dirty="0" smtClean="0"/>
+                        <a:rPr lang="en-US" baseline="0" dirty="0"/>
                         <a:t> tomorrow</a:t>
                       </a:r>
-                      <a:endParaRPr lang="en-US" dirty="0" smtClean="0"/>
+                      <a:endParaRPr lang="en-US" dirty="0"/>
                     </a:p>
                   </a:txBody>
                   <a:tcPr/>
                 </a:tc>
+                <a:extLst>
+                  <a:ext uri="{0D108BD9-81ED-4DB2-BD59-A6C34878D82A}">
+                    <a16:rowId xmlns:a16="http://schemas.microsoft.com/office/drawing/2014/main" val="10005"/>
+                  </a:ext>
+                </a:extLst>
               </a:tr>
             </a:tbl>
           </a:graphicData>
@@ -6062,9 +10188,31 @@
           <a:lstStyle/>
           <a:p>
             <a:r>
+              <a:rPr lang="en-US"/>
+              <a:t>© 2016 EV3Lessons.com, Last edit 7/06/2016</a:t>
+            </a:r>
+          </a:p>
+        </p:txBody>
+      </p:sp>
+      <p:sp>
+        <p:nvSpPr>
+          <p:cNvPr id="3" name="Slide Number Placeholder 2"/>
+          <p:cNvSpPr>
+            <a:spLocks noGrp="1"/>
+          </p:cNvSpPr>
+          <p:nvPr>
+            <p:ph type="sldNum" sz="quarter" idx="12"/>
+          </p:nvPr>
+        </p:nvSpPr>
+        <p:spPr/>
+        <p:txBody>
+          <a:bodyPr/>
+          <a:lstStyle/>
+          <a:p>
+            <a:fld id="{4382A7F7-08BF-4252-8141-63FB96055BBB}" type="slidenum">
               <a:rPr lang="en-US" smtClean="0"/>
-              <a:t>© 2015, EV3Lessons.com, (last edit 4/5/2015)</a:t>
-            </a:r>
+              <a:t>3</a:t>
+            </a:fld>
             <a:endParaRPr lang="en-US"/>
           </a:p>
         </p:txBody>
@@ -6115,7 +10263,7 @@
           <a:lstStyle/>
           <a:p>
             <a:r>
-              <a:rPr lang="en-US" smtClean="0"/>
+              <a:rPr lang="en-US"/>
               <a:t>Starting Points in Base are Critical</a:t>
             </a:r>
             <a:endParaRPr lang="en-US" dirty="0"/>
@@ -6139,71 +10287,71 @@
           </a:xfrm>
         </p:spPr>
         <p:txBody>
+          <a:bodyPr>
+            <a:normAutofit/>
+          </a:bodyPr>
+          <a:lstStyle/>
+          <a:p>
+            <a:r>
+              <a:rPr lang="en-US" dirty="0"/>
+              <a:t>In FIRST LEGO League, teams need to figure out where to start in base</a:t>
+            </a:r>
+          </a:p>
+          <a:p>
+            <a:pPr lvl="1"/>
+            <a:r>
+              <a:rPr lang="en-US" dirty="0"/>
+              <a:t>Jigs: a LEGO ruler/wall that your robot can align against them in base</a:t>
+            </a:r>
+          </a:p>
+          <a:p>
+            <a:pPr lvl="1"/>
+            <a:r>
+              <a:rPr lang="en-US" dirty="0"/>
+              <a:t>Same start each time: pick one spot and start there no matter what the mission for easy starts</a:t>
+            </a:r>
+          </a:p>
+          <a:p>
+            <a:pPr lvl="1"/>
+            <a:r>
+              <a:rPr lang="en-US" dirty="0"/>
+              <a:t>Inch marks: Use the inch marks to pick a starting spot for each run</a:t>
+            </a:r>
+          </a:p>
+          <a:p>
+            <a:pPr lvl="1"/>
+            <a:r>
+              <a:rPr lang="en-US" dirty="0"/>
+              <a:t>Words: Base has words. If you aren’t near an inch mark, pick a word or letter to start on.	</a:t>
+            </a:r>
+          </a:p>
+          <a:p>
+            <a:r>
+              <a:rPr lang="en-US" dirty="0"/>
+              <a:t>Even better, try to find a way to align the robot using other techniques (see next page)</a:t>
+            </a:r>
+          </a:p>
+        </p:txBody>
+      </p:sp>
+      <p:sp>
+        <p:nvSpPr>
+          <p:cNvPr id="4" name="Footer Placeholder 3"/>
+          <p:cNvSpPr>
+            <a:spLocks noGrp="1"/>
+          </p:cNvSpPr>
+          <p:nvPr>
+            <p:ph type="ftr" sz="quarter" idx="11"/>
+          </p:nvPr>
+        </p:nvSpPr>
+        <p:spPr/>
+        <p:txBody>
           <a:bodyPr/>
           <a:lstStyle/>
           <a:p>
             <a:r>
-              <a:rPr lang="en-US" dirty="0" smtClean="0"/>
-              <a:t>FLL teams need to figure out where to start in base</a:t>
-            </a:r>
-          </a:p>
-          <a:p>
-            <a:pPr lvl="1"/>
-            <a:r>
-              <a:rPr lang="en-US" dirty="0" smtClean="0"/>
-              <a:t>Jigs: a LEGO ruler/wall that your robot can align against them in base</a:t>
-            </a:r>
-          </a:p>
-          <a:p>
-            <a:pPr lvl="1"/>
-            <a:r>
-              <a:rPr lang="en-US" dirty="0" smtClean="0"/>
-              <a:t>Same start each time: pick one spot and start there no matter what the mission for easy starts</a:t>
-            </a:r>
-          </a:p>
-          <a:p>
-            <a:pPr lvl="1"/>
-            <a:r>
-              <a:rPr lang="en-US" dirty="0" smtClean="0"/>
-              <a:t>Inch marks: Use the inch marks to pick a starting spot for each run</a:t>
-            </a:r>
-          </a:p>
-          <a:p>
-            <a:pPr lvl="1"/>
-            <a:r>
-              <a:rPr lang="en-US" dirty="0" smtClean="0"/>
-              <a:t>Words: Base has words. If you aren’t near an inch mark, pick a word or letter to start on.	</a:t>
-            </a:r>
-          </a:p>
-          <a:p>
-            <a:r>
-              <a:rPr lang="en-US" dirty="0" smtClean="0"/>
-              <a:t>Even better, try to find a way to align the robot using other techniques (see next page)</a:t>
-            </a:r>
-            <a:endParaRPr lang="en-US" dirty="0" smtClean="0"/>
-          </a:p>
-        </p:txBody>
-      </p:sp>
-      <p:sp>
-        <p:nvSpPr>
-          <p:cNvPr id="4" name="Footer Placeholder 3"/>
-          <p:cNvSpPr>
-            <a:spLocks noGrp="1"/>
-          </p:cNvSpPr>
-          <p:nvPr>
-            <p:ph type="ftr" sz="quarter" idx="11"/>
-          </p:nvPr>
-        </p:nvSpPr>
-        <p:spPr/>
-        <p:txBody>
-          <a:bodyPr/>
-          <a:lstStyle/>
-          <a:p>
-            <a:r>
-              <a:rPr lang="en-US" smtClean="0"/>
-              <a:t>© 2015, EV3Lessons.com, (last edit 4/5/2015)</a:t>
-            </a:r>
-            <a:endParaRPr lang="en-US"/>
+              <a:rPr lang="en-US"/>
+              <a:t>© 2016 EV3Lessons.com, Last edit 7/06/2016</a:t>
+            </a:r>
           </a:p>
         </p:txBody>
       </p:sp>
@@ -6461,10 +10609,9 @@
             <a:p>
               <a:pPr algn="ctr"/>
               <a:r>
-                <a:rPr lang="en-US" sz="1200" dirty="0" smtClean="0"/>
+                <a:rPr lang="en-US" sz="1200" dirty="0"/>
                 <a:t>Use a jig</a:t>
               </a:r>
-              <a:endParaRPr lang="en-US" sz="1200" dirty="0"/>
             </a:p>
           </p:txBody>
         </p:sp>
@@ -6774,10 +10921,9 @@
           <a:p>
             <a:pPr algn="ctr"/>
             <a:r>
-              <a:rPr lang="en-US" sz="1200" dirty="0" smtClean="0"/>
+              <a:rPr lang="en-US" sz="1200" dirty="0"/>
               <a:t>Use marks</a:t>
             </a:r>
-            <a:endParaRPr lang="en-US" sz="1200" dirty="0"/>
           </a:p>
         </p:txBody>
       </p:sp>
@@ -7157,6 +11303,29 @@
           </a:fontRef>
         </p:style>
       </p:cxnSp>
+      <p:sp>
+        <p:nvSpPr>
+          <p:cNvPr id="5" name="Slide Number Placeholder 4"/>
+          <p:cNvSpPr>
+            <a:spLocks noGrp="1"/>
+          </p:cNvSpPr>
+          <p:nvPr>
+            <p:ph type="sldNum" sz="quarter" idx="12"/>
+          </p:nvPr>
+        </p:nvSpPr>
+        <p:spPr/>
+        <p:txBody>
+          <a:bodyPr/>
+          <a:lstStyle/>
+          <a:p>
+            <a:fld id="{4382A7F7-08BF-4252-8141-63FB96055BBB}" type="slidenum">
+              <a:rPr lang="en-US" smtClean="0"/>
+              <a:t>4</a:t>
+            </a:fld>
+            <a:endParaRPr lang="en-US"/>
+          </a:p>
+        </p:txBody>
+      </p:sp>
     </p:spTree>
     <p:extLst>
       <p:ext uri="{BB962C8B-B14F-4D97-AF65-F5344CB8AC3E}">
@@ -7167,13 +11336,6 @@
   <p:clrMapOvr>
     <a:masterClrMapping/>
   </p:clrMapOvr>
-  <p:timing>
-    <p:tnLst>
-      <p:par>
-        <p:cTn id="1" dur="indefinite" restart="never" nodeType="tmRoot"/>
-      </p:par>
-    </p:tnLst>
-  </p:timing>
 </p:sld>
 </file>
 
@@ -7212,21 +11374,51 @@
           <a:lstStyle/>
           <a:p>
             <a:r>
-              <a:rPr lang="en-US" dirty="0" smtClean="0"/>
+              <a:rPr lang="en-US" dirty="0"/>
               <a:t>Errors Accumulate Over Time</a:t>
             </a:r>
+          </a:p>
+        </p:txBody>
+      </p:sp>
+      <p:sp>
+        <p:nvSpPr>
+          <p:cNvPr id="3" name="Content Placeholder 2"/>
+          <p:cNvSpPr>
+            <a:spLocks noGrp="1"/>
+          </p:cNvSpPr>
+          <p:nvPr>
+            <p:ph idx="1"/>
+          </p:nvPr>
+        </p:nvSpPr>
+        <p:spPr/>
+        <p:txBody>
+          <a:bodyPr/>
+          <a:lstStyle/>
+          <a:p>
+            <a:r>
+              <a:rPr lang="en-US"/>
+              <a:t>By the time you get to the far side of the table, you are no longer in the right position</a:t>
+            </a:r>
+          </a:p>
+          <a:p>
+            <a:r>
+              <a:rPr lang="en-US"/>
+              <a:t>Solution: Repeat alignment techniques multiple times in a run for better reliability (see next slide)</a:t>
+            </a:r>
+          </a:p>
+          <a:p>
             <a:endParaRPr lang="en-US" dirty="0"/>
           </a:p>
         </p:txBody>
       </p:sp>
       <p:sp>
         <p:nvSpPr>
-          <p:cNvPr id="3" name="Content Placeholder 2"/>
-          <p:cNvSpPr>
-            <a:spLocks noGrp="1"/>
-          </p:cNvSpPr>
-          <p:nvPr>
-            <p:ph idx="1"/>
+          <p:cNvPr id="4" name="Footer Placeholder 3"/>
+          <p:cNvSpPr>
+            <a:spLocks noGrp="1"/>
+          </p:cNvSpPr>
+          <p:nvPr>
+            <p:ph type="ftr" sz="quarter" idx="11"/>
           </p:nvPr>
         </p:nvSpPr>
         <p:spPr/>
@@ -7235,41 +11427,9 @@
           <a:lstStyle/>
           <a:p>
             <a:r>
-              <a:rPr lang="en-US" smtClean="0"/>
-              <a:t>By the time you get to the far side of the table, you are no longer in the right position</a:t>
-            </a:r>
-          </a:p>
-          <a:p>
-            <a:r>
-              <a:rPr lang="en-US" smtClean="0"/>
-              <a:t>Solution: Repeat alignment techniques multiple times in a run for better reliability (see next slide)</a:t>
-            </a:r>
-          </a:p>
-          <a:p>
-            <a:endParaRPr lang="en-US" dirty="0"/>
-          </a:p>
-        </p:txBody>
-      </p:sp>
-      <p:sp>
-        <p:nvSpPr>
-          <p:cNvPr id="4" name="Footer Placeholder 3"/>
-          <p:cNvSpPr>
-            <a:spLocks noGrp="1"/>
-          </p:cNvSpPr>
-          <p:nvPr>
-            <p:ph type="ftr" sz="quarter" idx="11"/>
-          </p:nvPr>
-        </p:nvSpPr>
-        <p:spPr/>
-        <p:txBody>
-          <a:bodyPr/>
-          <a:lstStyle/>
-          <a:p>
-            <a:r>
-              <a:rPr lang="en-US" smtClean="0"/>
-              <a:t>© 2015, EV3Lessons.com, (last edit 4/5/2015)</a:t>
-            </a:r>
-            <a:endParaRPr lang="en-US"/>
+              <a:rPr lang="en-US"/>
+              <a:t>© 2016 EV3Lessons.com, Last edit 7/06/2016</a:t>
+            </a:r>
           </a:p>
         </p:txBody>
       </p:sp>
@@ -7474,10 +11634,9 @@
           <a:p>
             <a:pPr algn="ctr"/>
             <a:r>
-              <a:rPr lang="en-US" dirty="0" smtClean="0"/>
+              <a:rPr lang="en-US" dirty="0"/>
               <a:t>Mission Model 1</a:t>
             </a:r>
-            <a:endParaRPr lang="en-US" dirty="0"/>
           </a:p>
         </p:txBody>
       </p:sp>
@@ -7682,10 +11841,32 @@
           <a:p>
             <a:pPr algn="ctr"/>
             <a:r>
-              <a:rPr lang="en-US" dirty="0" smtClean="0"/>
+              <a:rPr lang="en-US" dirty="0"/>
               <a:t>Mission Model 2</a:t>
             </a:r>
-            <a:endParaRPr lang="en-US" dirty="0"/>
+          </a:p>
+        </p:txBody>
+      </p:sp>
+      <p:sp>
+        <p:nvSpPr>
+          <p:cNvPr id="9" name="Slide Number Placeholder 8"/>
+          <p:cNvSpPr>
+            <a:spLocks noGrp="1"/>
+          </p:cNvSpPr>
+          <p:nvPr>
+            <p:ph type="sldNum" sz="quarter" idx="12"/>
+          </p:nvPr>
+        </p:nvSpPr>
+        <p:spPr/>
+        <p:txBody>
+          <a:bodyPr/>
+          <a:lstStyle/>
+          <a:p>
+            <a:fld id="{4382A7F7-08BF-4252-8141-63FB96055BBB}" type="slidenum">
+              <a:rPr lang="en-US" smtClean="0"/>
+              <a:t>5</a:t>
+            </a:fld>
+            <a:endParaRPr lang="en-US"/>
           </a:p>
         </p:txBody>
       </p:sp>
@@ -7699,13 +11880,6 @@
   <p:clrMapOvr>
     <a:masterClrMapping/>
   </p:clrMapOvr>
-  <p:timing>
-    <p:tnLst>
-      <p:par>
-        <p:cTn id="1" dur="indefinite" restart="never" nodeType="tmRoot"/>
-      </p:par>
-    </p:tnLst>
-  </p:timing>
 </p:sld>
 </file>
 
@@ -7742,10 +11916,9 @@
           <a:lstStyle/>
           <a:p>
             <a:r>
-              <a:rPr lang="en-US" dirty="0" smtClean="0"/>
+              <a:rPr lang="en-US" dirty="0"/>
               <a:t>Where Are You on the FLL table?</a:t>
             </a:r>
-            <a:endParaRPr lang="en-US" dirty="0"/>
           </a:p>
         </p:txBody>
       </p:sp>
@@ -7770,43 +11943,43 @@
           <a:lstStyle/>
           <a:p>
             <a:r>
-              <a:rPr lang="en-US" smtClean="0"/>
+              <a:rPr lang="en-US"/>
               <a:t>Consider these alignment strategies that are commonly used:</a:t>
             </a:r>
           </a:p>
           <a:p>
             <a:pPr lvl="1"/>
             <a:r>
-              <a:rPr lang="en-US" dirty="0" smtClean="0"/>
+              <a:rPr lang="en-US" dirty="0"/>
               <a:t>Align on walls – deliberately back into a wall to straighten out (note: You may stall doing this. See the Advanced: Stall Detection Lesson)</a:t>
             </a:r>
           </a:p>
           <a:p>
             <a:pPr lvl="1"/>
             <a:r>
-              <a:rPr lang="en-US" dirty="0" smtClean="0"/>
+              <a:rPr lang="en-US" dirty="0"/>
               <a:t>Square/Align on lines –If you are moving angled, you can straighten out whenever you see a line. (See Advanced: Squaring Lesson)</a:t>
             </a:r>
           </a:p>
           <a:p>
             <a:pPr lvl="1"/>
             <a:r>
-              <a:rPr lang="en-US" dirty="0" smtClean="0"/>
+              <a:rPr lang="en-US" dirty="0"/>
               <a:t>Move until a line – travel until you find a line so you know where you are on the mat (See Beginner: Color Sensor)</a:t>
             </a:r>
           </a:p>
           <a:p>
             <a:pPr lvl="1"/>
             <a:r>
-              <a:rPr lang="en-US" dirty="0" smtClean="0"/>
+              <a:rPr lang="en-US" dirty="0"/>
               <a:t>Align on a mission model – Mission models that are stuck in one place can be used to align against</a:t>
             </a:r>
           </a:p>
           <a:p>
-            <a:endParaRPr lang="en-US" dirty="0" smtClean="0"/>
-          </a:p>
-          <a:p>
-            <a:endParaRPr lang="en-US" dirty="0" smtClean="0"/>
+            <a:endParaRPr lang="en-US" dirty="0"/>
+          </a:p>
+          <a:p>
+            <a:endParaRPr lang="en-US" dirty="0"/>
           </a:p>
         </p:txBody>
       </p:sp>
@@ -7826,8 +11999,8 @@
           <a:lstStyle/>
           <a:p>
             <a:r>
-              <a:rPr lang="en-US" smtClean="0"/>
-              <a:t>© 2015, EV3Lessons.com, (last edit 4/5/2015)</a:t>
+              <a:rPr lang="en-US"/>
+              <a:t>© 2016 EV3Lessons.com, Last edit 7/06/2016</a:t>
             </a:r>
             <a:endParaRPr lang="en-US" dirty="0"/>
           </a:p>
@@ -7906,10 +12079,9 @@
           <a:p>
             <a:pPr algn="ctr"/>
             <a:r>
-              <a:rPr lang="en-US" dirty="0" smtClean="0"/>
+              <a:rPr lang="en-US" dirty="0"/>
               <a:t>Mission Model</a:t>
             </a:r>
-            <a:endParaRPr lang="en-US" dirty="0"/>
           </a:p>
         </p:txBody>
       </p:sp>
@@ -8406,10 +12578,9 @@
           <a:p>
             <a:pPr algn="ctr"/>
             <a:r>
-              <a:rPr lang="en-US" sz="1200" dirty="0" smtClean="0"/>
+              <a:rPr lang="en-US" sz="1200" dirty="0"/>
               <a:t>Back into walls</a:t>
             </a:r>
-            <a:endParaRPr lang="en-US" sz="1200" dirty="0"/>
           </a:p>
         </p:txBody>
       </p:sp>
@@ -8437,10 +12608,9 @@
           <a:p>
             <a:pPr algn="ctr"/>
             <a:r>
-              <a:rPr lang="en-US" sz="1200" dirty="0" smtClean="0"/>
+              <a:rPr lang="en-US" sz="1200" dirty="0"/>
               <a:t>Square on a line</a:t>
             </a:r>
-            <a:endParaRPr lang="en-US" sz="1200" dirty="0"/>
           </a:p>
         </p:txBody>
       </p:sp>
@@ -8468,10 +12638,9 @@
           <a:p>
             <a:pPr algn="ctr"/>
             <a:r>
-              <a:rPr lang="en-US" sz="1200" dirty="0" smtClean="0"/>
+              <a:rPr lang="en-US" sz="1200" dirty="0"/>
               <a:t>Align on a mission model</a:t>
             </a:r>
-            <a:endParaRPr lang="en-US" sz="1200" dirty="0"/>
           </a:p>
         </p:txBody>
       </p:sp>
@@ -8505,6 +12674,29 @@
           </a:fontRef>
         </p:style>
       </p:cxnSp>
+      <p:sp>
+        <p:nvSpPr>
+          <p:cNvPr id="5" name="Slide Number Placeholder 4"/>
+          <p:cNvSpPr>
+            <a:spLocks noGrp="1"/>
+          </p:cNvSpPr>
+          <p:nvPr>
+            <p:ph type="sldNum" sz="quarter" idx="12"/>
+          </p:nvPr>
+        </p:nvSpPr>
+        <p:spPr/>
+        <p:txBody>
+          <a:bodyPr/>
+          <a:lstStyle/>
+          <a:p>
+            <a:fld id="{4382A7F7-08BF-4252-8141-63FB96055BBB}" type="slidenum">
+              <a:rPr lang="en-US" smtClean="0"/>
+              <a:t>6</a:t>
+            </a:fld>
+            <a:endParaRPr lang="en-US"/>
+          </a:p>
+        </p:txBody>
+      </p:sp>
     </p:spTree>
     <p:extLst>
       <p:ext uri="{BB962C8B-B14F-4D97-AF65-F5344CB8AC3E}">
@@ -8515,13 +12707,6 @@
   <p:clrMapOvr>
     <a:masterClrMapping/>
   </p:clrMapOvr>
-  <p:timing>
-    <p:tnLst>
-      <p:par>
-        <p:cTn id="1" dur="indefinite" restart="never" nodeType="tmRoot"/>
-      </p:par>
-    </p:tnLst>
-  </p:timing>
 </p:sld>
 </file>
 
@@ -8558,93 +12743,115 @@
           <a:lstStyle/>
           <a:p>
             <a:r>
+              <a:rPr lang="en-US"/>
+              <a:t>Adjusting Attachments in Base</a:t>
+            </a:r>
+            <a:endParaRPr lang="en-US" dirty="0"/>
+          </a:p>
+        </p:txBody>
+      </p:sp>
+      <p:sp>
+        <p:nvSpPr>
+          <p:cNvPr id="3" name="Content Placeholder 2"/>
+          <p:cNvSpPr>
+            <a:spLocks noGrp="1"/>
+          </p:cNvSpPr>
+          <p:nvPr>
+            <p:ph idx="1"/>
+          </p:nvPr>
+        </p:nvSpPr>
+        <p:spPr/>
+        <p:txBody>
+          <a:bodyPr/>
+          <a:lstStyle/>
+          <a:p>
+            <a:r>
+              <a:rPr lang="en-US"/>
+              <a:t>Just like the robot body, you need to set up your attachments in the same way each time for improving reliability</a:t>
+            </a:r>
+          </a:p>
+          <a:p>
+            <a:pPr lvl="1"/>
+            <a:r>
+              <a:rPr lang="en-US"/>
+              <a:t>Jigs that allow the attachment arm to only move to a certain level to make sure the arm is set the same way each time</a:t>
+            </a:r>
+          </a:p>
+          <a:p>
+            <a:pPr lvl="2"/>
+            <a:r>
+              <a:rPr lang="en-US"/>
+              <a:t>In Senior Solutions, we used a jig to make sure the arm that picked up the pill box always started at the right level</a:t>
+            </a:r>
+          </a:p>
+          <a:p>
+            <a:pPr lvl="1"/>
+            <a:r>
+              <a:rPr lang="en-US"/>
+              <a:t>Indicators on the robot (e.g. bright peg) might help you remember where to reset the arm to</a:t>
+            </a:r>
+          </a:p>
+          <a:p>
+            <a:pPr lvl="2"/>
+            <a:r>
+              <a:rPr lang="en-US"/>
+              <a:t>In Food Factor, we had a red peg in a hole to remember how far back to move the arm</a:t>
+            </a:r>
+          </a:p>
+          <a:p>
+            <a:pPr lvl="1"/>
+            <a:r>
+              <a:rPr lang="en-US"/>
+              <a:t>You can use a touch sensor to detect the position of an attachment at the start of a run</a:t>
+            </a:r>
+          </a:p>
+          <a:p>
+            <a:pPr lvl="1"/>
+            <a:endParaRPr lang="en-US" dirty="0"/>
+          </a:p>
+        </p:txBody>
+      </p:sp>
+      <p:sp>
+        <p:nvSpPr>
+          <p:cNvPr id="4" name="Footer Placeholder 3"/>
+          <p:cNvSpPr>
+            <a:spLocks noGrp="1"/>
+          </p:cNvSpPr>
+          <p:nvPr>
+            <p:ph type="ftr" sz="quarter" idx="11"/>
+          </p:nvPr>
+        </p:nvSpPr>
+        <p:spPr/>
+        <p:txBody>
+          <a:bodyPr/>
+          <a:lstStyle/>
+          <a:p>
+            <a:r>
+              <a:rPr lang="en-US"/>
+              <a:t>© 2016 EV3Lessons.com, Last edit 7/06/2016</a:t>
+            </a:r>
+          </a:p>
+        </p:txBody>
+      </p:sp>
+      <p:sp>
+        <p:nvSpPr>
+          <p:cNvPr id="5" name="Slide Number Placeholder 4"/>
+          <p:cNvSpPr>
+            <a:spLocks noGrp="1"/>
+          </p:cNvSpPr>
+          <p:nvPr>
+            <p:ph type="sldNum" sz="quarter" idx="12"/>
+          </p:nvPr>
+        </p:nvSpPr>
+        <p:spPr/>
+        <p:txBody>
+          <a:bodyPr/>
+          <a:lstStyle/>
+          <a:p>
+            <a:fld id="{4382A7F7-08BF-4252-8141-63FB96055BBB}" type="slidenum">
               <a:rPr lang="en-US" smtClean="0"/>
-              <a:t>Adjusting Attachments in Base</a:t>
-            </a:r>
-            <a:endParaRPr lang="en-US" dirty="0"/>
-          </a:p>
-        </p:txBody>
-      </p:sp>
-      <p:sp>
-        <p:nvSpPr>
-          <p:cNvPr id="3" name="Content Placeholder 2"/>
-          <p:cNvSpPr>
-            <a:spLocks noGrp="1"/>
-          </p:cNvSpPr>
-          <p:nvPr>
-            <p:ph idx="1"/>
-          </p:nvPr>
-        </p:nvSpPr>
-        <p:spPr/>
-        <p:txBody>
-          <a:bodyPr/>
-          <a:lstStyle/>
-          <a:p>
-            <a:r>
-              <a:rPr lang="en-US" smtClean="0"/>
-              <a:t>Just like the robot body, you need to set up your attachments in the same way each time for improving reliability</a:t>
-            </a:r>
-          </a:p>
-          <a:p>
-            <a:pPr lvl="1"/>
-            <a:r>
-              <a:rPr lang="en-US" smtClean="0"/>
-              <a:t>Jigs that allow the attachment arm to only move to a certain level to make sure the arm is set the same way each time</a:t>
-            </a:r>
-          </a:p>
-          <a:p>
-            <a:pPr lvl="2"/>
-            <a:r>
-              <a:rPr lang="en-US" smtClean="0"/>
-              <a:t>In Senior Solutions, we used a jig to make sure the arm that picked up the pill box always started at the right level</a:t>
-            </a:r>
-          </a:p>
-          <a:p>
-            <a:pPr lvl="1"/>
-            <a:r>
-              <a:rPr lang="en-US" smtClean="0"/>
-              <a:t>Indicators on the robot (e.g. bright peg) might help you remember where to reset the arm to</a:t>
-            </a:r>
-          </a:p>
-          <a:p>
-            <a:pPr lvl="2"/>
-            <a:r>
-              <a:rPr lang="en-US" smtClean="0"/>
-              <a:t>In Food Factor, we had a red peg in a hole to remember how far back to move the arm</a:t>
-            </a:r>
-          </a:p>
-          <a:p>
-            <a:pPr lvl="1"/>
-            <a:r>
-              <a:rPr lang="en-US" smtClean="0"/>
-              <a:t>You can use a touch sensor to detect the position of an attachment at the start of a run</a:t>
-            </a:r>
-          </a:p>
-          <a:p>
-            <a:pPr lvl="1"/>
-            <a:endParaRPr lang="en-US" dirty="0" smtClean="0"/>
-          </a:p>
-        </p:txBody>
-      </p:sp>
-      <p:sp>
-        <p:nvSpPr>
-          <p:cNvPr id="4" name="Footer Placeholder 3"/>
-          <p:cNvSpPr>
-            <a:spLocks noGrp="1"/>
-          </p:cNvSpPr>
-          <p:nvPr>
-            <p:ph type="ftr" sz="quarter" idx="11"/>
-          </p:nvPr>
-        </p:nvSpPr>
-        <p:spPr/>
-        <p:txBody>
-          <a:bodyPr/>
-          <a:lstStyle/>
-          <a:p>
-            <a:r>
-              <a:rPr lang="en-US" smtClean="0"/>
-              <a:t>© 2015, EV3Lessons.com, (last edit 4/5/2015)</a:t>
-            </a:r>
+              <a:t>7</a:t>
+            </a:fld>
             <a:endParaRPr lang="en-US"/>
           </a:p>
         </p:txBody>
@@ -8659,13 +12866,6 @@
   <p:clrMapOvr>
     <a:masterClrMapping/>
   </p:clrMapOvr>
-  <p:timing>
-    <p:tnLst>
-      <p:par>
-        <p:cTn id="1" dur="indefinite" restart="never" nodeType="tmRoot"/>
-      </p:par>
-    </p:tnLst>
-  </p:timing>
 </p:sld>
 </file>
 
@@ -8702,7 +12902,7 @@
           <a:lstStyle/>
           <a:p>
             <a:r>
-              <a:rPr lang="en-US" smtClean="0"/>
+              <a:rPr lang="en-US"/>
               <a:t>Adjusting Motors in Base</a:t>
             </a:r>
             <a:endParaRPr lang="en-US" dirty="0"/>
@@ -8730,45 +12930,44 @@
           <a:lstStyle/>
           <a:p>
             <a:r>
-              <a:rPr lang="en-US" dirty="0" smtClean="0"/>
+              <a:rPr lang="en-US" dirty="0"/>
               <a:t>Moving attachments or wheels</a:t>
             </a:r>
           </a:p>
           <a:p>
             <a:pPr lvl="1"/>
             <a:r>
-              <a:rPr lang="en-US" dirty="0" smtClean="0"/>
+              <a:rPr lang="en-US" dirty="0"/>
               <a:t>When the program is stopped you can move wheels and attachments easily and it has no impact</a:t>
             </a:r>
           </a:p>
           <a:p>
             <a:pPr lvl="1"/>
             <a:r>
-              <a:rPr lang="en-US" dirty="0" smtClean="0"/>
+              <a:rPr lang="en-US" dirty="0"/>
               <a:t>If a program is running, there are multiple steps</a:t>
             </a:r>
           </a:p>
           <a:p>
             <a:pPr lvl="2"/>
             <a:r>
-              <a:rPr lang="en-US" dirty="0" smtClean="0"/>
+              <a:rPr lang="en-US" dirty="0"/>
               <a:t>You need to put the motors into “coast” mode</a:t>
             </a:r>
           </a:p>
           <a:p>
             <a:pPr lvl="2"/>
             <a:r>
-              <a:rPr lang="en-US" dirty="0" smtClean="0"/>
+              <a:rPr lang="en-US" dirty="0"/>
               <a:t>If you move the motors in coast mode, the motors will move back to the original position on the first move!</a:t>
             </a:r>
           </a:p>
           <a:p>
             <a:pPr lvl="3"/>
             <a:r>
-              <a:rPr lang="en-US" dirty="0" smtClean="0"/>
+              <a:rPr lang="en-US" dirty="0"/>
               <a:t>You need to “reset” the motor after an adjustment and before you start your run</a:t>
             </a:r>
-            <a:endParaRPr lang="en-US" dirty="0" smtClean="0"/>
           </a:p>
         </p:txBody>
       </p:sp>
@@ -8788,10 +12987,9 @@
           <a:lstStyle/>
           <a:p>
             <a:r>
-              <a:rPr lang="en-US" smtClean="0"/>
-              <a:t>© 2015, EV3Lessons.com, (last edit 4/5/2015)</a:t>
-            </a:r>
-            <a:endParaRPr lang="en-US"/>
+              <a:rPr lang="en-US"/>
+              <a:t>© 2016 EV3Lessons.com, Last edit 7/06/2016</a:t>
+            </a:r>
           </a:p>
         </p:txBody>
       </p:sp>
@@ -8848,10 +13046,9 @@
           <a:lstStyle/>
           <a:p>
             <a:r>
-              <a:rPr lang="en-US" sz="1400" dirty="0" smtClean="0"/>
+              <a:rPr lang="en-US" sz="1400" dirty="0"/>
               <a:t>1) Put all the motors you use on coast so you can move the motors by hand to adjust</a:t>
             </a:r>
-            <a:endParaRPr lang="en-US" sz="1400" dirty="0"/>
           </a:p>
         </p:txBody>
       </p:sp>
@@ -8908,10 +13105,9 @@
           <a:lstStyle/>
           <a:p>
             <a:r>
-              <a:rPr lang="en-US" sz="1400" dirty="0" smtClean="0"/>
+              <a:rPr lang="en-US" sz="1400" dirty="0"/>
               <a:t>2) Now you have to “reset” the motors</a:t>
             </a:r>
-            <a:endParaRPr lang="en-US" sz="1400" dirty="0"/>
           </a:p>
         </p:txBody>
       </p:sp>
@@ -8945,6 +13141,29 @@
           </a:fontRef>
         </p:style>
       </p:cxnSp>
+      <p:sp>
+        <p:nvSpPr>
+          <p:cNvPr id="6" name="Slide Number Placeholder 5"/>
+          <p:cNvSpPr>
+            <a:spLocks noGrp="1"/>
+          </p:cNvSpPr>
+          <p:nvPr>
+            <p:ph type="sldNum" sz="quarter" idx="12"/>
+          </p:nvPr>
+        </p:nvSpPr>
+        <p:spPr/>
+        <p:txBody>
+          <a:bodyPr/>
+          <a:lstStyle/>
+          <a:p>
+            <a:fld id="{4382A7F7-08BF-4252-8141-63FB96055BBB}" type="slidenum">
+              <a:rPr lang="en-US" smtClean="0"/>
+              <a:t>8</a:t>
+            </a:fld>
+            <a:endParaRPr lang="en-US"/>
+          </a:p>
+        </p:txBody>
+      </p:sp>
     </p:spTree>
     <p:extLst>
       <p:ext uri="{BB962C8B-B14F-4D97-AF65-F5344CB8AC3E}">
@@ -8955,13 +13174,6 @@
   <p:clrMapOvr>
     <a:masterClrMapping/>
   </p:clrMapOvr>
-  <p:timing>
-    <p:tnLst>
-      <p:par>
-        <p:cTn id="1" dur="indefinite" restart="never" nodeType="tmRoot"/>
-      </p:par>
-    </p:tnLst>
-  </p:timing>
 </p:sld>
 </file>
 
@@ -8998,7 +13210,7 @@
           <a:lstStyle/>
           <a:p>
             <a:r>
-              <a:rPr lang="en-US" smtClean="0"/>
+              <a:rPr lang="en-US"/>
               <a:t>Using Coast</a:t>
             </a:r>
             <a:endParaRPr lang="en-US" dirty="0"/>
@@ -9021,10 +13233,9 @@
           <a:lstStyle/>
           <a:p>
             <a:r>
-              <a:rPr lang="en-US" smtClean="0"/>
-              <a:t>© 2015, EV3Lessons.com, (last edit 4/5/2015)</a:t>
-            </a:r>
-            <a:endParaRPr lang="en-US"/>
+              <a:rPr lang="en-US"/>
+              <a:t>© 2016 EV3Lessons.com, Last edit 7/06/2016</a:t>
+            </a:r>
           </a:p>
         </p:txBody>
       </p:sp>
@@ -9081,10 +13292,32 @@
           <a:lstStyle/>
           <a:p>
             <a:r>
-              <a:rPr lang="en-US" dirty="0" smtClean="0"/>
+              <a:rPr lang="en-US" dirty="0"/>
               <a:t>Doesn’t work well.  Not as reliable!</a:t>
             </a:r>
-            <a:endParaRPr lang="en-US" dirty="0"/>
+          </a:p>
+        </p:txBody>
+      </p:sp>
+      <p:sp>
+        <p:nvSpPr>
+          <p:cNvPr id="5" name="Slide Number Placeholder 4"/>
+          <p:cNvSpPr>
+            <a:spLocks noGrp="1"/>
+          </p:cNvSpPr>
+          <p:nvPr>
+            <p:ph type="sldNum" sz="quarter" idx="12"/>
+          </p:nvPr>
+        </p:nvSpPr>
+        <p:spPr/>
+        <p:txBody>
+          <a:bodyPr/>
+          <a:lstStyle/>
+          <a:p>
+            <a:fld id="{4382A7F7-08BF-4252-8141-63FB96055BBB}" type="slidenum">
+              <a:rPr lang="en-US" smtClean="0"/>
+              <a:t>9</a:t>
+            </a:fld>
+            <a:endParaRPr lang="en-US"/>
           </a:p>
         </p:txBody>
       </p:sp>
@@ -9098,13 +13331,6 @@
   <p:clrMapOvr>
     <a:masterClrMapping/>
   </p:clrMapOvr>
-  <p:timing>
-    <p:tnLst>
-      <p:par>
-        <p:cTn id="1" dur="indefinite" restart="never" nodeType="tmRoot"/>
-      </p:par>
-    </p:tnLst>
-  </p:timing>
 </p:sld>
 </file>
 
@@ -9392,9 +13618,9 @@
 </file>
 
 <file path=ppt/theme/theme2.xml><?xml version="1.0" encoding="utf-8"?>
-<a:theme xmlns:a="http://schemas.openxmlformats.org/drawingml/2006/main" name="Office Theme">
+<a:theme xmlns:a="http://schemas.openxmlformats.org/drawingml/2006/main" name="intermediatev2">
   <a:themeElements>
-    <a:clrScheme name="Office">
+    <a:clrScheme name="Blue II">
       <a:dk1>
         <a:sysClr val="windowText" lastClr="000000"/>
       </a:dk1>
@@ -9402,39 +13628,39 @@
         <a:sysClr val="window" lastClr="FFFFFF"/>
       </a:lt1>
       <a:dk2>
-        <a:srgbClr val="1F497D"/>
+        <a:srgbClr val="335B74"/>
       </a:dk2>
       <a:lt2>
-        <a:srgbClr val="EEECE1"/>
+        <a:srgbClr val="DFE3E5"/>
       </a:lt2>
       <a:accent1>
-        <a:srgbClr val="4F81BD"/>
+        <a:srgbClr val="1CADE4"/>
       </a:accent1>
       <a:accent2>
-        <a:srgbClr val="C0504D"/>
+        <a:srgbClr val="2683C6"/>
       </a:accent2>
       <a:accent3>
-        <a:srgbClr val="9BBB59"/>
+        <a:srgbClr val="27CED7"/>
       </a:accent3>
       <a:accent4>
-        <a:srgbClr val="8064A2"/>
+        <a:srgbClr val="42BA97"/>
       </a:accent4>
       <a:accent5>
-        <a:srgbClr val="4BACC6"/>
+        <a:srgbClr val="3E8853"/>
       </a:accent5>
       <a:accent6>
-        <a:srgbClr val="F79646"/>
+        <a:srgbClr val="62A39F"/>
       </a:accent6>
       <a:hlink>
-        <a:srgbClr val="0000FF"/>
+        <a:srgbClr val="6EAC1C"/>
       </a:hlink>
       <a:folHlink>
-        <a:srgbClr val="800080"/>
+        <a:srgbClr val="B26B02"/>
       </a:folHlink>
     </a:clrScheme>
-    <a:fontScheme name="Office">
+    <a:fontScheme name="Retrospect">
       <a:majorFont>
-        <a:latin typeface="Calibri"/>
+        <a:latin typeface="Calibri Light" panose="020F0302020204030204"/>
         <a:ea typeface=""/>
         <a:cs typeface=""/>
         <a:font script="Jpan" typeface="ＭＳ Ｐゴシック"/>
@@ -9469,7 +13695,7 @@
         <a:font script="Geor" typeface="Sylfaen"/>
       </a:majorFont>
       <a:minorFont>
-        <a:latin typeface="Calibri"/>
+        <a:latin typeface="Calibri" panose="020F0502020204030204"/>
         <a:ea typeface=""/>
         <a:cs typeface=""/>
         <a:font script="Jpan" typeface="ＭＳ Ｐゴシック"/>
@@ -9504,7 +13730,7 @@
         <a:font script="Geor" typeface="Sylfaen"/>
       </a:minorFont>
     </a:fontScheme>
-    <a:fmtScheme name="Office">
+    <a:fmtScheme name="Retrospect">
       <a:fillStyleLst>
         <a:solidFill>
           <a:schemeClr val="phClr"/>
@@ -9513,52 +13739,73 @@
           <a:gsLst>
             <a:gs pos="0">
               <a:schemeClr val="phClr">
-                <a:tint val="50000"/>
-                <a:satMod val="300000"/>
+                <a:tint val="65000"/>
+                <a:shade val="92000"/>
+                <a:satMod val="130000"/>
               </a:schemeClr>
             </a:gs>
-            <a:gs pos="35000">
+            <a:gs pos="45000">
               <a:schemeClr val="phClr">
-                <a:tint val="37000"/>
-                <a:satMod val="300000"/>
+                <a:tint val="60000"/>
+                <a:shade val="99000"/>
+                <a:satMod val="120000"/>
               </a:schemeClr>
             </a:gs>
             <a:gs pos="100000">
               <a:schemeClr val="phClr">
-                <a:tint val="15000"/>
-                <a:satMod val="350000"/>
+                <a:tint val="55000"/>
+                <a:satMod val="140000"/>
               </a:schemeClr>
             </a:gs>
           </a:gsLst>
-          <a:lin ang="16200000" scaled="1"/>
+          <a:path path="circle">
+            <a:fillToRect l="100000" t="100000" r="100000" b="100000"/>
+          </a:path>
         </a:gradFill>
         <a:gradFill rotWithShape="1">
           <a:gsLst>
             <a:gs pos="0">
               <a:schemeClr val="phClr">
+                <a:shade val="85000"/>
+                <a:satMod val="130000"/>
+              </a:schemeClr>
+            </a:gs>
+            <a:gs pos="34000">
+              <a:schemeClr val="phClr">
+                <a:shade val="87000"/>
+                <a:satMod val="125000"/>
+              </a:schemeClr>
+            </a:gs>
+            <a:gs pos="70000">
+              <a:schemeClr val="phClr">
                 <a:tint val="100000"/>
-                <a:shade val="100000"/>
+                <a:shade val="90000"/>
                 <a:satMod val="130000"/>
               </a:schemeClr>
             </a:gs>
             <a:gs pos="100000">
               <a:schemeClr val="phClr">
-                <a:tint val="50000"/>
+                <a:tint val="100000"/>
                 <a:shade val="100000"/>
-                <a:satMod val="350000"/>
+                <a:satMod val="110000"/>
               </a:schemeClr>
             </a:gs>
           </a:gsLst>
-          <a:lin ang="16200000" scaled="0"/>
+          <a:path path="circle">
+            <a:fillToRect l="100000" t="100000" r="100000" b="100000"/>
+          </a:path>
         </a:gradFill>
       </a:fillStyleLst>
       <a:lnStyleLst>
-        <a:ln w="9525" cap="flat" cmpd="sng" algn="ctr">
+        <a:ln w="12700" cap="flat" cmpd="sng" algn="ctr">
           <a:solidFill>
-            <a:schemeClr val="phClr">
-              <a:shade val="95000"/>
-              <a:satMod val="105000"/>
-            </a:schemeClr>
+            <a:schemeClr val="phClr"/>
+          </a:solidFill>
+          <a:prstDash val="solid"/>
+        </a:ln>
+        <a:ln w="15875" cap="flat" cmpd="sng" algn="ctr">
+          <a:solidFill>
+            <a:schemeClr val="phClr"/>
           </a:solidFill>
           <a:prstDash val="solid"/>
         </a:ln>
@@ -9568,37 +13815,25 @@
           </a:solidFill>
           <a:prstDash val="solid"/>
         </a:ln>
-        <a:ln w="38100" cap="flat" cmpd="sng" algn="ctr">
-          <a:solidFill>
-            <a:schemeClr val="phClr"/>
-          </a:solidFill>
-          <a:prstDash val="solid"/>
-        </a:ln>
       </a:lnStyleLst>
       <a:effectStyleLst>
         <a:effectStyle>
+          <a:effectLst/>
+        </a:effectStyle>
+        <a:effectStyle>
           <a:effectLst>
-            <a:outerShdw blurRad="40000" dist="20000" dir="5400000" rotWithShape="0">
+            <a:outerShdw blurRad="38100" dist="25400" dir="2700000" algn="br" rotWithShape="0">
               <a:srgbClr val="000000">
-                <a:alpha val="38000"/>
+                <a:alpha val="60000"/>
               </a:srgbClr>
             </a:outerShdw>
           </a:effectLst>
         </a:effectStyle>
         <a:effectStyle>
           <a:effectLst>
-            <a:outerShdw blurRad="40000" dist="23000" dir="5400000" rotWithShape="0">
+            <a:outerShdw blurRad="44450" dist="25400" dir="2700000" algn="br" rotWithShape="0">
               <a:srgbClr val="000000">
-                <a:alpha val="35000"/>
-              </a:srgbClr>
-            </a:outerShdw>
-          </a:effectLst>
-        </a:effectStyle>
-        <a:effectStyle>
-          <a:effectLst>
-            <a:outerShdw blurRad="40000" dist="23000" dir="5400000" rotWithShape="0">
-              <a:srgbClr val="000000">
-                <a:alpha val="35000"/>
+                <a:alpha val="60000"/>
               </a:srgbClr>
             </a:outerShdw>
           </a:effectLst>
@@ -9607,11 +13842,11 @@
               <a:rot lat="0" lon="0" rev="0"/>
             </a:camera>
             <a:lightRig rig="threePt" dir="t">
-              <a:rot lat="0" lon="0" rev="1200000"/>
+              <a:rot lat="0" lon="0" rev="19800000"/>
             </a:lightRig>
           </a:scene3d>
-          <a:sp3d>
-            <a:bevelT w="63500" h="25400"/>
+          <a:sp3d prstMaterial="flat">
+            <a:bevelT w="25400" h="31750"/>
           </a:sp3d>
         </a:effectStyle>
       </a:effectStyleLst>
@@ -9619,95 +13854,49 @@
         <a:solidFill>
           <a:schemeClr val="phClr"/>
         </a:solidFill>
+        <a:solidFill>
+          <a:schemeClr val="phClr">
+            <a:tint val="90000"/>
+            <a:shade val="97000"/>
+            <a:satMod val="130000"/>
+          </a:schemeClr>
+        </a:solidFill>
         <a:gradFill rotWithShape="1">
           <a:gsLst>
             <a:gs pos="0">
               <a:schemeClr val="phClr">
-                <a:tint val="40000"/>
-                <a:satMod val="350000"/>
+                <a:tint val="96000"/>
+                <a:shade val="99000"/>
+                <a:satMod val="140000"/>
               </a:schemeClr>
             </a:gs>
-            <a:gs pos="40000">
+            <a:gs pos="65000">
               <a:schemeClr val="phClr">
-                <a:tint val="45000"/>
-                <a:shade val="99000"/>
-                <a:satMod val="350000"/>
+                <a:tint val="100000"/>
+                <a:shade val="80000"/>
+                <a:satMod val="130000"/>
               </a:schemeClr>
             </a:gs>
             <a:gs pos="100000">
               <a:schemeClr val="phClr">
-                <a:shade val="20000"/>
-                <a:satMod val="255000"/>
+                <a:tint val="100000"/>
+                <a:shade val="48000"/>
+                <a:satMod val="120000"/>
               </a:schemeClr>
             </a:gs>
           </a:gsLst>
-          <a:path path="circle">
-            <a:fillToRect l="50000" t="-80000" r="50000" b="180000"/>
-          </a:path>
-        </a:gradFill>
-        <a:gradFill rotWithShape="1">
-          <a:gsLst>
-            <a:gs pos="0">
-              <a:schemeClr val="phClr">
-                <a:tint val="80000"/>
-                <a:satMod val="300000"/>
-              </a:schemeClr>
-            </a:gs>
-            <a:gs pos="100000">
-              <a:schemeClr val="phClr">
-                <a:shade val="30000"/>
-                <a:satMod val="200000"/>
-              </a:schemeClr>
-            </a:gs>
-          </a:gsLst>
-          <a:path path="circle">
-            <a:fillToRect l="50000" t="50000" r="50000" b="50000"/>
-          </a:path>
+          <a:lin ang="16200000" scaled="0"/>
         </a:gradFill>
       </a:bgFillStyleLst>
     </a:fmtScheme>
   </a:themeElements>
-  <a:objectDefaults>
-    <a:spDef>
-      <a:spPr/>
-      <a:bodyPr/>
-      <a:lstStyle/>
-      <a:style>
-        <a:lnRef idx="1">
-          <a:schemeClr val="accent1"/>
-        </a:lnRef>
-        <a:fillRef idx="3">
-          <a:schemeClr val="accent1"/>
-        </a:fillRef>
-        <a:effectRef idx="2">
-          <a:schemeClr val="accent1"/>
-        </a:effectRef>
-        <a:fontRef idx="minor">
-          <a:schemeClr val="lt1"/>
-        </a:fontRef>
-      </a:style>
-    </a:spDef>
-    <a:lnDef>
-      <a:spPr/>
-      <a:bodyPr/>
-      <a:lstStyle/>
-      <a:style>
-        <a:lnRef idx="2">
-          <a:schemeClr val="accent1"/>
-        </a:lnRef>
-        <a:fillRef idx="0">
-          <a:schemeClr val="accent1"/>
-        </a:fillRef>
-        <a:effectRef idx="1">
-          <a:schemeClr val="accent1"/>
-        </a:effectRef>
-        <a:fontRef idx="minor">
-          <a:schemeClr val="tx1"/>
-        </a:fontRef>
-      </a:style>
-    </a:lnDef>
-  </a:objectDefaults>
+  <a:objectDefaults/>
   <a:extraClrSchemeLst/>
+  <a:extLst>
+    <a:ext uri="{05A4C25C-085E-4340-85A3-A5531E510DB2}">
+      <thm15:themeFamily xmlns:thm15="http://schemas.microsoft.com/office/thememl/2012/main" name="intermediatev2" id="{63F5E447-E8B5-4335-8726-12777BA731C5}" vid="{7C754D33-5435-4000-AB94-F54A58B2A981}"/>
+    </a:ext>
+  </a:extLst>
 </a:theme>
 </file>
 
@@ -10029,4 +14218,324 @@
   </a:objectDefaults>
   <a:extraClrSchemeLst/>
 </a:theme>
+</file>
+
+<file path=ppt/theme/theme4.xml><?xml version="1.0" encoding="utf-8"?>
+<a:theme xmlns:a="http://schemas.openxmlformats.org/drawingml/2006/main" name="Office Theme">
+  <a:themeElements>
+    <a:clrScheme name="Office">
+      <a:dk1>
+        <a:sysClr val="windowText" lastClr="000000"/>
+      </a:dk1>
+      <a:lt1>
+        <a:sysClr val="window" lastClr="FFFFFF"/>
+      </a:lt1>
+      <a:dk2>
+        <a:srgbClr val="1F497D"/>
+      </a:dk2>
+      <a:lt2>
+        <a:srgbClr val="EEECE1"/>
+      </a:lt2>
+      <a:accent1>
+        <a:srgbClr val="4F81BD"/>
+      </a:accent1>
+      <a:accent2>
+        <a:srgbClr val="C0504D"/>
+      </a:accent2>
+      <a:accent3>
+        <a:srgbClr val="9BBB59"/>
+      </a:accent3>
+      <a:accent4>
+        <a:srgbClr val="8064A2"/>
+      </a:accent4>
+      <a:accent5>
+        <a:srgbClr val="4BACC6"/>
+      </a:accent5>
+      <a:accent6>
+        <a:srgbClr val="F79646"/>
+      </a:accent6>
+      <a:hlink>
+        <a:srgbClr val="0000FF"/>
+      </a:hlink>
+      <a:folHlink>
+        <a:srgbClr val="800080"/>
+      </a:folHlink>
+    </a:clrScheme>
+    <a:fontScheme name="Office">
+      <a:majorFont>
+        <a:latin typeface="Calibri"/>
+        <a:ea typeface=""/>
+        <a:cs typeface=""/>
+        <a:font script="Jpan" typeface="ＭＳ Ｐゴシック"/>
+        <a:font script="Hang" typeface="맑은 고딕"/>
+        <a:font script="Hans" typeface="宋体"/>
+        <a:font script="Hant" typeface="新細明體"/>
+        <a:font script="Arab" typeface="Times New Roman"/>
+        <a:font script="Hebr" typeface="Times New Roman"/>
+        <a:font script="Thai" typeface="Angsana New"/>
+        <a:font script="Ethi" typeface="Nyala"/>
+        <a:font script="Beng" typeface="Vrinda"/>
+        <a:font script="Gujr" typeface="Shruti"/>
+        <a:font script="Khmr" typeface="MoolBoran"/>
+        <a:font script="Knda" typeface="Tunga"/>
+        <a:font script="Guru" typeface="Raavi"/>
+        <a:font script="Cans" typeface="Euphemia"/>
+        <a:font script="Cher" typeface="Plantagenet Cherokee"/>
+        <a:font script="Yiii" typeface="Microsoft Yi Baiti"/>
+        <a:font script="Tibt" typeface="Microsoft Himalaya"/>
+        <a:font script="Thaa" typeface="MV Boli"/>
+        <a:font script="Deva" typeface="Mangal"/>
+        <a:font script="Telu" typeface="Gautami"/>
+        <a:font script="Taml" typeface="Latha"/>
+        <a:font script="Syrc" typeface="Estrangelo Edessa"/>
+        <a:font script="Orya" typeface="Kalinga"/>
+        <a:font script="Mlym" typeface="Kartika"/>
+        <a:font script="Laoo" typeface="DokChampa"/>
+        <a:font script="Sinh" typeface="Iskoola Pota"/>
+        <a:font script="Mong" typeface="Mongolian Baiti"/>
+        <a:font script="Viet" typeface="Times New Roman"/>
+        <a:font script="Uigh" typeface="Microsoft Uighur"/>
+        <a:font script="Geor" typeface="Sylfaen"/>
+      </a:majorFont>
+      <a:minorFont>
+        <a:latin typeface="Calibri"/>
+        <a:ea typeface=""/>
+        <a:cs typeface=""/>
+        <a:font script="Jpan" typeface="ＭＳ Ｐゴシック"/>
+        <a:font script="Hang" typeface="맑은 고딕"/>
+        <a:font script="Hans" typeface="宋体"/>
+        <a:font script="Hant" typeface="新細明體"/>
+        <a:font script="Arab" typeface="Arial"/>
+        <a:font script="Hebr" typeface="Arial"/>
+        <a:font script="Thai" typeface="Cordia New"/>
+        <a:font script="Ethi" typeface="Nyala"/>
+        <a:font script="Beng" typeface="Vrinda"/>
+        <a:font script="Gujr" typeface="Shruti"/>
+        <a:font script="Khmr" typeface="DaunPenh"/>
+        <a:font script="Knda" typeface="Tunga"/>
+        <a:font script="Guru" typeface="Raavi"/>
+        <a:font script="Cans" typeface="Euphemia"/>
+        <a:font script="Cher" typeface="Plantagenet Cherokee"/>
+        <a:font script="Yiii" typeface="Microsoft Yi Baiti"/>
+        <a:font script="Tibt" typeface="Microsoft Himalaya"/>
+        <a:font script="Thaa" typeface="MV Boli"/>
+        <a:font script="Deva" typeface="Mangal"/>
+        <a:font script="Telu" typeface="Gautami"/>
+        <a:font script="Taml" typeface="Latha"/>
+        <a:font script="Syrc" typeface="Estrangelo Edessa"/>
+        <a:font script="Orya" typeface="Kalinga"/>
+        <a:font script="Mlym" typeface="Kartika"/>
+        <a:font script="Laoo" typeface="DokChampa"/>
+        <a:font script="Sinh" typeface="Iskoola Pota"/>
+        <a:font script="Mong" typeface="Mongolian Baiti"/>
+        <a:font script="Viet" typeface="Arial"/>
+        <a:font script="Uigh" typeface="Microsoft Uighur"/>
+        <a:font script="Geor" typeface="Sylfaen"/>
+      </a:minorFont>
+    </a:fontScheme>
+    <a:fmtScheme name="Office">
+      <a:fillStyleLst>
+        <a:solidFill>
+          <a:schemeClr val="phClr"/>
+        </a:solidFill>
+        <a:gradFill rotWithShape="1">
+          <a:gsLst>
+            <a:gs pos="0">
+              <a:schemeClr val="phClr">
+                <a:tint val="50000"/>
+                <a:satMod val="300000"/>
+              </a:schemeClr>
+            </a:gs>
+            <a:gs pos="35000">
+              <a:schemeClr val="phClr">
+                <a:tint val="37000"/>
+                <a:satMod val="300000"/>
+              </a:schemeClr>
+            </a:gs>
+            <a:gs pos="100000">
+              <a:schemeClr val="phClr">
+                <a:tint val="15000"/>
+                <a:satMod val="350000"/>
+              </a:schemeClr>
+            </a:gs>
+          </a:gsLst>
+          <a:lin ang="16200000" scaled="1"/>
+        </a:gradFill>
+        <a:gradFill rotWithShape="1">
+          <a:gsLst>
+            <a:gs pos="0">
+              <a:schemeClr val="phClr">
+                <a:tint val="100000"/>
+                <a:shade val="100000"/>
+                <a:satMod val="130000"/>
+              </a:schemeClr>
+            </a:gs>
+            <a:gs pos="100000">
+              <a:schemeClr val="phClr">
+                <a:tint val="50000"/>
+                <a:shade val="100000"/>
+                <a:satMod val="350000"/>
+              </a:schemeClr>
+            </a:gs>
+          </a:gsLst>
+          <a:lin ang="16200000" scaled="0"/>
+        </a:gradFill>
+      </a:fillStyleLst>
+      <a:lnStyleLst>
+        <a:ln w="9525" cap="flat" cmpd="sng" algn="ctr">
+          <a:solidFill>
+            <a:schemeClr val="phClr">
+              <a:shade val="95000"/>
+              <a:satMod val="105000"/>
+            </a:schemeClr>
+          </a:solidFill>
+          <a:prstDash val="solid"/>
+        </a:ln>
+        <a:ln w="25400" cap="flat" cmpd="sng" algn="ctr">
+          <a:solidFill>
+            <a:schemeClr val="phClr"/>
+          </a:solidFill>
+          <a:prstDash val="solid"/>
+        </a:ln>
+        <a:ln w="38100" cap="flat" cmpd="sng" algn="ctr">
+          <a:solidFill>
+            <a:schemeClr val="phClr"/>
+          </a:solidFill>
+          <a:prstDash val="solid"/>
+        </a:ln>
+      </a:lnStyleLst>
+      <a:effectStyleLst>
+        <a:effectStyle>
+          <a:effectLst>
+            <a:outerShdw blurRad="40000" dist="20000" dir="5400000" rotWithShape="0">
+              <a:srgbClr val="000000">
+                <a:alpha val="38000"/>
+              </a:srgbClr>
+            </a:outerShdw>
+          </a:effectLst>
+        </a:effectStyle>
+        <a:effectStyle>
+          <a:effectLst>
+            <a:outerShdw blurRad="40000" dist="23000" dir="5400000" rotWithShape="0">
+              <a:srgbClr val="000000">
+                <a:alpha val="35000"/>
+              </a:srgbClr>
+            </a:outerShdw>
+          </a:effectLst>
+        </a:effectStyle>
+        <a:effectStyle>
+          <a:effectLst>
+            <a:outerShdw blurRad="40000" dist="23000" dir="5400000" rotWithShape="0">
+              <a:srgbClr val="000000">
+                <a:alpha val="35000"/>
+              </a:srgbClr>
+            </a:outerShdw>
+          </a:effectLst>
+          <a:scene3d>
+            <a:camera prst="orthographicFront">
+              <a:rot lat="0" lon="0" rev="0"/>
+            </a:camera>
+            <a:lightRig rig="threePt" dir="t">
+              <a:rot lat="0" lon="0" rev="1200000"/>
+            </a:lightRig>
+          </a:scene3d>
+          <a:sp3d>
+            <a:bevelT w="63500" h="25400"/>
+          </a:sp3d>
+        </a:effectStyle>
+      </a:effectStyleLst>
+      <a:bgFillStyleLst>
+        <a:solidFill>
+          <a:schemeClr val="phClr"/>
+        </a:solidFill>
+        <a:gradFill rotWithShape="1">
+          <a:gsLst>
+            <a:gs pos="0">
+              <a:schemeClr val="phClr">
+                <a:tint val="40000"/>
+                <a:satMod val="350000"/>
+              </a:schemeClr>
+            </a:gs>
+            <a:gs pos="40000">
+              <a:schemeClr val="phClr">
+                <a:tint val="45000"/>
+                <a:shade val="99000"/>
+                <a:satMod val="350000"/>
+              </a:schemeClr>
+            </a:gs>
+            <a:gs pos="100000">
+              <a:schemeClr val="phClr">
+                <a:shade val="20000"/>
+                <a:satMod val="255000"/>
+              </a:schemeClr>
+            </a:gs>
+          </a:gsLst>
+          <a:path path="circle">
+            <a:fillToRect l="50000" t="-80000" r="50000" b="180000"/>
+          </a:path>
+        </a:gradFill>
+        <a:gradFill rotWithShape="1">
+          <a:gsLst>
+            <a:gs pos="0">
+              <a:schemeClr val="phClr">
+                <a:tint val="80000"/>
+                <a:satMod val="300000"/>
+              </a:schemeClr>
+            </a:gs>
+            <a:gs pos="100000">
+              <a:schemeClr val="phClr">
+                <a:shade val="30000"/>
+                <a:satMod val="200000"/>
+              </a:schemeClr>
+            </a:gs>
+          </a:gsLst>
+          <a:path path="circle">
+            <a:fillToRect l="50000" t="50000" r="50000" b="50000"/>
+          </a:path>
+        </a:gradFill>
+      </a:bgFillStyleLst>
+    </a:fmtScheme>
+  </a:themeElements>
+  <a:objectDefaults>
+    <a:spDef>
+      <a:spPr/>
+      <a:bodyPr/>
+      <a:lstStyle/>
+      <a:style>
+        <a:lnRef idx="1">
+          <a:schemeClr val="accent1"/>
+        </a:lnRef>
+        <a:fillRef idx="3">
+          <a:schemeClr val="accent1"/>
+        </a:fillRef>
+        <a:effectRef idx="2">
+          <a:schemeClr val="accent1"/>
+        </a:effectRef>
+        <a:fontRef idx="minor">
+          <a:schemeClr val="lt1"/>
+        </a:fontRef>
+      </a:style>
+    </a:spDef>
+    <a:lnDef>
+      <a:spPr/>
+      <a:bodyPr/>
+      <a:lstStyle/>
+      <a:style>
+        <a:lnRef idx="2">
+          <a:schemeClr val="accent1"/>
+        </a:lnRef>
+        <a:fillRef idx="0">
+          <a:schemeClr val="accent1"/>
+        </a:fillRef>
+        <a:effectRef idx="1">
+          <a:schemeClr val="accent1"/>
+        </a:effectRef>
+        <a:fontRef idx="minor">
+          <a:schemeClr val="tx1"/>
+        </a:fontRef>
+      </a:style>
+    </a:lnDef>
+  </a:objectDefaults>
+  <a:extraClrSchemeLst/>
+</a:theme>
 </file>
--- a/translations/en-us/intermediate/Reliability.pptx
+++ b/translations/en-us/intermediate/Reliability.pptx
@@ -223,7 +223,7 @@
           <a:p>
             <a:fld id="{E51D27F7-9EF7-0C4F-894E-C435E4AB2EBC}" type="datetimeFigureOut">
               <a:rPr lang="en-US" smtClean="0"/>
-              <a:t>7/7/2016</a:t>
+              <a:t>7/19/16</a:t>
             </a:fld>
             <a:endParaRPr lang="en-US"/>
           </a:p>
@@ -389,7 +389,7 @@
           <a:p>
             <a:fld id="{28FF3520-AFFD-1446-A579-6C83B4D7BADC}" type="datetimeFigureOut">
               <a:rPr lang="en-US" smtClean="0"/>
-              <a:t>7/7/2016</a:t>
+              <a:t>7/19/16</a:t>
             </a:fld>
             <a:endParaRPr lang="en-US"/>
           </a:p>
@@ -930,7 +930,7 @@
           <a:p>
             <a:fld id="{D2FF36FD-2B6F-441C-A1CE-0902E0C59CBD}" type="datetime1">
               <a:rPr lang="en-US" smtClean="0"/>
-              <a:t>7/7/2016</a:t>
+              <a:t>7/19/16</a:t>
             </a:fld>
             <a:endParaRPr lang="en-US"/>
           </a:p>
@@ -1190,7 +1190,7 @@
           <a:noFill/>
           <a:extLst>
             <a:ext uri="{909E8E84-426E-40dd-AFC4-6F175D3DCCD1}">
-              <a14:hiddenFill xmlns:a14="http://schemas.microsoft.com/office/drawing/2010/main" xmlns="">
+              <a14:hiddenFill xmlns="" xmlns:a14="http://schemas.microsoft.com/office/drawing/2010/main">
                 <a:solidFill>
                   <a:srgbClr val="FFFFFF"/>
                 </a:solidFill>
@@ -1321,7 +1321,7 @@
           <a:p>
             <a:fld id="{EAE20AF0-8636-47DE-AAD4-68AE79A4660D}" type="datetime1">
               <a:rPr lang="en-US" smtClean="0"/>
-              <a:t>7/7/2016</a:t>
+              <a:t>7/19/16</a:t>
             </a:fld>
             <a:endParaRPr lang="en-US"/>
           </a:p>
@@ -1580,7 +1580,7 @@
           <a:p>
             <a:fld id="{49477A04-3904-4CF9-A230-09C8F967D662}" type="datetime1">
               <a:rPr lang="en-US" smtClean="0"/>
-              <a:t>7/7/2016</a:t>
+              <a:t>7/19/16</a:t>
             </a:fld>
             <a:endParaRPr lang="en-US"/>
           </a:p>
@@ -1834,7 +1834,7 @@
           <a:p>
             <a:fld id="{B23410ED-5F0C-4D4E-9795-9CC6048A2E17}" type="datetime1">
               <a:rPr lang="en-US" smtClean="0"/>
-              <a:t>7/7/2016</a:t>
+              <a:t>7/19/16</a:t>
             </a:fld>
             <a:endParaRPr lang="en-US"/>
           </a:p>
@@ -2279,7 +2279,7 @@
           <a:p>
             <a:fld id="{B20EDCE6-ACD5-4AC1-AE6D-06E9F2CA9FD8}" type="datetime1">
               <a:rPr lang="en-US" smtClean="0"/>
-              <a:t>7/7/2016</a:t>
+              <a:t>7/19/16</a:t>
             </a:fld>
             <a:endParaRPr lang="en-US"/>
           </a:p>
@@ -2625,7 +2625,7 @@
           <a:p>
             <a:fld id="{B7101DEE-63A6-49BE-AA82-875208695C43}" type="datetime1">
               <a:rPr lang="en-US" smtClean="0"/>
-              <a:t>7/7/2016</a:t>
+              <a:t>7/19/16</a:t>
             </a:fld>
             <a:endParaRPr lang="en-US"/>
           </a:p>
@@ -2903,7 +2903,7 @@
           <a:p>
             <a:fld id="{32E2F1A3-AFC7-4856-A176-88B8FCB0D669}" type="datetime1">
               <a:rPr lang="en-US" smtClean="0"/>
-              <a:t>7/7/2016</a:t>
+              <a:t>7/19/16</a:t>
             </a:fld>
             <a:endParaRPr lang="en-US"/>
           </a:p>
@@ -3286,7 +3286,7 @@
           <a:p>
             <a:fld id="{773DBFA2-D6E5-460B-B914-86E60680B45C}" type="datetime1">
               <a:rPr lang="en-US" smtClean="0"/>
-              <a:t>7/7/2016</a:t>
+              <a:t>7/19/16</a:t>
             </a:fld>
             <a:endParaRPr lang="en-US"/>
           </a:p>
@@ -3407,7 +3407,7 @@
           <a:p>
             <a:fld id="{B4E52E1B-D789-4BCF-B3A6-D685A2853325}" type="datetime1">
               <a:rPr lang="en-US" smtClean="0"/>
-              <a:t>7/7/2016</a:t>
+              <a:t>7/19/16</a:t>
             </a:fld>
             <a:endParaRPr lang="en-US"/>
           </a:p>
@@ -3581,7 +3581,7 @@
           <a:p>
             <a:fld id="{07B07086-B293-41EC-9D5B-C06D2682C97D}" type="datetime1">
               <a:rPr lang="en-US" smtClean="0"/>
-              <a:t>7/7/2016</a:t>
+              <a:t>7/19/16</a:t>
             </a:fld>
             <a:endParaRPr lang="en-US"/>
           </a:p>
@@ -3938,7 +3938,7 @@
           <a:p>
             <a:fld id="{7EB758F7-42FF-4524-920E-EE5B409A5247}" type="datetime1">
               <a:rPr lang="en-US" smtClean="0"/>
-              <a:t>7/7/2016</a:t>
+              <a:t>7/19/16</a:t>
             </a:fld>
             <a:endParaRPr lang="en-US"/>
           </a:p>
@@ -4132,7 +4132,7 @@
           <a:p>
             <a:fld id="{B8A9D527-3693-43A6-89CE-8B3346814790}" type="datetime1">
               <a:rPr lang="en-US" smtClean="0"/>
-              <a:t>7/7/2016</a:t>
+              <a:t>7/19/16</a:t>
             </a:fld>
             <a:endParaRPr lang="en-US"/>
           </a:p>
@@ -4496,7 +4496,7 @@
           <a:p>
             <a:fld id="{21E6F0C5-0551-4848-9C32-CD7EBCAF02D0}" type="datetime1">
               <a:rPr lang="en-US" smtClean="0"/>
-              <a:t>7/7/2016</a:t>
+              <a:t>7/19/16</a:t>
             </a:fld>
             <a:endParaRPr lang="en-US"/>
           </a:p>
@@ -4669,7 +4669,7 @@
           <a:p>
             <a:fld id="{31989537-D455-45F9-A669-1E3B9704FFA5}" type="datetime1">
               <a:rPr lang="en-US" smtClean="0"/>
-              <a:t>7/7/2016</a:t>
+              <a:t>7/19/16</a:t>
             </a:fld>
             <a:endParaRPr lang="en-US"/>
           </a:p>
@@ -4928,7 +4928,7 @@
           <a:p>
             <a:fld id="{98332522-D15E-4B44-96D6-FC6A8E2C891A}" type="datetime1">
               <a:rPr lang="en-US" smtClean="0"/>
-              <a:t>7/7/2016</a:t>
+              <a:t>7/19/16</a:t>
             </a:fld>
             <a:endParaRPr lang="en-US"/>
           </a:p>
@@ -5274,7 +5274,7 @@
           <a:p>
             <a:fld id="{BFA6EECA-E316-4651-8813-CEE6BF3D77BC}" type="datetime1">
               <a:rPr lang="en-US" smtClean="0"/>
-              <a:t>7/7/2016</a:t>
+              <a:t>7/19/16</a:t>
             </a:fld>
             <a:endParaRPr lang="en-US"/>
           </a:p>
@@ -5552,7 +5552,7 @@
           <a:p>
             <a:fld id="{D20DE9D4-21C8-4B41-86E7-8DD839FA824C}" type="datetime1">
               <a:rPr lang="en-US" smtClean="0"/>
-              <a:t>7/7/2016</a:t>
+              <a:t>7/19/16</a:t>
             </a:fld>
             <a:endParaRPr lang="en-US"/>
           </a:p>
@@ -5935,7 +5935,7 @@
           <a:p>
             <a:fld id="{AEAB7FC9-AAA5-4077-BACC-A494F6817E3A}" type="datetime1">
               <a:rPr lang="en-US" smtClean="0"/>
-              <a:t>7/7/2016</a:t>
+              <a:t>7/19/16</a:t>
             </a:fld>
             <a:endParaRPr lang="en-US"/>
           </a:p>
@@ -6056,7 +6056,7 @@
           <a:p>
             <a:fld id="{B2611E26-9CB3-4135-A8CC-BF69ACF672AB}" type="datetime1">
               <a:rPr lang="en-US" smtClean="0"/>
-              <a:t>7/7/2016</a:t>
+              <a:t>7/19/16</a:t>
             </a:fld>
             <a:endParaRPr lang="en-US"/>
           </a:p>
@@ -6230,7 +6230,7 @@
           <a:p>
             <a:fld id="{F89894B6-210A-4C2D-9C16-6F4C5BA42767}" type="datetime1">
               <a:rPr lang="en-US" smtClean="0"/>
-              <a:t>7/7/2016</a:t>
+              <a:t>7/19/16</a:t>
             </a:fld>
             <a:endParaRPr lang="en-US"/>
           </a:p>
@@ -6587,7 +6587,7 @@
           <a:p>
             <a:fld id="{4D3AEFA5-86F3-476C-91DB-8756EE843861}" type="datetime1">
               <a:rPr lang="en-US" smtClean="0"/>
-              <a:t>7/7/2016</a:t>
+              <a:t>7/19/16</a:t>
             </a:fld>
             <a:endParaRPr lang="en-US"/>
           </a:p>
@@ -6972,7 +6972,7 @@
           <a:p>
             <a:fld id="{7547BE66-6396-4BC8-A4E9-AD761FF4D0B0}" type="datetime1">
               <a:rPr lang="en-US" smtClean="0"/>
-              <a:t>7/7/2016</a:t>
+              <a:t>7/19/16</a:t>
             </a:fld>
             <a:endParaRPr lang="en-US"/>
           </a:p>
@@ -7264,7 +7264,7 @@
           <a:p>
             <a:fld id="{344384A6-800E-4229-85D0-B2D75768AC16}" type="datetime1">
               <a:rPr lang="en-US" smtClean="0"/>
-              <a:t>7/7/2016</a:t>
+              <a:t>7/19/16</a:t>
             </a:fld>
             <a:endParaRPr lang="en-US" dirty="0"/>
           </a:p>
@@ -8042,7 +8042,7 @@
           <a:p>
             <a:fld id="{9F30313C-1D09-46FF-BEAE-90A6FCD1B73F}" type="datetime1">
               <a:rPr lang="en-US" smtClean="0"/>
-              <a:t>7/7/2016</a:t>
+              <a:t>7/19/16</a:t>
             </a:fld>
             <a:endParaRPr lang="en-US" dirty="0"/>
           </a:p>
@@ -8699,6 +8699,35 @@
           </a:p>
         </p:txBody>
       </p:sp>
+      <p:pic>
+        <p:nvPicPr>
+          <p:cNvPr id="4" name="Picture 3"/>
+          <p:cNvPicPr>
+            <a:picLocks noChangeAspect="1"/>
+          </p:cNvPicPr>
+          <p:nvPr/>
+        </p:nvPicPr>
+        <p:blipFill rotWithShape="1">
+          <a:blip r:embed="rId2">
+            <a:extLst>
+              <a:ext uri="{28A0092B-C50C-407E-A947-70E740481C1C}">
+                <a14:useLocalDpi xmlns:a14="http://schemas.microsoft.com/office/drawing/2010/main" val="0"/>
+              </a:ext>
+            </a:extLst>
+          </a:blip>
+          <a:srcRect l="4523" t="17619" r="3095" b="25000"/>
+          <a:stretch/>
+        </p:blipFill>
+        <p:spPr>
+          <a:xfrm>
+            <a:off x="3711108" y="4592409"/>
+            <a:ext cx="1700816" cy="1056435"/>
+          </a:xfrm>
+          <a:prstGeom prst="rect">
+            <a:avLst/>
+          </a:prstGeom>
+        </p:spPr>
+      </p:pic>
     </p:spTree>
     <p:extLst>
       <p:ext uri="{BB962C8B-B14F-4D97-AF65-F5344CB8AC3E}">
@@ -9202,7 +9231,7 @@
           <a:effectLst/>
           <a:extLst>
             <a:ext uri="{91240B29-F687-4f45-9708-019B960494DF}">
-              <a14:hiddenLine xmlns="" xmlns:a14="http://schemas.microsoft.com/office/drawing/2010/main" w="9525">
+              <a14:hiddenLine xmlns:a14="http://schemas.microsoft.com/office/drawing/2010/main" xmlns="" w="9525">
                 <a:solidFill>
                   <a:schemeClr val="tx1"/>
                 </a:solidFill>
@@ -9212,7 +9241,7 @@
               </a14:hiddenLine>
             </a:ext>
             <a:ext uri="{AF507438-7753-43e0-B8FC-AC1667EBCBE1}">
-              <a14:hiddenEffects xmlns="" xmlns:a14="http://schemas.microsoft.com/office/drawing/2010/main">
+              <a14:hiddenEffects xmlns:a14="http://schemas.microsoft.com/office/drawing/2010/main" xmlns="">
                 <a:effectLst>
                   <a:outerShdw dist="35921" dir="2700000" algn="ctr" rotWithShape="0">
                     <a:schemeClr val="bg2"/>
@@ -9387,6 +9416,18 @@
               </a:rPr>
               <a:t>                         </a:t>
             </a:r>
+            <a:r>
+              <a:rPr kumimoji="0" lang="en-US" altLang="en-US" sz="1600" b="0" i="0" u="none" strike="noStrike" cap="none" normalizeH="0" baseline="0" dirty="0">
+                <a:ln>
+                  <a:noFill/>
+                </a:ln>
+                <a:solidFill>
+                  <a:schemeClr val="tx1"/>
+                </a:solidFill>
+                <a:effectLst/>
+              </a:rPr>
+              <a:t/>
+            </a:r>
             <a:br>
               <a:rPr kumimoji="0" lang="en-US" altLang="en-US" sz="1600" b="0" i="0" u="none" strike="noStrike" cap="none" normalizeH="0" baseline="0" dirty="0">
                 <a:ln>
@@ -9791,14 +9832,14 @@
                 <a:gridCol w="4095524">
                   <a:extLst>
                     <a:ext uri="{9D8B030D-6E8A-4147-A177-3AD203B41FA5}">
-                      <a16:colId xmlns:a16="http://schemas.microsoft.com/office/drawing/2014/main" val="20000"/>
+                      <a16:colId xmlns:a16="http://schemas.microsoft.com/office/drawing/2014/main" xmlns="" val="20000"/>
                     </a:ext>
                   </a:extLst>
                 </a:gridCol>
                 <a:gridCol w="4095524">
                   <a:extLst>
                     <a:ext uri="{9D8B030D-6E8A-4147-A177-3AD203B41FA5}">
-                      <a16:colId xmlns:a16="http://schemas.microsoft.com/office/drawing/2014/main" val="20001"/>
+                      <a16:colId xmlns:a16="http://schemas.microsoft.com/office/drawing/2014/main" xmlns="" val="20001"/>
                     </a:ext>
                   </a:extLst>
                 </a:gridCol>
@@ -9834,7 +9875,7 @@
                 </a:tc>
                 <a:extLst>
                   <a:ext uri="{0D108BD9-81ED-4DB2-BD59-A6C34878D82A}">
-                    <a16:rowId xmlns:a16="http://schemas.microsoft.com/office/drawing/2014/main" val="10000"/>
+                    <a16:rowId xmlns:a16="http://schemas.microsoft.com/office/drawing/2014/main" xmlns="" val="10000"/>
                   </a:ext>
                 </a:extLst>
               </a:tr>
@@ -9909,7 +9950,7 @@
                 </a:tc>
                 <a:extLst>
                   <a:ext uri="{0D108BD9-81ED-4DB2-BD59-A6C34878D82A}">
-                    <a16:rowId xmlns:a16="http://schemas.microsoft.com/office/drawing/2014/main" val="10001"/>
+                    <a16:rowId xmlns:a16="http://schemas.microsoft.com/office/drawing/2014/main" xmlns="" val="10001"/>
                   </a:ext>
                 </a:extLst>
               </a:tr>
@@ -9968,7 +10009,7 @@
                 </a:tc>
                 <a:extLst>
                   <a:ext uri="{0D108BD9-81ED-4DB2-BD59-A6C34878D82A}">
-                    <a16:rowId xmlns:a16="http://schemas.microsoft.com/office/drawing/2014/main" val="10002"/>
+                    <a16:rowId xmlns:a16="http://schemas.microsoft.com/office/drawing/2014/main" xmlns="" val="10002"/>
                   </a:ext>
                 </a:extLst>
               </a:tr>
@@ -10010,7 +10051,7 @@
                 </a:tc>
                 <a:extLst>
                   <a:ext uri="{0D108BD9-81ED-4DB2-BD59-A6C34878D82A}">
-                    <a16:rowId xmlns:a16="http://schemas.microsoft.com/office/drawing/2014/main" val="10003"/>
+                    <a16:rowId xmlns:a16="http://schemas.microsoft.com/office/drawing/2014/main" xmlns="" val="10003"/>
                   </a:ext>
                 </a:extLst>
               </a:tr>
@@ -10105,7 +10146,7 @@
                 </a:tc>
                 <a:extLst>
                   <a:ext uri="{0D108BD9-81ED-4DB2-BD59-A6C34878D82A}">
-                    <a16:rowId xmlns:a16="http://schemas.microsoft.com/office/drawing/2014/main" val="10004"/>
+                    <a16:rowId xmlns:a16="http://schemas.microsoft.com/office/drawing/2014/main" xmlns="" val="10004"/>
                   </a:ext>
                 </a:extLst>
               </a:tr>
@@ -10164,7 +10205,7 @@
                 </a:tc>
                 <a:extLst>
                   <a:ext uri="{0D108BD9-81ED-4DB2-BD59-A6C34878D82A}">
-                    <a16:rowId xmlns:a16="http://schemas.microsoft.com/office/drawing/2014/main" val="10005"/>
+                    <a16:rowId xmlns:a16="http://schemas.microsoft.com/office/drawing/2014/main" xmlns="" val="10005"/>
                   </a:ext>
                 </a:extLst>
               </a:tr>
